--- a/script(1).pptx
+++ b/script(1).pptx
@@ -4292,6 +4292,24 @@
             <a:pPr marL="0" indent="0" algn="ctr">
               <a:buNone/>
             </a:pPr>
+            <a:r>
+              <a:rPr lang="en-US" altLang="zh-CN" sz="2400" b="1" i="1" dirty="0">
+                <a:latin typeface="Avenir Book" panose="02000503020000020003" pitchFamily="2" charset="0"/>
+                <a:cs typeface="Arial" panose="020B0604020202020204" pitchFamily="34" charset="0"/>
+              </a:rPr>
+              <a:t>IEEE VIS 2023</a:t>
+            </a:r>
+          </a:p>
+          <a:p>
+            <a:pPr marL="0" indent="0" algn="ctr">
+              <a:buNone/>
+            </a:pPr>
+            <a:br>
+              <a:rPr lang="en-US" altLang="zh-CN" sz="2400" dirty="0">
+                <a:latin typeface="Avenir Book" panose="02000503020000020003" pitchFamily="2" charset="0"/>
+                <a:cs typeface="Arial" panose="020B0604020202020204" pitchFamily="34" charset="0"/>
+              </a:rPr>
+            </a:br>
             <a:r>
               <a:rPr lang="en-US" altLang="zh-CN" sz="2400" dirty="0">
                 <a:latin typeface="Avenir Book" panose="02000503020000020003" pitchFamily="2" charset="0"/>

--- a/script(1).pptx
+++ b/script(1).pptx
@@ -619,7 +619,7 @@
                 <a:latin typeface="Arial" panose="020B0604020202020204" pitchFamily="34" charset="0"/>
                 <a:cs typeface="Arial" panose="020B0604020202020204" pitchFamily="34" charset="0"/>
               </a:rPr>
-              <a:t>The lack of interpretability and sensitivity to data representations grow the need for </a:t>
+              <a:t>The lack of interpretability and sensitivity to deep learning models and data representations grow the need for </a:t>
             </a:r>
             <a:r>
               <a:rPr lang="en-US" altLang="zh-CN" sz="1200" b="0" i="0" dirty="0">
@@ -857,7 +857,7 @@
           <a:p>
             <a:r>
               <a:rPr lang="en-US" altLang="zh-CN" dirty="0"/>
-              <a:t>We summarized a set of analytical tasks and categorized them into three data levels: Variable Level, </a:t>
+              <a:t>We summarized a set of analytical tasks and categorized them into three data levels: Variable Level, representation level and prediction level.</a:t>
             </a:r>
             <a:endParaRPr lang="zh-CN" altLang="en-US" dirty="0"/>
           </a:p>

--- a/script(1).pptx
+++ b/script(1).pptx
@@ -122,6 +122,35 @@
 </p:presentation>
 </file>
 
+<file path=ppt/changesInfos/changesInfo1.xml><?xml version="1.0" encoding="utf-8"?>
+<pc:chgInfo xmlns:a="http://schemas.openxmlformats.org/drawingml/2006/main" xmlns:r="http://schemas.openxmlformats.org/officeDocument/2006/relationships" xmlns:ac="http://schemas.microsoft.com/office/drawing/2013/main/command" xmlns:pc="http://schemas.microsoft.com/office/powerpoint/2013/main/command">
+  <pc:docChgLst>
+    <pc:chgData name="SHI Qing" userId="14958df6-2a70-49ba-a6bb-0d84d535fa57" providerId="ADAL" clId="{53A2D03C-0902-3F4F-AA2C-0E89EC5AC7AE}"/>
+    <pc:docChg chg="modSld">
+      <pc:chgData name="SHI Qing" userId="14958df6-2a70-49ba-a6bb-0d84d535fa57" providerId="ADAL" clId="{53A2D03C-0902-3F4F-AA2C-0E89EC5AC7AE}" dt="2023-06-24T12:03:35.162" v="0" actId="114"/>
+      <pc:docMkLst>
+        <pc:docMk/>
+      </pc:docMkLst>
+      <pc:sldChg chg="modSp mod">
+        <pc:chgData name="SHI Qing" userId="14958df6-2a70-49ba-a6bb-0d84d535fa57" providerId="ADAL" clId="{53A2D03C-0902-3F4F-AA2C-0E89EC5AC7AE}" dt="2023-06-24T12:03:35.162" v="0" actId="114"/>
+        <pc:sldMkLst>
+          <pc:docMk/>
+          <pc:sldMk cId="3913440743" sldId="260"/>
+        </pc:sldMkLst>
+        <pc:spChg chg="mod">
+          <ac:chgData name="SHI Qing" userId="14958df6-2a70-49ba-a6bb-0d84d535fa57" providerId="ADAL" clId="{53A2D03C-0902-3F4F-AA2C-0E89EC5AC7AE}" dt="2023-06-24T12:03:35.162" v="0" actId="114"/>
+          <ac:spMkLst>
+            <pc:docMk/>
+            <pc:sldMk cId="3913440743" sldId="260"/>
+            <ac:spMk id="2" creationId="{F275D3FE-612F-3E2E-250C-6ACACBF8621D}"/>
+          </ac:spMkLst>
+        </pc:spChg>
+      </pc:sldChg>
+    </pc:docChg>
+  </pc:docChgLst>
+</pc:chgInfo>
+</file>
+
 <file path=ppt/notesMasters/notesMaster1.xml><?xml version="1.0" encoding="utf-8"?>
 <p:notesMaster xmlns:a="http://schemas.openxmlformats.org/drawingml/2006/main" xmlns:r="http://schemas.openxmlformats.org/officeDocument/2006/relationships" xmlns:p="http://schemas.openxmlformats.org/presentationml/2006/main">
   <p:cSld>
@@ -204,7 +233,7 @@
           <a:p>
             <a:fld id="{56488C5F-7933-4056-A138-F8E0AAB38235}" type="datetimeFigureOut">
               <a:rPr lang="zh-CN" altLang="en-US" smtClean="0"/>
-              <a:t>2023/4/1</a:t>
+              <a:t>2023/6/24</a:t>
             </a:fld>
             <a:endParaRPr lang="zh-CN" altLang="en-US"/>
           </a:p>
@@ -1130,7 +1159,7 @@
           <a:p>
             <a:fld id="{0016A32F-BE04-4790-9DB5-28628EA3EE5C}" type="datetimeFigureOut">
               <a:rPr lang="zh-CN" altLang="en-US" smtClean="0"/>
-              <a:t>2023/4/1</a:t>
+              <a:t>2023/6/24</a:t>
             </a:fld>
             <a:endParaRPr lang="zh-CN" altLang="en-US"/>
           </a:p>
@@ -1328,7 +1357,7 @@
           <a:p>
             <a:fld id="{0016A32F-BE04-4790-9DB5-28628EA3EE5C}" type="datetimeFigureOut">
               <a:rPr lang="zh-CN" altLang="en-US" smtClean="0"/>
-              <a:t>2023/4/1</a:t>
+              <a:t>2023/6/24</a:t>
             </a:fld>
             <a:endParaRPr lang="zh-CN" altLang="en-US"/>
           </a:p>
@@ -1536,7 +1565,7 @@
           <a:p>
             <a:fld id="{0016A32F-BE04-4790-9DB5-28628EA3EE5C}" type="datetimeFigureOut">
               <a:rPr lang="zh-CN" altLang="en-US" smtClean="0"/>
-              <a:t>2023/4/1</a:t>
+              <a:t>2023/6/24</a:t>
             </a:fld>
             <a:endParaRPr lang="zh-CN" altLang="en-US"/>
           </a:p>
@@ -1734,7 +1763,7 @@
           <a:p>
             <a:fld id="{0016A32F-BE04-4790-9DB5-28628EA3EE5C}" type="datetimeFigureOut">
               <a:rPr lang="zh-CN" altLang="en-US" smtClean="0"/>
-              <a:t>2023/4/1</a:t>
+              <a:t>2023/6/24</a:t>
             </a:fld>
             <a:endParaRPr lang="zh-CN" altLang="en-US"/>
           </a:p>
@@ -2009,7 +2038,7 @@
           <a:p>
             <a:fld id="{0016A32F-BE04-4790-9DB5-28628EA3EE5C}" type="datetimeFigureOut">
               <a:rPr lang="zh-CN" altLang="en-US" smtClean="0"/>
-              <a:t>2023/4/1</a:t>
+              <a:t>2023/6/24</a:t>
             </a:fld>
             <a:endParaRPr lang="zh-CN" altLang="en-US"/>
           </a:p>
@@ -2274,7 +2303,7 @@
           <a:p>
             <a:fld id="{0016A32F-BE04-4790-9DB5-28628EA3EE5C}" type="datetimeFigureOut">
               <a:rPr lang="zh-CN" altLang="en-US" smtClean="0"/>
-              <a:t>2023/4/1</a:t>
+              <a:t>2023/6/24</a:t>
             </a:fld>
             <a:endParaRPr lang="zh-CN" altLang="en-US"/>
           </a:p>
@@ -2686,7 +2715,7 @@
           <a:p>
             <a:fld id="{0016A32F-BE04-4790-9DB5-28628EA3EE5C}" type="datetimeFigureOut">
               <a:rPr lang="zh-CN" altLang="en-US" smtClean="0"/>
-              <a:t>2023/4/1</a:t>
+              <a:t>2023/6/24</a:t>
             </a:fld>
             <a:endParaRPr lang="zh-CN" altLang="en-US"/>
           </a:p>
@@ -2827,7 +2856,7 @@
           <a:p>
             <a:fld id="{0016A32F-BE04-4790-9DB5-28628EA3EE5C}" type="datetimeFigureOut">
               <a:rPr lang="zh-CN" altLang="en-US" smtClean="0"/>
-              <a:t>2023/4/1</a:t>
+              <a:t>2023/6/24</a:t>
             </a:fld>
             <a:endParaRPr lang="zh-CN" altLang="en-US"/>
           </a:p>
@@ -2940,7 +2969,7 @@
           <a:p>
             <a:fld id="{0016A32F-BE04-4790-9DB5-28628EA3EE5C}" type="datetimeFigureOut">
               <a:rPr lang="zh-CN" altLang="en-US" smtClean="0"/>
-              <a:t>2023/4/1</a:t>
+              <a:t>2023/6/24</a:t>
             </a:fld>
             <a:endParaRPr lang="zh-CN" altLang="en-US"/>
           </a:p>
@@ -3251,7 +3280,7 @@
           <a:p>
             <a:fld id="{0016A32F-BE04-4790-9DB5-28628EA3EE5C}" type="datetimeFigureOut">
               <a:rPr lang="zh-CN" altLang="en-US" smtClean="0"/>
-              <a:t>2023/4/1</a:t>
+              <a:t>2023/6/24</a:t>
             </a:fld>
             <a:endParaRPr lang="zh-CN" altLang="en-US"/>
           </a:p>
@@ -3539,7 +3568,7 @@
           <a:p>
             <a:fld id="{0016A32F-BE04-4790-9DB5-28628EA3EE5C}" type="datetimeFigureOut">
               <a:rPr lang="zh-CN" altLang="en-US" smtClean="0"/>
-              <a:t>2023/4/1</a:t>
+              <a:t>2023/6/24</a:t>
             </a:fld>
             <a:endParaRPr lang="zh-CN" altLang="en-US"/>
           </a:p>
@@ -3780,7 +3809,7 @@
           <a:p>
             <a:fld id="{0016A32F-BE04-4790-9DB5-28628EA3EE5C}" type="datetimeFigureOut">
               <a:rPr lang="zh-CN" altLang="en-US" smtClean="0"/>
-              <a:t>2023/4/1</a:t>
+              <a:t>2023/6/24</a:t>
             </a:fld>
             <a:endParaRPr lang="zh-CN" altLang="en-US"/>
           </a:p>
@@ -4231,11 +4260,18 @@
               </a:lnSpc>
             </a:pPr>
             <a:r>
+              <a:rPr lang="en-US" altLang="zh-CN" sz="3600" b="0" i="1" dirty="0">
+                <a:effectLst/>
+                <a:latin typeface="Avenir Book" panose="02000503020000020003" pitchFamily="2" charset="0"/>
+              </a:rPr>
+              <a:t>TimeTuner</a:t>
+            </a:r>
+            <a:r>
               <a:rPr lang="en-US" altLang="zh-CN" sz="3600" b="0" i="0" dirty="0">
                 <a:effectLst/>
                 <a:latin typeface="Avenir Book" panose="02000503020000020003" pitchFamily="2" charset="0"/>
               </a:rPr>
-              <a:t>TimeTuner: Diagnosing Time Representations for</a:t>
+              <a:t>: Diagnosing Time Representations for</a:t>
             </a:r>
             <a:r>
               <a:rPr lang="en-US" altLang="zh-CN" sz="3600" dirty="0">

--- a/script(1).pptx
+++ b/script(1).pptx
@@ -5,17 +5,19 @@
     <p:sldMasterId id="2147483648" r:id="rId1"/>
   </p:sldMasterIdLst>
   <p:notesMasterIdLst>
-    <p:notesMasterId r:id="rId10"/>
+    <p:notesMasterId r:id="rId12"/>
   </p:notesMasterIdLst>
   <p:sldIdLst>
     <p:sldId id="260" r:id="rId2"/>
     <p:sldId id="257" r:id="rId3"/>
     <p:sldId id="256" r:id="rId4"/>
-    <p:sldId id="259" r:id="rId5"/>
-    <p:sldId id="258" r:id="rId6"/>
-    <p:sldId id="261" r:id="rId7"/>
-    <p:sldId id="262" r:id="rId8"/>
-    <p:sldId id="264" r:id="rId9"/>
+    <p:sldId id="266" r:id="rId5"/>
+    <p:sldId id="265" r:id="rId6"/>
+    <p:sldId id="259" r:id="rId7"/>
+    <p:sldId id="258" r:id="rId8"/>
+    <p:sldId id="261" r:id="rId9"/>
+    <p:sldId id="262" r:id="rId10"/>
+    <p:sldId id="264" r:id="rId11"/>
   </p:sldIdLst>
   <p:sldSz cx="12192000" cy="6858000"/>
   <p:notesSz cx="6858000" cy="9144000"/>
@@ -122,27 +124,423 @@
 </p:presentation>
 </file>
 
+<file path=ppt/revisionInfo.xml><?xml version="1.0" encoding="utf-8"?>
+<p1510:revInfo xmlns:a="http://schemas.openxmlformats.org/drawingml/2006/main" xmlns:r="http://schemas.openxmlformats.org/officeDocument/2006/relationships" xmlns:p1510="http://schemas.microsoft.com/office/powerpoint/2015/10/main">
+  <p1510:revLst>
+    <p1510:client id="{53A2D03C-0902-3F4F-AA2C-0E89EC5AC7AE}" v="35" dt="2023-06-26T03:05:27.750"/>
+  </p1510:revLst>
+</p1510:revInfo>
+</file>
+
 <file path=ppt/changesInfos/changesInfo1.xml><?xml version="1.0" encoding="utf-8"?>
 <pc:chgInfo xmlns:a="http://schemas.openxmlformats.org/drawingml/2006/main" xmlns:r="http://schemas.openxmlformats.org/officeDocument/2006/relationships" xmlns:ac="http://schemas.microsoft.com/office/drawing/2013/main/command" xmlns:pc="http://schemas.microsoft.com/office/powerpoint/2013/main/command">
   <pc:docChgLst>
     <pc:chgData name="SHI Qing" userId="14958df6-2a70-49ba-a6bb-0d84d535fa57" providerId="ADAL" clId="{53A2D03C-0902-3F4F-AA2C-0E89EC5AC7AE}"/>
-    <pc:docChg chg="modSld">
-      <pc:chgData name="SHI Qing" userId="14958df6-2a70-49ba-a6bb-0d84d535fa57" providerId="ADAL" clId="{53A2D03C-0902-3F4F-AA2C-0E89EC5AC7AE}" dt="2023-06-24T12:03:35.162" v="0" actId="114"/>
+    <pc:docChg chg="undo custSel addSld modSld">
+      <pc:chgData name="SHI Qing" userId="14958df6-2a70-49ba-a6bb-0d84d535fa57" providerId="ADAL" clId="{53A2D03C-0902-3F4F-AA2C-0E89EC5AC7AE}" dt="2023-06-26T03:05:45.800" v="409" actId="478"/>
       <pc:docMkLst>
         <pc:docMk/>
       </pc:docMkLst>
-      <pc:sldChg chg="modSp mod">
-        <pc:chgData name="SHI Qing" userId="14958df6-2a70-49ba-a6bb-0d84d535fa57" providerId="ADAL" clId="{53A2D03C-0902-3F4F-AA2C-0E89EC5AC7AE}" dt="2023-06-24T12:03:35.162" v="0" actId="114"/>
+      <pc:sldChg chg="addSp delSp modSp mod delAnim modAnim">
+        <pc:chgData name="SHI Qing" userId="14958df6-2a70-49ba-a6bb-0d84d535fa57" providerId="ADAL" clId="{53A2D03C-0902-3F4F-AA2C-0E89EC5AC7AE}" dt="2023-06-26T02:50:45.208" v="393" actId="478"/>
+        <pc:sldMkLst>
+          <pc:docMk/>
+          <pc:sldMk cId="3263066336" sldId="256"/>
+        </pc:sldMkLst>
+        <pc:spChg chg="add del mod">
+          <ac:chgData name="SHI Qing" userId="14958df6-2a70-49ba-a6bb-0d84d535fa57" providerId="ADAL" clId="{53A2D03C-0902-3F4F-AA2C-0E89EC5AC7AE}" dt="2023-06-26T02:50:44.435" v="392" actId="478"/>
+          <ac:spMkLst>
+            <pc:docMk/>
+            <pc:sldMk cId="3263066336" sldId="256"/>
+            <ac:spMk id="6" creationId="{26D5CD7B-0E71-DE20-7DC0-89F3C02C6421}"/>
+          </ac:spMkLst>
+        </pc:spChg>
+        <pc:spChg chg="add del mod">
+          <ac:chgData name="SHI Qing" userId="14958df6-2a70-49ba-a6bb-0d84d535fa57" providerId="ADAL" clId="{53A2D03C-0902-3F4F-AA2C-0E89EC5AC7AE}" dt="2023-06-26T02:50:45.208" v="393" actId="478"/>
+          <ac:spMkLst>
+            <pc:docMk/>
+            <pc:sldMk cId="3263066336" sldId="256"/>
+            <ac:spMk id="8" creationId="{526C8D4F-B26B-0888-8B95-D046943853E2}"/>
+          </ac:spMkLst>
+        </pc:spChg>
+        <pc:picChg chg="del mod">
+          <ac:chgData name="SHI Qing" userId="14958df6-2a70-49ba-a6bb-0d84d535fa57" providerId="ADAL" clId="{53A2D03C-0902-3F4F-AA2C-0E89EC5AC7AE}" dt="2023-06-26T02:01:35.329" v="67" actId="478"/>
+          <ac:picMkLst>
+            <pc:docMk/>
+            <pc:sldMk cId="3263066336" sldId="256"/>
+            <ac:picMk id="3" creationId="{E98A13D0-4931-A7E9-EA9A-D89254B9F183}"/>
+          </ac:picMkLst>
+        </pc:picChg>
+        <pc:picChg chg="add mod">
+          <ac:chgData name="SHI Qing" userId="14958df6-2a70-49ba-a6bb-0d84d535fa57" providerId="ADAL" clId="{53A2D03C-0902-3F4F-AA2C-0E89EC5AC7AE}" dt="2023-06-26T02:47:00.397" v="347" actId="1035"/>
+          <ac:picMkLst>
+            <pc:docMk/>
+            <pc:sldMk cId="3263066336" sldId="256"/>
+            <ac:picMk id="4" creationId="{45913D19-6AA8-EB54-ED45-FB5B5FA55A7F}"/>
+          </ac:picMkLst>
+        </pc:picChg>
+        <pc:picChg chg="del">
+          <ac:chgData name="SHI Qing" userId="14958df6-2a70-49ba-a6bb-0d84d535fa57" providerId="ADAL" clId="{53A2D03C-0902-3F4F-AA2C-0E89EC5AC7AE}" dt="2023-06-26T02:01:35.870" v="68" actId="478"/>
+          <ac:picMkLst>
+            <pc:docMk/>
+            <pc:sldMk cId="3263066336" sldId="256"/>
+            <ac:picMk id="7" creationId="{7048FD2D-27F0-46FD-0A2A-7188721FE551}"/>
+          </ac:picMkLst>
+        </pc:picChg>
+      </pc:sldChg>
+      <pc:sldChg chg="addSp delSp modSp mod modAnim modNotesTx">
+        <pc:chgData name="SHI Qing" userId="14958df6-2a70-49ba-a6bb-0d84d535fa57" providerId="ADAL" clId="{53A2D03C-0902-3F4F-AA2C-0E89EC5AC7AE}" dt="2023-06-26T02:42:16.310" v="309" actId="20577"/>
+        <pc:sldMkLst>
+          <pc:docMk/>
+          <pc:sldMk cId="4287660399" sldId="259"/>
+        </pc:sldMkLst>
+        <pc:spChg chg="add del mod">
+          <ac:chgData name="SHI Qing" userId="14958df6-2a70-49ba-a6bb-0d84d535fa57" providerId="ADAL" clId="{53A2D03C-0902-3F4F-AA2C-0E89EC5AC7AE}" dt="2023-06-26T02:25:11.696" v="95" actId="478"/>
+          <ac:spMkLst>
+            <pc:docMk/>
+            <pc:sldMk cId="4287660399" sldId="259"/>
+            <ac:spMk id="2" creationId="{15C048B3-FB83-70CE-C98B-8771B14C09B1}"/>
+          </ac:spMkLst>
+        </pc:spChg>
+        <pc:spChg chg="mod topLvl">
+          <ac:chgData name="SHI Qing" userId="14958df6-2a70-49ba-a6bb-0d84d535fa57" providerId="ADAL" clId="{53A2D03C-0902-3F4F-AA2C-0E89EC5AC7AE}" dt="2023-06-26T02:40:00.236" v="273" actId="164"/>
+          <ac:spMkLst>
+            <pc:docMk/>
+            <pc:sldMk cId="4287660399" sldId="259"/>
+            <ac:spMk id="6" creationId="{137BCA19-84AC-74D4-B1DC-C49E843F8A95}"/>
+          </ac:spMkLst>
+        </pc:spChg>
+        <pc:spChg chg="mod topLvl">
+          <ac:chgData name="SHI Qing" userId="14958df6-2a70-49ba-a6bb-0d84d535fa57" providerId="ADAL" clId="{53A2D03C-0902-3F4F-AA2C-0E89EC5AC7AE}" dt="2023-06-26T02:41:21.885" v="308" actId="164"/>
+          <ac:spMkLst>
+            <pc:docMk/>
+            <pc:sldMk cId="4287660399" sldId="259"/>
+            <ac:spMk id="7" creationId="{C708909D-DB81-5C04-5DB9-6FA0E74199BF}"/>
+          </ac:spMkLst>
+        </pc:spChg>
+        <pc:spChg chg="mod topLvl">
+          <ac:chgData name="SHI Qing" userId="14958df6-2a70-49ba-a6bb-0d84d535fa57" providerId="ADAL" clId="{53A2D03C-0902-3F4F-AA2C-0E89EC5AC7AE}" dt="2023-06-26T02:41:21.885" v="308" actId="164"/>
+          <ac:spMkLst>
+            <pc:docMk/>
+            <pc:sldMk cId="4287660399" sldId="259"/>
+            <ac:spMk id="8" creationId="{F1365711-A609-CB5C-93D1-029BAB64B9BD}"/>
+          </ac:spMkLst>
+        </pc:spChg>
+        <pc:spChg chg="add mod">
+          <ac:chgData name="SHI Qing" userId="14958df6-2a70-49ba-a6bb-0d84d535fa57" providerId="ADAL" clId="{53A2D03C-0902-3F4F-AA2C-0E89EC5AC7AE}" dt="2023-06-26T02:41:21.885" v="308" actId="164"/>
+          <ac:spMkLst>
+            <pc:docMk/>
+            <pc:sldMk cId="4287660399" sldId="259"/>
+            <ac:spMk id="17" creationId="{5290FA37-29C9-D105-F31D-E8D146FA32A4}"/>
+          </ac:spMkLst>
+        </pc:spChg>
+        <pc:spChg chg="add del mod">
+          <ac:chgData name="SHI Qing" userId="14958df6-2a70-49ba-a6bb-0d84d535fa57" providerId="ADAL" clId="{53A2D03C-0902-3F4F-AA2C-0E89EC5AC7AE}" dt="2023-06-26T02:31:30.538" v="142"/>
+          <ac:spMkLst>
+            <pc:docMk/>
+            <pc:sldMk cId="4287660399" sldId="259"/>
+            <ac:spMk id="18" creationId="{4791DFA4-E2F5-8691-BAAC-259CE1049B27}"/>
+          </ac:spMkLst>
+        </pc:spChg>
+        <pc:spChg chg="mod">
+          <ac:chgData name="SHI Qing" userId="14958df6-2a70-49ba-a6bb-0d84d535fa57" providerId="ADAL" clId="{53A2D03C-0902-3F4F-AA2C-0E89EC5AC7AE}" dt="2023-06-26T02:28:58.734" v="103" actId="14100"/>
+          <ac:spMkLst>
+            <pc:docMk/>
+            <pc:sldMk cId="4287660399" sldId="259"/>
+            <ac:spMk id="24" creationId="{0C069D11-ABE7-A1EA-141A-D9FAD698C0A6}"/>
+          </ac:spMkLst>
+        </pc:spChg>
+        <pc:spChg chg="mod topLvl">
+          <ac:chgData name="SHI Qing" userId="14958df6-2a70-49ba-a6bb-0d84d535fa57" providerId="ADAL" clId="{53A2D03C-0902-3F4F-AA2C-0E89EC5AC7AE}" dt="2023-06-26T02:40:00.236" v="273" actId="164"/>
+          <ac:spMkLst>
+            <pc:docMk/>
+            <pc:sldMk cId="4287660399" sldId="259"/>
+            <ac:spMk id="29" creationId="{DECD9164-2C4D-B182-E5A8-9EF2A3625117}"/>
+          </ac:spMkLst>
+        </pc:spChg>
+        <pc:spChg chg="mod topLvl">
+          <ac:chgData name="SHI Qing" userId="14958df6-2a70-49ba-a6bb-0d84d535fa57" providerId="ADAL" clId="{53A2D03C-0902-3F4F-AA2C-0E89EC5AC7AE}" dt="2023-06-26T02:40:00.236" v="273" actId="164"/>
+          <ac:spMkLst>
+            <pc:docMk/>
+            <pc:sldMk cId="4287660399" sldId="259"/>
+            <ac:spMk id="30" creationId="{8747A553-5964-AE6E-AAC8-0EB08952EEBD}"/>
+          </ac:spMkLst>
+        </pc:spChg>
+        <pc:spChg chg="mod topLvl">
+          <ac:chgData name="SHI Qing" userId="14958df6-2a70-49ba-a6bb-0d84d535fa57" providerId="ADAL" clId="{53A2D03C-0902-3F4F-AA2C-0E89EC5AC7AE}" dt="2023-06-26T02:40:00.236" v="273" actId="164"/>
+          <ac:spMkLst>
+            <pc:docMk/>
+            <pc:sldMk cId="4287660399" sldId="259"/>
+            <ac:spMk id="31" creationId="{7AFC2879-932B-4485-5036-EA01C984CB62}"/>
+          </ac:spMkLst>
+        </pc:spChg>
+        <pc:spChg chg="mod topLvl">
+          <ac:chgData name="SHI Qing" userId="14958df6-2a70-49ba-a6bb-0d84d535fa57" providerId="ADAL" clId="{53A2D03C-0902-3F4F-AA2C-0E89EC5AC7AE}" dt="2023-06-26T02:41:05.172" v="303" actId="20577"/>
+          <ac:spMkLst>
+            <pc:docMk/>
+            <pc:sldMk cId="4287660399" sldId="259"/>
+            <ac:spMk id="32" creationId="{A28A8DF7-CB1E-C5EF-2541-9B02B495B969}"/>
+          </ac:spMkLst>
+        </pc:spChg>
+        <pc:spChg chg="mod topLvl">
+          <ac:chgData name="SHI Qing" userId="14958df6-2a70-49ba-a6bb-0d84d535fa57" providerId="ADAL" clId="{53A2D03C-0902-3F4F-AA2C-0E89EC5AC7AE}" dt="2023-06-26T02:40:00.236" v="273" actId="164"/>
+          <ac:spMkLst>
+            <pc:docMk/>
+            <pc:sldMk cId="4287660399" sldId="259"/>
+            <ac:spMk id="33" creationId="{ED4C6C9A-EE03-C649-5807-156D1A02D069}"/>
+          </ac:spMkLst>
+        </pc:spChg>
+        <pc:spChg chg="mod topLvl">
+          <ac:chgData name="SHI Qing" userId="14958df6-2a70-49ba-a6bb-0d84d535fa57" providerId="ADAL" clId="{53A2D03C-0902-3F4F-AA2C-0E89EC5AC7AE}" dt="2023-06-26T02:41:08.819" v="307" actId="20577"/>
+          <ac:spMkLst>
+            <pc:docMk/>
+            <pc:sldMk cId="4287660399" sldId="259"/>
+            <ac:spMk id="34" creationId="{981A0A42-F72D-58FC-0884-AE4F549CDCC7}"/>
+          </ac:spMkLst>
+        </pc:spChg>
+        <pc:spChg chg="mod topLvl">
+          <ac:chgData name="SHI Qing" userId="14958df6-2a70-49ba-a6bb-0d84d535fa57" providerId="ADAL" clId="{53A2D03C-0902-3F4F-AA2C-0E89EC5AC7AE}" dt="2023-06-26T02:41:21.885" v="308" actId="164"/>
+          <ac:spMkLst>
+            <pc:docMk/>
+            <pc:sldMk cId="4287660399" sldId="259"/>
+            <ac:spMk id="35" creationId="{BA2F1361-B943-1339-8125-AEB80E49342C}"/>
+          </ac:spMkLst>
+        </pc:spChg>
+        <pc:spChg chg="mod topLvl">
+          <ac:chgData name="SHI Qing" userId="14958df6-2a70-49ba-a6bb-0d84d535fa57" providerId="ADAL" clId="{53A2D03C-0902-3F4F-AA2C-0E89EC5AC7AE}" dt="2023-06-26T02:40:00.236" v="273" actId="164"/>
+          <ac:spMkLst>
+            <pc:docMk/>
+            <pc:sldMk cId="4287660399" sldId="259"/>
+            <ac:spMk id="36" creationId="{71DCC86B-1383-DE6D-48CD-B3DB58B9BFD8}"/>
+          </ac:spMkLst>
+        </pc:spChg>
+        <pc:spChg chg="mod topLvl">
+          <ac:chgData name="SHI Qing" userId="14958df6-2a70-49ba-a6bb-0d84d535fa57" providerId="ADAL" clId="{53A2D03C-0902-3F4F-AA2C-0E89EC5AC7AE}" dt="2023-06-26T02:41:21.885" v="308" actId="164"/>
+          <ac:spMkLst>
+            <pc:docMk/>
+            <pc:sldMk cId="4287660399" sldId="259"/>
+            <ac:spMk id="37" creationId="{58CADD14-142D-21C4-1170-448B0F2B5EDD}"/>
+          </ac:spMkLst>
+        </pc:spChg>
+        <pc:spChg chg="add mod">
+          <ac:chgData name="SHI Qing" userId="14958df6-2a70-49ba-a6bb-0d84d535fa57" providerId="ADAL" clId="{53A2D03C-0902-3F4F-AA2C-0E89EC5AC7AE}" dt="2023-06-26T02:41:21.885" v="308" actId="164"/>
+          <ac:spMkLst>
+            <pc:docMk/>
+            <pc:sldMk cId="4287660399" sldId="259"/>
+            <ac:spMk id="56" creationId="{F66F0C29-9582-9F9F-124F-FFC102EDE3C6}"/>
+          </ac:spMkLst>
+        </pc:spChg>
+        <pc:spChg chg="add del mod">
+          <ac:chgData name="SHI Qing" userId="14958df6-2a70-49ba-a6bb-0d84d535fa57" providerId="ADAL" clId="{53A2D03C-0902-3F4F-AA2C-0E89EC5AC7AE}" dt="2023-06-26T02:40:47.846" v="299"/>
+          <ac:spMkLst>
+            <pc:docMk/>
+            <pc:sldMk cId="4287660399" sldId="259"/>
+            <ac:spMk id="59" creationId="{A1DE6ABF-4E03-C0FF-80DC-79E091A9E5FB}"/>
+          </ac:spMkLst>
+        </pc:spChg>
+        <pc:grpChg chg="del mod topLvl">
+          <ac:chgData name="SHI Qing" userId="14958df6-2a70-49ba-a6bb-0d84d535fa57" providerId="ADAL" clId="{53A2D03C-0902-3F4F-AA2C-0E89EC5AC7AE}" dt="2023-06-26T02:33:31.464" v="172" actId="165"/>
+          <ac:grpSpMkLst>
+            <pc:docMk/>
+            <pc:sldMk cId="4287660399" sldId="259"/>
+            <ac:grpSpMk id="9" creationId="{C38A2F35-9D6C-08A8-6E4B-BFF7C3761879}"/>
+          </ac:grpSpMkLst>
+        </pc:grpChg>
+        <pc:grpChg chg="del mod">
+          <ac:chgData name="SHI Qing" userId="14958df6-2a70-49ba-a6bb-0d84d535fa57" providerId="ADAL" clId="{53A2D03C-0902-3F4F-AA2C-0E89EC5AC7AE}" dt="2023-06-26T02:33:24.655" v="171" actId="165"/>
+          <ac:grpSpMkLst>
+            <pc:docMk/>
+            <pc:sldMk cId="4287660399" sldId="259"/>
+            <ac:grpSpMk id="11" creationId="{59ECB6B4-FAD1-223C-7E83-AF38BB73EBE1}"/>
+          </ac:grpSpMkLst>
+        </pc:grpChg>
+        <pc:grpChg chg="del">
+          <ac:chgData name="SHI Qing" userId="14958df6-2a70-49ba-a6bb-0d84d535fa57" providerId="ADAL" clId="{53A2D03C-0902-3F4F-AA2C-0E89EC5AC7AE}" dt="2023-06-26T02:35:17.703" v="209" actId="165"/>
+          <ac:grpSpMkLst>
+            <pc:docMk/>
+            <pc:sldMk cId="4287660399" sldId="259"/>
+            <ac:grpSpMk id="12" creationId="{90A3BDA8-E407-B122-DB29-88E7AD15F536}"/>
+          </ac:grpSpMkLst>
+        </pc:grpChg>
+        <pc:grpChg chg="add mod">
+          <ac:chgData name="SHI Qing" userId="14958df6-2a70-49ba-a6bb-0d84d535fa57" providerId="ADAL" clId="{53A2D03C-0902-3F4F-AA2C-0E89EC5AC7AE}" dt="2023-06-26T02:40:19.817" v="294" actId="1035"/>
+          <ac:grpSpMkLst>
+            <pc:docMk/>
+            <pc:sldMk cId="4287660399" sldId="259"/>
+            <ac:grpSpMk id="58" creationId="{E2084A7E-9C2A-7541-ED2E-6B3160F09FD6}"/>
+          </ac:grpSpMkLst>
+        </pc:grpChg>
+        <pc:grpChg chg="add mod">
+          <ac:chgData name="SHI Qing" userId="14958df6-2a70-49ba-a6bb-0d84d535fa57" providerId="ADAL" clId="{53A2D03C-0902-3F4F-AA2C-0E89EC5AC7AE}" dt="2023-06-26T02:41:21.885" v="308" actId="164"/>
+          <ac:grpSpMkLst>
+            <pc:docMk/>
+            <pc:sldMk cId="4287660399" sldId="259"/>
+            <ac:grpSpMk id="60" creationId="{D538E452-CCDE-389C-6A40-7AD9627B35A9}"/>
+          </ac:grpSpMkLst>
+        </pc:grpChg>
+        <pc:cxnChg chg="add del mod">
+          <ac:chgData name="SHI Qing" userId="14958df6-2a70-49ba-a6bb-0d84d535fa57" providerId="ADAL" clId="{53A2D03C-0902-3F4F-AA2C-0E89EC5AC7AE}" dt="2023-06-26T02:31:30.301" v="140" actId="478"/>
+          <ac:cxnSpMkLst>
+            <pc:docMk/>
+            <pc:sldMk cId="4287660399" sldId="259"/>
+            <ac:cxnSpMk id="14" creationId="{F96C1E46-F88B-3B2A-951E-DEAB461C6F4B}"/>
+          </ac:cxnSpMkLst>
+        </pc:cxnChg>
+        <pc:cxnChg chg="add del mod">
+          <ac:chgData name="SHI Qing" userId="14958df6-2a70-49ba-a6bb-0d84d535fa57" providerId="ADAL" clId="{53A2D03C-0902-3F4F-AA2C-0E89EC5AC7AE}" dt="2023-06-26T02:31:32.145" v="143" actId="478"/>
+          <ac:cxnSpMkLst>
+            <pc:docMk/>
+            <pc:sldMk cId="4287660399" sldId="259"/>
+            <ac:cxnSpMk id="15" creationId="{09672B2F-E5D9-9362-D723-FEE28E0E2385}"/>
+          </ac:cxnSpMkLst>
+        </pc:cxnChg>
+        <pc:cxnChg chg="add del mod">
+          <ac:chgData name="SHI Qing" userId="14958df6-2a70-49ba-a6bb-0d84d535fa57" providerId="ADAL" clId="{53A2D03C-0902-3F4F-AA2C-0E89EC5AC7AE}" dt="2023-06-26T02:37:36.759" v="243" actId="478"/>
+          <ac:cxnSpMkLst>
+            <pc:docMk/>
+            <pc:sldMk cId="4287660399" sldId="259"/>
+            <ac:cxnSpMk id="22" creationId="{7612B401-2D52-91E7-6190-EEA6E59D0F1A}"/>
+          </ac:cxnSpMkLst>
+        </pc:cxnChg>
+        <pc:cxnChg chg="mod">
+          <ac:chgData name="SHI Qing" userId="14958df6-2a70-49ba-a6bb-0d84d535fa57" providerId="ADAL" clId="{53A2D03C-0902-3F4F-AA2C-0E89EC5AC7AE}" dt="2023-06-26T02:29:19.293" v="104" actId="1035"/>
+          <ac:cxnSpMkLst>
+            <pc:docMk/>
+            <pc:sldMk cId="4287660399" sldId="259"/>
+            <ac:cxnSpMk id="28" creationId="{6AE7A0E8-3D2E-E55B-C877-3C3656FD3CF6}"/>
+          </ac:cxnSpMkLst>
+        </pc:cxnChg>
+        <pc:cxnChg chg="del mod">
+          <ac:chgData name="SHI Qing" userId="14958df6-2a70-49ba-a6bb-0d84d535fa57" providerId="ADAL" clId="{53A2D03C-0902-3F4F-AA2C-0E89EC5AC7AE}" dt="2023-06-26T02:29:47.386" v="105" actId="478"/>
+          <ac:cxnSpMkLst>
+            <pc:docMk/>
+            <pc:sldMk cId="4287660399" sldId="259"/>
+            <ac:cxnSpMk id="39" creationId="{4D411E68-73D3-6148-3490-3E05F91CDD39}"/>
+          </ac:cxnSpMkLst>
+        </pc:cxnChg>
+        <pc:cxnChg chg="add mod">
+          <ac:chgData name="SHI Qing" userId="14958df6-2a70-49ba-a6bb-0d84d535fa57" providerId="ADAL" clId="{53A2D03C-0902-3F4F-AA2C-0E89EC5AC7AE}" dt="2023-06-26T02:41:21.885" v="308" actId="164"/>
+          <ac:cxnSpMkLst>
+            <pc:docMk/>
+            <pc:sldMk cId="4287660399" sldId="259"/>
+            <ac:cxnSpMk id="40" creationId="{239DBD51-6A14-FB63-9A3A-B5A65BF5AC97}"/>
+          </ac:cxnSpMkLst>
+        </pc:cxnChg>
+        <pc:cxnChg chg="mod topLvl">
+          <ac:chgData name="SHI Qing" userId="14958df6-2a70-49ba-a6bb-0d84d535fa57" providerId="ADAL" clId="{53A2D03C-0902-3F4F-AA2C-0E89EC5AC7AE}" dt="2023-06-26T02:40:00.236" v="273" actId="164"/>
+          <ac:cxnSpMkLst>
+            <pc:docMk/>
+            <pc:sldMk cId="4287660399" sldId="259"/>
+            <ac:cxnSpMk id="49" creationId="{895F39C2-3062-3C87-F627-B530927E2F08}"/>
+          </ac:cxnSpMkLst>
+        </pc:cxnChg>
+        <pc:cxnChg chg="add mod">
+          <ac:chgData name="SHI Qing" userId="14958df6-2a70-49ba-a6bb-0d84d535fa57" providerId="ADAL" clId="{53A2D03C-0902-3F4F-AA2C-0E89EC5AC7AE}" dt="2023-06-26T02:41:21.885" v="308" actId="164"/>
+          <ac:cxnSpMkLst>
+            <pc:docMk/>
+            <pc:sldMk cId="4287660399" sldId="259"/>
+            <ac:cxnSpMk id="54" creationId="{BB834F79-1BD6-918A-4C58-F51B06464949}"/>
+          </ac:cxnSpMkLst>
+        </pc:cxnChg>
+        <pc:cxnChg chg="mod topLvl">
+          <ac:chgData name="SHI Qing" userId="14958df6-2a70-49ba-a6bb-0d84d535fa57" providerId="ADAL" clId="{53A2D03C-0902-3F4F-AA2C-0E89EC5AC7AE}" dt="2023-06-26T02:40:00.236" v="273" actId="164"/>
+          <ac:cxnSpMkLst>
+            <pc:docMk/>
+            <pc:sldMk cId="4287660399" sldId="259"/>
+            <ac:cxnSpMk id="55" creationId="{87BC3A2B-7DE9-3A1E-CCEF-C4C6740A4495}"/>
+          </ac:cxnSpMkLst>
+        </pc:cxnChg>
+        <pc:cxnChg chg="mod topLvl">
+          <ac:chgData name="SHI Qing" userId="14958df6-2a70-49ba-a6bb-0d84d535fa57" providerId="ADAL" clId="{53A2D03C-0902-3F4F-AA2C-0E89EC5AC7AE}" dt="2023-06-26T02:40:00.236" v="273" actId="164"/>
+          <ac:cxnSpMkLst>
+            <pc:docMk/>
+            <pc:sldMk cId="4287660399" sldId="259"/>
+            <ac:cxnSpMk id="57" creationId="{548AF864-847C-009F-0728-8B9B591D3AEA}"/>
+          </ac:cxnSpMkLst>
+        </pc:cxnChg>
+      </pc:sldChg>
+      <pc:sldChg chg="addSp delSp modSp mod">
+        <pc:chgData name="SHI Qing" userId="14958df6-2a70-49ba-a6bb-0d84d535fa57" providerId="ADAL" clId="{53A2D03C-0902-3F4F-AA2C-0E89EC5AC7AE}" dt="2023-06-26T03:05:45.800" v="409" actId="478"/>
         <pc:sldMkLst>
           <pc:docMk/>
           <pc:sldMk cId="3913440743" sldId="260"/>
         </pc:sldMkLst>
         <pc:spChg chg="mod">
-          <ac:chgData name="SHI Qing" userId="14958df6-2a70-49ba-a6bb-0d84d535fa57" providerId="ADAL" clId="{53A2D03C-0902-3F4F-AA2C-0E89EC5AC7AE}" dt="2023-06-24T12:03:35.162" v="0" actId="114"/>
+          <ac:chgData name="SHI Qing" userId="14958df6-2a70-49ba-a6bb-0d84d535fa57" providerId="ADAL" clId="{53A2D03C-0902-3F4F-AA2C-0E89EC5AC7AE}" dt="2023-06-26T01:55:57.286" v="1" actId="1076"/>
           <ac:spMkLst>
             <pc:docMk/>
             <pc:sldMk cId="3913440743" sldId="260"/>
             <ac:spMk id="2" creationId="{F275D3FE-612F-3E2E-250C-6ACACBF8621D}"/>
+          </ac:spMkLst>
+        </pc:spChg>
+        <pc:spChg chg="mod">
+          <ac:chgData name="SHI Qing" userId="14958df6-2a70-49ba-a6bb-0d84d535fa57" providerId="ADAL" clId="{53A2D03C-0902-3F4F-AA2C-0E89EC5AC7AE}" dt="2023-06-26T01:57:42.261" v="65" actId="20577"/>
+          <ac:spMkLst>
+            <pc:docMk/>
+            <pc:sldMk cId="3913440743" sldId="260"/>
+            <ac:spMk id="3" creationId="{99655544-FC1B-0E90-B371-C473004C715E}"/>
+          </ac:spMkLst>
+        </pc:spChg>
+        <pc:picChg chg="add del mod">
+          <ac:chgData name="SHI Qing" userId="14958df6-2a70-49ba-a6bb-0d84d535fa57" providerId="ADAL" clId="{53A2D03C-0902-3F4F-AA2C-0E89EC5AC7AE}" dt="2023-06-26T02:52:49.580" v="397" actId="478"/>
+          <ac:picMkLst>
+            <pc:docMk/>
+            <pc:sldMk cId="3913440743" sldId="260"/>
+            <ac:picMk id="5" creationId="{95BF8D9D-1E34-8BA2-6234-227CC8A4E2F0}"/>
+          </ac:picMkLst>
+        </pc:picChg>
+        <pc:picChg chg="add del mod">
+          <ac:chgData name="SHI Qing" userId="14958df6-2a70-49ba-a6bb-0d84d535fa57" providerId="ADAL" clId="{53A2D03C-0902-3F4F-AA2C-0E89EC5AC7AE}" dt="2023-06-26T02:52:48.434" v="396" actId="478"/>
+          <ac:picMkLst>
+            <pc:docMk/>
+            <pc:sldMk cId="3913440743" sldId="260"/>
+            <ac:picMk id="7" creationId="{0BAD81C7-95D3-CAF4-9556-E566F08C0900}"/>
+          </ac:picMkLst>
+        </pc:picChg>
+        <pc:picChg chg="add mod">
+          <ac:chgData name="SHI Qing" userId="14958df6-2a70-49ba-a6bb-0d84d535fa57" providerId="ADAL" clId="{53A2D03C-0902-3F4F-AA2C-0E89EC5AC7AE}" dt="2023-06-26T03:04:02.287" v="402" actId="1076"/>
+          <ac:picMkLst>
+            <pc:docMk/>
+            <pc:sldMk cId="3913440743" sldId="260"/>
+            <ac:picMk id="9" creationId="{6A5470C8-EA97-3286-4B3B-D9B2625A2102}"/>
+          </ac:picMkLst>
+        </pc:picChg>
+        <pc:picChg chg="add del mod">
+          <ac:chgData name="SHI Qing" userId="14958df6-2a70-49ba-a6bb-0d84d535fa57" providerId="ADAL" clId="{53A2D03C-0902-3F4F-AA2C-0E89EC5AC7AE}" dt="2023-06-26T03:05:45.800" v="409" actId="478"/>
+          <ac:picMkLst>
+            <pc:docMk/>
+            <pc:sldMk cId="3913440743" sldId="260"/>
+            <ac:picMk id="11" creationId="{89FE3269-07EA-2D21-F004-44498BE28CCE}"/>
+          </ac:picMkLst>
+        </pc:picChg>
+      </pc:sldChg>
+      <pc:sldChg chg="delSp add mod">
+        <pc:chgData name="SHI Qing" userId="14958df6-2a70-49ba-a6bb-0d84d535fa57" providerId="ADAL" clId="{53A2D03C-0902-3F4F-AA2C-0E89EC5AC7AE}" dt="2023-06-26T02:50:53.257" v="395" actId="478"/>
+        <pc:sldMkLst>
+          <pc:docMk/>
+          <pc:sldMk cId="3697227020" sldId="265"/>
+        </pc:sldMkLst>
+        <pc:spChg chg="del">
+          <ac:chgData name="SHI Qing" userId="14958df6-2a70-49ba-a6bb-0d84d535fa57" providerId="ADAL" clId="{53A2D03C-0902-3F4F-AA2C-0E89EC5AC7AE}" dt="2023-06-26T02:50:53.257" v="395" actId="478"/>
+          <ac:spMkLst>
+            <pc:docMk/>
+            <pc:sldMk cId="3697227020" sldId="265"/>
+            <ac:spMk id="8" creationId="{526C8D4F-B26B-0888-8B95-D046943853E2}"/>
+          </ac:spMkLst>
+        </pc:spChg>
+      </pc:sldChg>
+      <pc:sldChg chg="delSp add mod">
+        <pc:chgData name="SHI Qing" userId="14958df6-2a70-49ba-a6bb-0d84d535fa57" providerId="ADAL" clId="{53A2D03C-0902-3F4F-AA2C-0E89EC5AC7AE}" dt="2023-06-26T02:50:49.047" v="394" actId="478"/>
+        <pc:sldMkLst>
+          <pc:docMk/>
+          <pc:sldMk cId="1256346408" sldId="266"/>
+        </pc:sldMkLst>
+        <pc:spChg chg="del">
+          <ac:chgData name="SHI Qing" userId="14958df6-2a70-49ba-a6bb-0d84d535fa57" providerId="ADAL" clId="{53A2D03C-0902-3F4F-AA2C-0E89EC5AC7AE}" dt="2023-06-26T02:50:49.047" v="394" actId="478"/>
+          <ac:spMkLst>
+            <pc:docMk/>
+            <pc:sldMk cId="1256346408" sldId="266"/>
+            <ac:spMk id="6" creationId="{26D5CD7B-0E71-DE20-7DC0-89F3C02C6421}"/>
           </ac:spMkLst>
         </pc:spChg>
       </pc:sldChg>
@@ -233,7 +631,7 @@
           <a:p>
             <a:fld id="{56488C5F-7933-4056-A138-F8E0AAB38235}" type="datetimeFigureOut">
               <a:rPr lang="zh-CN" altLang="en-US" smtClean="0"/>
-              <a:t>2023/6/24</a:t>
+              <a:t>2023/6/26</a:t>
             </a:fld>
             <a:endParaRPr lang="zh-CN" altLang="en-US"/>
           </a:p>
@@ -886,7 +1284,32 @@
           <a:p>
             <a:r>
               <a:rPr lang="en-US" altLang="zh-CN" dirty="0"/>
-              <a:t>We summarized a set of analytical tasks and categorized them into three data levels: Variable Level, representation level and prediction level.</a:t>
+              <a:t>In our work, we propose a visual analytics system, </a:t>
+            </a:r>
+            <a:r>
+              <a:rPr lang="en-US" altLang="zh-CN" dirty="0" err="1"/>
+              <a:t>TimeTuner</a:t>
+            </a:r>
+            <a:r>
+              <a:rPr lang="en-US" altLang="zh-CN" dirty="0"/>
+              <a:t>, which mainly consists of four modules in two stages. </a:t>
+            </a:r>
+            <a:r>
+              <a:rPr lang="en-US" altLang="zh-CN" b="0" i="0" dirty="0">
+                <a:effectLst/>
+                <a:latin typeface="Arial" panose="020B0604020202020204" pitchFamily="34" charset="0"/>
+              </a:rPr>
+              <a:t>1) data transformation, 2) forecasting</a:t>
+            </a:r>
+            <a:br>
+              <a:rPr lang="en-US" altLang="zh-CN" dirty="0"/>
+            </a:br>
+            <a:r>
+              <a:rPr lang="en-US" altLang="zh-CN" b="0" i="0" dirty="0">
+                <a:effectLst/>
+                <a:latin typeface="Arial" panose="020B0604020202020204" pitchFamily="34" charset="0"/>
+              </a:rPr>
+              <a:t>and 3) counterfactual explaining in the Forecasting and Explaining stage, and 4) visualization system in the Interactive Exploration stage.</a:t>
             </a:r>
             <a:endParaRPr lang="zh-CN" altLang="en-US" dirty="0"/>
           </a:p>
@@ -918,7 +1341,7 @@
     </p:spTree>
     <p:extLst>
       <p:ext uri="{BB962C8B-B14F-4D97-AF65-F5344CB8AC3E}">
-        <p14:creationId xmlns:p14="http://schemas.microsoft.com/office/powerpoint/2010/main" val="3157303367"/>
+        <p14:creationId xmlns:p14="http://schemas.microsoft.com/office/powerpoint/2010/main" val="1810232145"/>
       </p:ext>
     </p:extLst>
   </p:cSld>
@@ -972,7 +1395,36 @@
           <a:bodyPr/>
           <a:lstStyle/>
           <a:p>
-            <a:endParaRPr kumimoji="1" lang="zh-CN" altLang="en-US" dirty="0"/>
+            <a:r>
+              <a:rPr lang="en-US" altLang="zh-CN" dirty="0"/>
+              <a:t>In our work, we propose a visual analytics system, </a:t>
+            </a:r>
+            <a:r>
+              <a:rPr lang="en-US" altLang="zh-CN" dirty="0" err="1"/>
+              <a:t>TimeTuner</a:t>
+            </a:r>
+            <a:r>
+              <a:rPr lang="en-US" altLang="zh-CN" dirty="0"/>
+              <a:t>, which mainly consists of four modules in two stages. </a:t>
+            </a:r>
+            <a:r>
+              <a:rPr lang="en-US" altLang="zh-CN" b="0" i="0" dirty="0">
+                <a:effectLst/>
+                <a:latin typeface="Arial" panose="020B0604020202020204" pitchFamily="34" charset="0"/>
+              </a:rPr>
+              <a:t>1) data transformation, 2) forecasting</a:t>
+            </a:r>
+            <a:br>
+              <a:rPr lang="en-US" altLang="zh-CN" dirty="0"/>
+            </a:br>
+            <a:r>
+              <a:rPr lang="en-US" altLang="zh-CN" b="0" i="0" dirty="0">
+                <a:effectLst/>
+                <a:latin typeface="Arial" panose="020B0604020202020204" pitchFamily="34" charset="0"/>
+              </a:rPr>
+              <a:t>and 3) counterfactual explaining in the Forecasting and Explaining stage, and 4) visualization system in the Interactive Exploration stage.</a:t>
+            </a:r>
+            <a:endParaRPr lang="zh-CN" altLang="en-US" dirty="0"/>
           </a:p>
         </p:txBody>
       </p:sp>
@@ -993,7 +1445,179 @@
           <a:p>
             <a:fld id="{66441CBA-217E-4A18-9F54-C103FF5D20AC}" type="slidenum">
               <a:rPr lang="zh-CN" altLang="en-US" smtClean="0"/>
-              <a:t>8</a:t>
+              <a:t>5</a:t>
+            </a:fld>
+            <a:endParaRPr lang="zh-CN" altLang="en-US"/>
+          </a:p>
+        </p:txBody>
+      </p:sp>
+    </p:spTree>
+    <p:extLst>
+      <p:ext uri="{BB962C8B-B14F-4D97-AF65-F5344CB8AC3E}">
+        <p14:creationId xmlns:p14="http://schemas.microsoft.com/office/powerpoint/2010/main" val="3563660126"/>
+      </p:ext>
+    </p:extLst>
+  </p:cSld>
+  <p:clrMapOvr>
+    <a:masterClrMapping/>
+  </p:clrMapOvr>
+</p:notes>
+</file>
+
+<file path=ppt/notesSlides/notesSlide6.xml><?xml version="1.0" encoding="utf-8"?>
+<p:notes xmlns:a="http://schemas.openxmlformats.org/drawingml/2006/main" xmlns:r="http://schemas.openxmlformats.org/officeDocument/2006/relationships" xmlns:p="http://schemas.openxmlformats.org/presentationml/2006/main">
+  <p:cSld>
+    <p:spTree>
+      <p:nvGrpSpPr>
+        <p:cNvPr id="1" name=""/>
+        <p:cNvGrpSpPr/>
+        <p:nvPr/>
+      </p:nvGrpSpPr>
+      <p:grpSpPr>
+        <a:xfrm>
+          <a:off x="0" y="0"/>
+          <a:ext cx="0" cy="0"/>
+          <a:chOff x="0" y="0"/>
+          <a:chExt cx="0" cy="0"/>
+        </a:xfrm>
+      </p:grpSpPr>
+      <p:sp>
+        <p:nvSpPr>
+          <p:cNvPr id="2" name="幻灯片图像占位符 1"/>
+          <p:cNvSpPr>
+            <a:spLocks noGrp="1" noRot="1" noChangeAspect="1"/>
+          </p:cNvSpPr>
+          <p:nvPr>
+            <p:ph type="sldImg"/>
+          </p:nvPr>
+        </p:nvSpPr>
+        <p:spPr/>
+      </p:sp>
+      <p:sp>
+        <p:nvSpPr>
+          <p:cNvPr id="3" name="备注占位符 2"/>
+          <p:cNvSpPr>
+            <a:spLocks noGrp="1"/>
+          </p:cNvSpPr>
+          <p:nvPr>
+            <p:ph type="body" idx="1"/>
+          </p:nvPr>
+        </p:nvSpPr>
+        <p:spPr/>
+        <p:txBody>
+          <a:bodyPr/>
+          <a:lstStyle/>
+          <a:p>
+            <a:r>
+              <a:rPr lang="en-US" altLang="zh-CN" dirty="0"/>
+              <a:t>We summarized a set of analytical tasks and categorized them into three levels: Variable Level, representation level and prediction level.</a:t>
+            </a:r>
+            <a:endParaRPr lang="zh-CN" altLang="en-US" dirty="0"/>
+          </a:p>
+        </p:txBody>
+      </p:sp>
+      <p:sp>
+        <p:nvSpPr>
+          <p:cNvPr id="4" name="灯片编号占位符 3"/>
+          <p:cNvSpPr>
+            <a:spLocks noGrp="1"/>
+          </p:cNvSpPr>
+          <p:nvPr>
+            <p:ph type="sldNum" sz="quarter" idx="5"/>
+          </p:nvPr>
+        </p:nvSpPr>
+        <p:spPr/>
+        <p:txBody>
+          <a:bodyPr/>
+          <a:lstStyle/>
+          <a:p>
+            <a:fld id="{66441CBA-217E-4A18-9F54-C103FF5D20AC}" type="slidenum">
+              <a:rPr lang="zh-CN" altLang="en-US" smtClean="0"/>
+              <a:t>6</a:t>
+            </a:fld>
+            <a:endParaRPr lang="zh-CN" altLang="en-US"/>
+          </a:p>
+        </p:txBody>
+      </p:sp>
+    </p:spTree>
+    <p:extLst>
+      <p:ext uri="{BB962C8B-B14F-4D97-AF65-F5344CB8AC3E}">
+        <p14:creationId xmlns:p14="http://schemas.microsoft.com/office/powerpoint/2010/main" val="3157303367"/>
+      </p:ext>
+    </p:extLst>
+  </p:cSld>
+  <p:clrMapOvr>
+    <a:masterClrMapping/>
+  </p:clrMapOvr>
+</p:notes>
+</file>
+
+<file path=ppt/notesSlides/notesSlide7.xml><?xml version="1.0" encoding="utf-8"?>
+<p:notes xmlns:a="http://schemas.openxmlformats.org/drawingml/2006/main" xmlns:r="http://schemas.openxmlformats.org/officeDocument/2006/relationships" xmlns:p="http://schemas.openxmlformats.org/presentationml/2006/main">
+  <p:cSld>
+    <p:spTree>
+      <p:nvGrpSpPr>
+        <p:cNvPr id="1" name=""/>
+        <p:cNvGrpSpPr/>
+        <p:nvPr/>
+      </p:nvGrpSpPr>
+      <p:grpSpPr>
+        <a:xfrm>
+          <a:off x="0" y="0"/>
+          <a:ext cx="0" cy="0"/>
+          <a:chOff x="0" y="0"/>
+          <a:chExt cx="0" cy="0"/>
+        </a:xfrm>
+      </p:grpSpPr>
+      <p:sp>
+        <p:nvSpPr>
+          <p:cNvPr id="2" name="幻灯片图像占位符 1"/>
+          <p:cNvSpPr>
+            <a:spLocks noGrp="1" noRot="1" noChangeAspect="1"/>
+          </p:cNvSpPr>
+          <p:nvPr>
+            <p:ph type="sldImg"/>
+          </p:nvPr>
+        </p:nvSpPr>
+        <p:spPr/>
+      </p:sp>
+      <p:sp>
+        <p:nvSpPr>
+          <p:cNvPr id="3" name="备注占位符 2"/>
+          <p:cNvSpPr>
+            <a:spLocks noGrp="1"/>
+          </p:cNvSpPr>
+          <p:nvPr>
+            <p:ph type="body" idx="1"/>
+          </p:nvPr>
+        </p:nvSpPr>
+        <p:spPr/>
+        <p:txBody>
+          <a:bodyPr/>
+          <a:lstStyle/>
+          <a:p>
+            <a:endParaRPr kumimoji="1" lang="zh-CN" altLang="en-US" dirty="0"/>
+          </a:p>
+        </p:txBody>
+      </p:sp>
+      <p:sp>
+        <p:nvSpPr>
+          <p:cNvPr id="4" name="灯片编号占位符 3"/>
+          <p:cNvSpPr>
+            <a:spLocks noGrp="1"/>
+          </p:cNvSpPr>
+          <p:nvPr>
+            <p:ph type="sldNum" sz="quarter" idx="5"/>
+          </p:nvPr>
+        </p:nvSpPr>
+        <p:spPr/>
+        <p:txBody>
+          <a:bodyPr/>
+          <a:lstStyle/>
+          <a:p>
+            <a:fld id="{66441CBA-217E-4A18-9F54-C103FF5D20AC}" type="slidenum">
+              <a:rPr lang="zh-CN" altLang="en-US" smtClean="0"/>
+              <a:t>10</a:t>
             </a:fld>
             <a:endParaRPr lang="zh-CN" altLang="en-US"/>
           </a:p>
@@ -1159,7 +1783,7 @@
           <a:p>
             <a:fld id="{0016A32F-BE04-4790-9DB5-28628EA3EE5C}" type="datetimeFigureOut">
               <a:rPr lang="zh-CN" altLang="en-US" smtClean="0"/>
-              <a:t>2023/6/24</a:t>
+              <a:t>2023/6/26</a:t>
             </a:fld>
             <a:endParaRPr lang="zh-CN" altLang="en-US"/>
           </a:p>
@@ -1357,7 +1981,7 @@
           <a:p>
             <a:fld id="{0016A32F-BE04-4790-9DB5-28628EA3EE5C}" type="datetimeFigureOut">
               <a:rPr lang="zh-CN" altLang="en-US" smtClean="0"/>
-              <a:t>2023/6/24</a:t>
+              <a:t>2023/6/26</a:t>
             </a:fld>
             <a:endParaRPr lang="zh-CN" altLang="en-US"/>
           </a:p>
@@ -1565,7 +2189,7 @@
           <a:p>
             <a:fld id="{0016A32F-BE04-4790-9DB5-28628EA3EE5C}" type="datetimeFigureOut">
               <a:rPr lang="zh-CN" altLang="en-US" smtClean="0"/>
-              <a:t>2023/6/24</a:t>
+              <a:t>2023/6/26</a:t>
             </a:fld>
             <a:endParaRPr lang="zh-CN" altLang="en-US"/>
           </a:p>
@@ -1763,7 +2387,7 @@
           <a:p>
             <a:fld id="{0016A32F-BE04-4790-9DB5-28628EA3EE5C}" type="datetimeFigureOut">
               <a:rPr lang="zh-CN" altLang="en-US" smtClean="0"/>
-              <a:t>2023/6/24</a:t>
+              <a:t>2023/6/26</a:t>
             </a:fld>
             <a:endParaRPr lang="zh-CN" altLang="en-US"/>
           </a:p>
@@ -2038,7 +2662,7 @@
           <a:p>
             <a:fld id="{0016A32F-BE04-4790-9DB5-28628EA3EE5C}" type="datetimeFigureOut">
               <a:rPr lang="zh-CN" altLang="en-US" smtClean="0"/>
-              <a:t>2023/6/24</a:t>
+              <a:t>2023/6/26</a:t>
             </a:fld>
             <a:endParaRPr lang="zh-CN" altLang="en-US"/>
           </a:p>
@@ -2303,7 +2927,7 @@
           <a:p>
             <a:fld id="{0016A32F-BE04-4790-9DB5-28628EA3EE5C}" type="datetimeFigureOut">
               <a:rPr lang="zh-CN" altLang="en-US" smtClean="0"/>
-              <a:t>2023/6/24</a:t>
+              <a:t>2023/6/26</a:t>
             </a:fld>
             <a:endParaRPr lang="zh-CN" altLang="en-US"/>
           </a:p>
@@ -2715,7 +3339,7 @@
           <a:p>
             <a:fld id="{0016A32F-BE04-4790-9DB5-28628EA3EE5C}" type="datetimeFigureOut">
               <a:rPr lang="zh-CN" altLang="en-US" smtClean="0"/>
-              <a:t>2023/6/24</a:t>
+              <a:t>2023/6/26</a:t>
             </a:fld>
             <a:endParaRPr lang="zh-CN" altLang="en-US"/>
           </a:p>
@@ -2856,7 +3480,7 @@
           <a:p>
             <a:fld id="{0016A32F-BE04-4790-9DB5-28628EA3EE5C}" type="datetimeFigureOut">
               <a:rPr lang="zh-CN" altLang="en-US" smtClean="0"/>
-              <a:t>2023/6/24</a:t>
+              <a:t>2023/6/26</a:t>
             </a:fld>
             <a:endParaRPr lang="zh-CN" altLang="en-US"/>
           </a:p>
@@ -2969,7 +3593,7 @@
           <a:p>
             <a:fld id="{0016A32F-BE04-4790-9DB5-28628EA3EE5C}" type="datetimeFigureOut">
               <a:rPr lang="zh-CN" altLang="en-US" smtClean="0"/>
-              <a:t>2023/6/24</a:t>
+              <a:t>2023/6/26</a:t>
             </a:fld>
             <a:endParaRPr lang="zh-CN" altLang="en-US"/>
           </a:p>
@@ -3280,7 +3904,7 @@
           <a:p>
             <a:fld id="{0016A32F-BE04-4790-9DB5-28628EA3EE5C}" type="datetimeFigureOut">
               <a:rPr lang="zh-CN" altLang="en-US" smtClean="0"/>
-              <a:t>2023/6/24</a:t>
+              <a:t>2023/6/26</a:t>
             </a:fld>
             <a:endParaRPr lang="zh-CN" altLang="en-US"/>
           </a:p>
@@ -3568,7 +4192,7 @@
           <a:p>
             <a:fld id="{0016A32F-BE04-4790-9DB5-28628EA3EE5C}" type="datetimeFigureOut">
               <a:rPr lang="zh-CN" altLang="en-US" smtClean="0"/>
-              <a:t>2023/6/24</a:t>
+              <a:t>2023/6/26</a:t>
             </a:fld>
             <a:endParaRPr lang="zh-CN" altLang="en-US"/>
           </a:p>
@@ -3809,7 +4433,7 @@
           <a:p>
             <a:fld id="{0016A32F-BE04-4790-9DB5-28628EA3EE5C}" type="datetimeFigureOut">
               <a:rPr lang="zh-CN" altLang="en-US" smtClean="0"/>
-              <a:t>2023/6/24</a:t>
+              <a:t>2023/6/26</a:t>
             </a:fld>
             <a:endParaRPr lang="zh-CN" altLang="en-US"/>
           </a:p>
@@ -4244,7 +4868,7 @@
         </p:nvSpPr>
         <p:spPr>
           <a:xfrm>
-            <a:off x="99695" y="1724024"/>
+            <a:off x="99695" y="983796"/>
             <a:ext cx="11992610" cy="1325563"/>
           </a:xfrm>
         </p:spPr>
@@ -4315,8 +4939,8 @@
         </p:nvSpPr>
         <p:spPr>
           <a:xfrm>
-            <a:off x="4568825" y="3992880"/>
-            <a:ext cx="3054350" cy="289560"/>
+            <a:off x="2334260" y="3429000"/>
+            <a:ext cx="7523480" cy="289560"/>
           </a:xfrm>
         </p:spPr>
         <p:txBody>
@@ -4329,29 +4953,67 @@
               <a:buNone/>
             </a:pPr>
             <a:r>
-              <a:rPr lang="en-US" altLang="zh-CN" sz="2400" b="1" i="1" dirty="0">
+              <a:rPr lang="en-US" altLang="zh-CN" sz="2400" b="1" dirty="0" err="1">
                 <a:latin typeface="Avenir Book" panose="02000503020000020003" pitchFamily="2" charset="0"/>
                 <a:cs typeface="Arial" panose="020B0604020202020204" pitchFamily="34" charset="0"/>
               </a:rPr>
-              <a:t>IEEE VIS 2023</a:t>
-            </a:r>
-          </a:p>
-          <a:p>
-            <a:pPr marL="0" indent="0" algn="ctr">
-              <a:buNone/>
-            </a:pPr>
-            <a:br>
-              <a:rPr lang="en-US" altLang="zh-CN" sz="2400" dirty="0">
+              <a:t>Jianing</a:t>
+            </a:r>
+            <a:r>
+              <a:rPr lang="en-US" altLang="zh-CN" sz="2400" b="1" dirty="0">
                 <a:latin typeface="Avenir Book" panose="02000503020000020003" pitchFamily="2" charset="0"/>
                 <a:cs typeface="Arial" panose="020B0604020202020204" pitchFamily="34" charset="0"/>
               </a:rPr>
-            </a:br>
-            <a:r>
-              <a:rPr lang="en-US" altLang="zh-CN" sz="2400" dirty="0">
+              <a:t> Hao</a:t>
+            </a:r>
+            <a:r>
+              <a:rPr lang="en-US" altLang="zh-CN" sz="2400" b="1" baseline="30000" dirty="0">
                 <a:latin typeface="Avenir Book" panose="02000503020000020003" pitchFamily="2" charset="0"/>
                 <a:cs typeface="Arial" panose="020B0604020202020204" pitchFamily="34" charset="0"/>
               </a:rPr>
-              <a:t>Submission ID: 1321</a:t>
+              <a:t>1</a:t>
+            </a:r>
+            <a:r>
+              <a:rPr lang="en-US" altLang="zh-CN" sz="2400" b="1" dirty="0">
+                <a:latin typeface="Avenir Book" panose="02000503020000020003" pitchFamily="2" charset="0"/>
+                <a:cs typeface="Arial" panose="020B0604020202020204" pitchFamily="34" charset="0"/>
+              </a:rPr>
+              <a:t>, Qing Shi</a:t>
+            </a:r>
+            <a:r>
+              <a:rPr lang="en-US" altLang="zh-CN" sz="2400" b="1" baseline="30000" dirty="0">
+                <a:latin typeface="Avenir Book" panose="02000503020000020003" pitchFamily="2" charset="0"/>
+                <a:cs typeface="Arial" panose="020B0604020202020204" pitchFamily="34" charset="0"/>
+              </a:rPr>
+              <a:t>1</a:t>
+            </a:r>
+            <a:r>
+              <a:rPr lang="en-US" altLang="zh-CN" sz="2400" b="1" dirty="0">
+                <a:latin typeface="Avenir Book" panose="02000503020000020003" pitchFamily="2" charset="0"/>
+                <a:cs typeface="Arial" panose="020B0604020202020204" pitchFamily="34" charset="0"/>
+              </a:rPr>
+              <a:t>, Yilin Ye</a:t>
+            </a:r>
+            <a:r>
+              <a:rPr lang="en-US" altLang="zh-CN" sz="2400" b="1" baseline="30000" dirty="0">
+                <a:latin typeface="Avenir Book" panose="02000503020000020003" pitchFamily="2" charset="0"/>
+                <a:cs typeface="Arial" panose="020B0604020202020204" pitchFamily="34" charset="0"/>
+              </a:rPr>
+              <a:t>1, 2</a:t>
+            </a:r>
+            <a:r>
+              <a:rPr lang="en-US" altLang="zh-CN" sz="2400" b="1" dirty="0">
+                <a:latin typeface="Avenir Book" panose="02000503020000020003" pitchFamily="2" charset="0"/>
+                <a:cs typeface="Arial" panose="020B0604020202020204" pitchFamily="34" charset="0"/>
+              </a:rPr>
+              <a:t>, Wei Zeng</a:t>
+            </a:r>
+            <a:r>
+              <a:rPr lang="en-US" altLang="zh-CN" sz="2400" b="1" baseline="30000" dirty="0">
+                <a:latin typeface="Avenir Book" panose="02000503020000020003" pitchFamily="2" charset="0"/>
+                <a:cs typeface="Arial" panose="020B0604020202020204" pitchFamily="34" charset="0"/>
+              </a:rPr>
+              <a:t>1, 2</a:t>
             </a:r>
             <a:endParaRPr lang="zh-CN" altLang="en-US" sz="2400" dirty="0">
               <a:latin typeface="Avenir Book" panose="02000503020000020003" pitchFamily="2" charset="0"/>
@@ -4360,10 +5022,122 @@
           </a:p>
         </p:txBody>
       </p:sp>
+      <p:pic>
+        <p:nvPicPr>
+          <p:cNvPr id="9" name="图片 8" descr="文本&#10;&#10;中度可信度描述已自动生成">
+            <a:extLst>
+              <a:ext uri="{FF2B5EF4-FFF2-40B4-BE49-F238E27FC236}">
+                <a16:creationId xmlns:a16="http://schemas.microsoft.com/office/drawing/2014/main" id="{6A5470C8-EA97-3286-4B3B-D9B2625A2102}"/>
+              </a:ext>
+            </a:extLst>
+          </p:cNvPr>
+          <p:cNvPicPr>
+            <a:picLocks noChangeAspect="1"/>
+          </p:cNvPicPr>
+          <p:nvPr/>
+        </p:nvPicPr>
+        <p:blipFill>
+          <a:blip r:embed="rId3">
+            <a:extLst>
+              <a:ext uri="{28A0092B-C50C-407E-A947-70E740481C1C}">
+                <a14:useLocalDpi xmlns:a14="http://schemas.microsoft.com/office/drawing/2010/main" val="0"/>
+              </a:ext>
+            </a:extLst>
+          </a:blip>
+          <a:stretch>
+            <a:fillRect/>
+          </a:stretch>
+        </p:blipFill>
+        <p:spPr>
+          <a:xfrm>
+            <a:off x="-758946" y="2503714"/>
+            <a:ext cx="7772400" cy="5492931"/>
+          </a:xfrm>
+          <a:prstGeom prst="rect">
+            <a:avLst/>
+          </a:prstGeom>
+        </p:spPr>
+      </p:pic>
     </p:spTree>
     <p:extLst>
       <p:ext uri="{BB962C8B-B14F-4D97-AF65-F5344CB8AC3E}">
         <p14:creationId xmlns:p14="http://schemas.microsoft.com/office/powerpoint/2010/main" val="3913440743"/>
+      </p:ext>
+    </p:extLst>
+  </p:cSld>
+  <p:clrMapOvr>
+    <a:masterClrMapping/>
+  </p:clrMapOvr>
+</p:sld>
+</file>
+
+<file path=ppt/slides/slide10.xml><?xml version="1.0" encoding="utf-8"?>
+<p:sld xmlns:a="http://schemas.openxmlformats.org/drawingml/2006/main" xmlns:r="http://schemas.openxmlformats.org/officeDocument/2006/relationships" xmlns:p="http://schemas.openxmlformats.org/presentationml/2006/main">
+  <p:cSld>
+    <p:spTree>
+      <p:nvGrpSpPr>
+        <p:cNvPr id="1" name=""/>
+        <p:cNvGrpSpPr/>
+        <p:nvPr/>
+      </p:nvGrpSpPr>
+      <p:grpSpPr>
+        <a:xfrm>
+          <a:off x="0" y="0"/>
+          <a:ext cx="0" cy="0"/>
+          <a:chOff x="0" y="0"/>
+          <a:chExt cx="0" cy="0"/>
+        </a:xfrm>
+      </p:grpSpPr>
+      <p:sp>
+        <p:nvSpPr>
+          <p:cNvPr id="2" name="标题 1">
+            <a:extLst>
+              <a:ext uri="{FF2B5EF4-FFF2-40B4-BE49-F238E27FC236}">
+                <a16:creationId xmlns:a16="http://schemas.microsoft.com/office/drawing/2014/main" id="{F275D3FE-612F-3E2E-250C-6ACACBF8621D}"/>
+              </a:ext>
+            </a:extLst>
+          </p:cNvPr>
+          <p:cNvSpPr>
+            <a:spLocks noGrp="1"/>
+          </p:cNvSpPr>
+          <p:nvPr>
+            <p:ph type="title"/>
+          </p:nvPr>
+        </p:nvSpPr>
+        <p:spPr>
+          <a:xfrm>
+            <a:off x="99695" y="2333624"/>
+            <a:ext cx="11992610" cy="1325563"/>
+          </a:xfrm>
+        </p:spPr>
+        <p:txBody>
+          <a:bodyPr>
+            <a:noAutofit/>
+          </a:bodyPr>
+          <a:lstStyle/>
+          <a:p>
+            <a:pPr algn="ctr">
+              <a:lnSpc>
+                <a:spcPct val="150000"/>
+              </a:lnSpc>
+            </a:pPr>
+            <a:r>
+              <a:rPr lang="en-US" altLang="zh-CN" sz="3600" b="0" i="0" dirty="0">
+                <a:effectLst/>
+                <a:latin typeface="Avenir Book" panose="02000503020000020003" pitchFamily="2" charset="0"/>
+              </a:rPr>
+              <a:t>Thank you!</a:t>
+            </a:r>
+            <a:endParaRPr lang="zh-CN" altLang="en-US" sz="3600" dirty="0">
+              <a:latin typeface="Avenir Book" panose="02000503020000020003" pitchFamily="2" charset="0"/>
+            </a:endParaRPr>
+          </a:p>
+        </p:txBody>
+      </p:sp>
+    </p:spTree>
+    <p:extLst>
+      <p:ext uri="{BB962C8B-B14F-4D97-AF65-F5344CB8AC3E}">
+        <p14:creationId xmlns:p14="http://schemas.microsoft.com/office/powerpoint/2010/main" val="4119157676"/>
       </p:ext>
     </p:extLst>
   </p:cSld>
@@ -4928,35 +5702,6 @@
           <a:chExt cx="0" cy="0"/>
         </a:xfrm>
       </p:grpSpPr>
-      <p:pic>
-        <p:nvPicPr>
-          <p:cNvPr id="3" name="图片 2">
-            <a:extLst>
-              <a:ext uri="{FF2B5EF4-FFF2-40B4-BE49-F238E27FC236}">
-                <a16:creationId xmlns:a16="http://schemas.microsoft.com/office/drawing/2014/main" id="{E98A13D0-4931-A7E9-EA9A-D89254B9F183}"/>
-              </a:ext>
-            </a:extLst>
-          </p:cNvPr>
-          <p:cNvPicPr>
-            <a:picLocks noChangeAspect="1"/>
-          </p:cNvPicPr>
-          <p:nvPr/>
-        </p:nvPicPr>
-        <p:blipFill rotWithShape="1">
-          <a:blip r:embed="rId3"/>
-          <a:srcRect t="48018" b="1"/>
-          <a:stretch/>
-        </p:blipFill>
-        <p:spPr>
-          <a:xfrm>
-            <a:off x="3740542" y="3429000"/>
-            <a:ext cx="5070520" cy="3339512"/>
-          </a:xfrm>
-          <a:prstGeom prst="rect">
-            <a:avLst/>
-          </a:prstGeom>
-        </p:spPr>
-      </p:pic>
       <p:sp>
         <p:nvSpPr>
           <p:cNvPr id="2" name="文本框 1">
@@ -5050,10 +5795,10 @@
       </p:sp>
       <p:pic>
         <p:nvPicPr>
-          <p:cNvPr id="7" name="图片 6">
-            <a:extLst>
-              <a:ext uri="{FF2B5EF4-FFF2-40B4-BE49-F238E27FC236}">
-                <a16:creationId xmlns:a16="http://schemas.microsoft.com/office/drawing/2014/main" id="{7048FD2D-27F0-46FD-0A2A-7188721FE551}"/>
+          <p:cNvPr id="4" name="图片 3">
+            <a:extLst>
+              <a:ext uri="{FF2B5EF4-FFF2-40B4-BE49-F238E27FC236}">
+                <a16:creationId xmlns:a16="http://schemas.microsoft.com/office/drawing/2014/main" id="{45913D19-6AA8-EB54-ED45-FB5B5FA55A7F}"/>
               </a:ext>
             </a:extLst>
           </p:cNvPr>
@@ -5062,15 +5807,16 @@
           </p:cNvPicPr>
           <p:nvPr/>
         </p:nvPicPr>
-        <p:blipFill rotWithShape="1">
+        <p:blipFill>
           <a:blip r:embed="rId3"/>
-          <a:srcRect b="52130"/>
-          <a:stretch/>
+          <a:stretch>
+            <a:fillRect/>
+          </a:stretch>
         </p:blipFill>
         <p:spPr>
           <a:xfrm>
-            <a:off x="3740542" y="353654"/>
-            <a:ext cx="5070520" cy="3075346"/>
+            <a:off x="3753687" y="424966"/>
+            <a:ext cx="4684625" cy="5990176"/>
           </a:xfrm>
           <a:prstGeom prst="rect">
             <a:avLst/>
@@ -5087,142 +5833,6 @@
   <p:clrMapOvr>
     <a:masterClrMapping/>
   </p:clrMapOvr>
-  <p:timing>
-    <p:tnLst>
-      <p:par>
-        <p:cTn id="1" dur="indefinite" restart="never" nodeType="tmRoot">
-          <p:childTnLst>
-            <p:seq concurrent="1" nextAc="seek">
-              <p:cTn id="2" dur="indefinite" nodeType="mainSeq">
-                <p:childTnLst>
-                  <p:par>
-                    <p:cTn id="3" fill="hold">
-                      <p:stCondLst>
-                        <p:cond delay="indefinite"/>
-                      </p:stCondLst>
-                      <p:childTnLst>
-                        <p:par>
-                          <p:cTn id="4" fill="hold">
-                            <p:stCondLst>
-                              <p:cond delay="0"/>
-                            </p:stCondLst>
-                            <p:childTnLst>
-                              <p:par>
-                                <p:cTn id="5" presetID="10" presetClass="entr" presetSubtype="0" fill="hold" nodeType="clickEffect">
-                                  <p:stCondLst>
-                                    <p:cond delay="0"/>
-                                  </p:stCondLst>
-                                  <p:childTnLst>
-                                    <p:set>
-                                      <p:cBhvr>
-                                        <p:cTn id="6" dur="1" fill="hold">
-                                          <p:stCondLst>
-                                            <p:cond delay="0"/>
-                                          </p:stCondLst>
-                                        </p:cTn>
-                                        <p:tgtEl>
-                                          <p:spTgt spid="7"/>
-                                        </p:tgtEl>
-                                        <p:attrNameLst>
-                                          <p:attrName>style.visibility</p:attrName>
-                                        </p:attrNameLst>
-                                      </p:cBhvr>
-                                      <p:to>
-                                        <p:strVal val="visible"/>
-                                      </p:to>
-                                    </p:set>
-                                    <p:animEffect transition="in" filter="fade">
-                                      <p:cBhvr>
-                                        <p:cTn id="7" dur="500"/>
-                                        <p:tgtEl>
-                                          <p:spTgt spid="7"/>
-                                        </p:tgtEl>
-                                      </p:cBhvr>
-                                    </p:animEffect>
-                                  </p:childTnLst>
-                                </p:cTn>
-                              </p:par>
-                            </p:childTnLst>
-                          </p:cTn>
-                        </p:par>
-                      </p:childTnLst>
-                    </p:cTn>
-                  </p:par>
-                  <p:par>
-                    <p:cTn id="8" fill="hold">
-                      <p:stCondLst>
-                        <p:cond delay="indefinite"/>
-                      </p:stCondLst>
-                      <p:childTnLst>
-                        <p:par>
-                          <p:cTn id="9" fill="hold">
-                            <p:stCondLst>
-                              <p:cond delay="0"/>
-                            </p:stCondLst>
-                            <p:childTnLst>
-                              <p:par>
-                                <p:cTn id="10" presetID="10" presetClass="entr" presetSubtype="0" fill="hold" nodeType="clickEffect">
-                                  <p:stCondLst>
-                                    <p:cond delay="0"/>
-                                  </p:stCondLst>
-                                  <p:childTnLst>
-                                    <p:set>
-                                      <p:cBhvr>
-                                        <p:cTn id="11" dur="1" fill="hold">
-                                          <p:stCondLst>
-                                            <p:cond delay="0"/>
-                                          </p:stCondLst>
-                                        </p:cTn>
-                                        <p:tgtEl>
-                                          <p:spTgt spid="3"/>
-                                        </p:tgtEl>
-                                        <p:attrNameLst>
-                                          <p:attrName>style.visibility</p:attrName>
-                                        </p:attrNameLst>
-                                      </p:cBhvr>
-                                      <p:to>
-                                        <p:strVal val="visible"/>
-                                      </p:to>
-                                    </p:set>
-                                    <p:animEffect transition="in" filter="fade">
-                                      <p:cBhvr>
-                                        <p:cTn id="12" dur="500"/>
-                                        <p:tgtEl>
-                                          <p:spTgt spid="3"/>
-                                        </p:tgtEl>
-                                      </p:cBhvr>
-                                    </p:animEffect>
-                                  </p:childTnLst>
-                                </p:cTn>
-                              </p:par>
-                            </p:childTnLst>
-                          </p:cTn>
-                        </p:par>
-                      </p:childTnLst>
-                    </p:cTn>
-                  </p:par>
-                </p:childTnLst>
-              </p:cTn>
-              <p:prevCondLst>
-                <p:cond evt="onPrev" delay="0">
-                  <p:tgtEl>
-                    <p:sldTgt/>
-                  </p:tgtEl>
-                </p:cond>
-              </p:prevCondLst>
-              <p:nextCondLst>
-                <p:cond evt="onNext" delay="0">
-                  <p:tgtEl>
-                    <p:sldTgt/>
-                  </p:tgtEl>
-                </p:cond>
-              </p:nextCondLst>
-            </p:seq>
-          </p:childTnLst>
-        </p:cTn>
-      </p:par>
-    </p:tnLst>
-  </p:timing>
 </p:sld>
 </file>
 
@@ -5243,12 +5853,426 @@
           <a:chExt cx="0" cy="0"/>
         </a:xfrm>
       </p:grpSpPr>
+      <p:sp>
+        <p:nvSpPr>
+          <p:cNvPr id="2" name="文本框 1">
+            <a:extLst>
+              <a:ext uri="{FF2B5EF4-FFF2-40B4-BE49-F238E27FC236}">
+                <a16:creationId xmlns:a16="http://schemas.microsoft.com/office/drawing/2014/main" id="{F70284AD-2459-A5EA-CA9A-65CBB033FDB9}"/>
+              </a:ext>
+            </a:extLst>
+          </p:cNvPr>
+          <p:cNvSpPr txBox="1"/>
+          <p:nvPr/>
+        </p:nvSpPr>
+        <p:spPr>
+          <a:xfrm>
+            <a:off x="409073" y="228600"/>
+            <a:ext cx="2374792" cy="523220"/>
+          </a:xfrm>
+          <a:prstGeom prst="rect">
+            <a:avLst/>
+          </a:prstGeom>
+          <a:noFill/>
+        </p:spPr>
+        <p:txBody>
+          <a:bodyPr wrap="square" rtlCol="0">
+            <a:spAutoFit/>
+          </a:bodyPr>
+          <a:lstStyle/>
+          <a:p>
+            <a:r>
+              <a:rPr lang="en-US" altLang="zh-CN" sz="2800" dirty="0">
+                <a:latin typeface="Avenir Book" panose="02000503020000020003" pitchFamily="2" charset="0"/>
+                <a:cs typeface="Arial" panose="020B0604020202020204" pitchFamily="34" charset="0"/>
+              </a:rPr>
+              <a:t>Workflow</a:t>
+            </a:r>
+          </a:p>
+        </p:txBody>
+      </p:sp>
+      <p:sp>
+        <p:nvSpPr>
+          <p:cNvPr id="5" name="矩形 4">
+            <a:extLst>
+              <a:ext uri="{FF2B5EF4-FFF2-40B4-BE49-F238E27FC236}">
+                <a16:creationId xmlns:a16="http://schemas.microsoft.com/office/drawing/2014/main" id="{3A559BCB-20EE-28EC-DC0B-F506FD8ADC10}"/>
+              </a:ext>
+            </a:extLst>
+          </p:cNvPr>
+          <p:cNvSpPr/>
+          <p:nvPr/>
+        </p:nvSpPr>
+        <p:spPr>
+          <a:xfrm flipV="1">
+            <a:off x="288758" y="228600"/>
+            <a:ext cx="120315" cy="522938"/>
+          </a:xfrm>
+          <a:prstGeom prst="rect">
+            <a:avLst/>
+          </a:prstGeom>
+          <a:ln>
+            <a:solidFill>
+              <a:srgbClr val="2F528F">
+                <a:alpha val="0"/>
+              </a:srgbClr>
+            </a:solidFill>
+          </a:ln>
+        </p:spPr>
+        <p:style>
+          <a:lnRef idx="2">
+            <a:schemeClr val="accent1">
+              <a:shade val="50000"/>
+            </a:schemeClr>
+          </a:lnRef>
+          <a:fillRef idx="1">
+            <a:schemeClr val="accent1"/>
+          </a:fillRef>
+          <a:effectRef idx="0">
+            <a:schemeClr val="accent1"/>
+          </a:effectRef>
+          <a:fontRef idx="minor">
+            <a:schemeClr val="lt1"/>
+          </a:fontRef>
+        </p:style>
+        <p:txBody>
+          <a:bodyPr rtlCol="0" anchor="ctr"/>
+          <a:lstStyle/>
+          <a:p>
+            <a:pPr algn="ctr"/>
+            <a:endParaRPr kumimoji="1" lang="zh-CN" altLang="en-US"/>
+          </a:p>
+        </p:txBody>
+      </p:sp>
+      <p:pic>
+        <p:nvPicPr>
+          <p:cNvPr id="4" name="图片 3">
+            <a:extLst>
+              <a:ext uri="{FF2B5EF4-FFF2-40B4-BE49-F238E27FC236}">
+                <a16:creationId xmlns:a16="http://schemas.microsoft.com/office/drawing/2014/main" id="{45913D19-6AA8-EB54-ED45-FB5B5FA55A7F}"/>
+              </a:ext>
+            </a:extLst>
+          </p:cNvPr>
+          <p:cNvPicPr>
+            <a:picLocks noChangeAspect="1"/>
+          </p:cNvPicPr>
+          <p:nvPr/>
+        </p:nvPicPr>
+        <p:blipFill>
+          <a:blip r:embed="rId3"/>
+          <a:stretch>
+            <a:fillRect/>
+          </a:stretch>
+        </p:blipFill>
+        <p:spPr>
+          <a:xfrm>
+            <a:off x="3753687" y="424966"/>
+            <a:ext cx="4684625" cy="5990176"/>
+          </a:xfrm>
+          <a:prstGeom prst="rect">
+            <a:avLst/>
+          </a:prstGeom>
+        </p:spPr>
+      </p:pic>
+      <p:sp>
+        <p:nvSpPr>
+          <p:cNvPr id="8" name="矩形 7">
+            <a:extLst>
+              <a:ext uri="{FF2B5EF4-FFF2-40B4-BE49-F238E27FC236}">
+                <a16:creationId xmlns:a16="http://schemas.microsoft.com/office/drawing/2014/main" id="{526C8D4F-B26B-0888-8B95-D046943853E2}"/>
+              </a:ext>
+            </a:extLst>
+          </p:cNvPr>
+          <p:cNvSpPr/>
+          <p:nvPr/>
+        </p:nvSpPr>
+        <p:spPr>
+          <a:xfrm>
+            <a:off x="3445327" y="3463597"/>
+            <a:ext cx="5301343" cy="3036691"/>
+          </a:xfrm>
+          <a:prstGeom prst="rect">
+            <a:avLst/>
+          </a:prstGeom>
+          <a:solidFill>
+            <a:schemeClr val="bg1">
+              <a:alpha val="80000"/>
+            </a:schemeClr>
+          </a:solidFill>
+          <a:ln>
+            <a:solidFill>
+              <a:schemeClr val="bg1"/>
+            </a:solidFill>
+          </a:ln>
+        </p:spPr>
+        <p:style>
+          <a:lnRef idx="2">
+            <a:schemeClr val="accent1">
+              <a:shade val="15000"/>
+            </a:schemeClr>
+          </a:lnRef>
+          <a:fillRef idx="1">
+            <a:schemeClr val="accent1"/>
+          </a:fillRef>
+          <a:effectRef idx="0">
+            <a:schemeClr val="accent1"/>
+          </a:effectRef>
+          <a:fontRef idx="minor">
+            <a:schemeClr val="lt1"/>
+          </a:fontRef>
+        </p:style>
+        <p:txBody>
+          <a:bodyPr rtlCol="0" anchor="ctr"/>
+          <a:lstStyle/>
+          <a:p>
+            <a:pPr algn="ctr"/>
+            <a:endParaRPr kumimoji="1" lang="zh-CN" altLang="en-US" dirty="0"/>
+          </a:p>
+        </p:txBody>
+      </p:sp>
+    </p:spTree>
+    <p:extLst>
+      <p:ext uri="{BB962C8B-B14F-4D97-AF65-F5344CB8AC3E}">
+        <p14:creationId xmlns:p14="http://schemas.microsoft.com/office/powerpoint/2010/main" val="1256346408"/>
+      </p:ext>
+    </p:extLst>
+  </p:cSld>
+  <p:clrMapOvr>
+    <a:masterClrMapping/>
+  </p:clrMapOvr>
+</p:sld>
+</file>
+
+<file path=ppt/slides/slide5.xml><?xml version="1.0" encoding="utf-8"?>
+<p:sld xmlns:a="http://schemas.openxmlformats.org/drawingml/2006/main" xmlns:r="http://schemas.openxmlformats.org/officeDocument/2006/relationships" xmlns:p="http://schemas.openxmlformats.org/presentationml/2006/main">
+  <p:cSld>
+    <p:spTree>
+      <p:nvGrpSpPr>
+        <p:cNvPr id="1" name=""/>
+        <p:cNvGrpSpPr/>
+        <p:nvPr/>
+      </p:nvGrpSpPr>
+      <p:grpSpPr>
+        <a:xfrm>
+          <a:off x="0" y="0"/>
+          <a:ext cx="0" cy="0"/>
+          <a:chOff x="0" y="0"/>
+          <a:chExt cx="0" cy="0"/>
+        </a:xfrm>
+      </p:grpSpPr>
+      <p:sp>
+        <p:nvSpPr>
+          <p:cNvPr id="2" name="文本框 1">
+            <a:extLst>
+              <a:ext uri="{FF2B5EF4-FFF2-40B4-BE49-F238E27FC236}">
+                <a16:creationId xmlns:a16="http://schemas.microsoft.com/office/drawing/2014/main" id="{F70284AD-2459-A5EA-CA9A-65CBB033FDB9}"/>
+              </a:ext>
+            </a:extLst>
+          </p:cNvPr>
+          <p:cNvSpPr txBox="1"/>
+          <p:nvPr/>
+        </p:nvSpPr>
+        <p:spPr>
+          <a:xfrm>
+            <a:off x="409073" y="228600"/>
+            <a:ext cx="2374792" cy="523220"/>
+          </a:xfrm>
+          <a:prstGeom prst="rect">
+            <a:avLst/>
+          </a:prstGeom>
+          <a:noFill/>
+        </p:spPr>
+        <p:txBody>
+          <a:bodyPr wrap="square" rtlCol="0">
+            <a:spAutoFit/>
+          </a:bodyPr>
+          <a:lstStyle/>
+          <a:p>
+            <a:r>
+              <a:rPr lang="en-US" altLang="zh-CN" sz="2800" dirty="0">
+                <a:latin typeface="Avenir Book" panose="02000503020000020003" pitchFamily="2" charset="0"/>
+                <a:cs typeface="Arial" panose="020B0604020202020204" pitchFamily="34" charset="0"/>
+              </a:rPr>
+              <a:t>Workflow</a:t>
+            </a:r>
+          </a:p>
+        </p:txBody>
+      </p:sp>
+      <p:sp>
+        <p:nvSpPr>
+          <p:cNvPr id="5" name="矩形 4">
+            <a:extLst>
+              <a:ext uri="{FF2B5EF4-FFF2-40B4-BE49-F238E27FC236}">
+                <a16:creationId xmlns:a16="http://schemas.microsoft.com/office/drawing/2014/main" id="{3A559BCB-20EE-28EC-DC0B-F506FD8ADC10}"/>
+              </a:ext>
+            </a:extLst>
+          </p:cNvPr>
+          <p:cNvSpPr/>
+          <p:nvPr/>
+        </p:nvSpPr>
+        <p:spPr>
+          <a:xfrm flipV="1">
+            <a:off x="288758" y="228600"/>
+            <a:ext cx="120315" cy="522938"/>
+          </a:xfrm>
+          <a:prstGeom prst="rect">
+            <a:avLst/>
+          </a:prstGeom>
+          <a:ln>
+            <a:solidFill>
+              <a:srgbClr val="2F528F">
+                <a:alpha val="0"/>
+              </a:srgbClr>
+            </a:solidFill>
+          </a:ln>
+        </p:spPr>
+        <p:style>
+          <a:lnRef idx="2">
+            <a:schemeClr val="accent1">
+              <a:shade val="50000"/>
+            </a:schemeClr>
+          </a:lnRef>
+          <a:fillRef idx="1">
+            <a:schemeClr val="accent1"/>
+          </a:fillRef>
+          <a:effectRef idx="0">
+            <a:schemeClr val="accent1"/>
+          </a:effectRef>
+          <a:fontRef idx="minor">
+            <a:schemeClr val="lt1"/>
+          </a:fontRef>
+        </p:style>
+        <p:txBody>
+          <a:bodyPr rtlCol="0" anchor="ctr"/>
+          <a:lstStyle/>
+          <a:p>
+            <a:pPr algn="ctr"/>
+            <a:endParaRPr kumimoji="1" lang="zh-CN" altLang="en-US"/>
+          </a:p>
+        </p:txBody>
+      </p:sp>
+      <p:pic>
+        <p:nvPicPr>
+          <p:cNvPr id="4" name="图片 3">
+            <a:extLst>
+              <a:ext uri="{FF2B5EF4-FFF2-40B4-BE49-F238E27FC236}">
+                <a16:creationId xmlns:a16="http://schemas.microsoft.com/office/drawing/2014/main" id="{45913D19-6AA8-EB54-ED45-FB5B5FA55A7F}"/>
+              </a:ext>
+            </a:extLst>
+          </p:cNvPr>
+          <p:cNvPicPr>
+            <a:picLocks noChangeAspect="1"/>
+          </p:cNvPicPr>
+          <p:nvPr/>
+        </p:nvPicPr>
+        <p:blipFill>
+          <a:blip r:embed="rId3"/>
+          <a:stretch>
+            <a:fillRect/>
+          </a:stretch>
+        </p:blipFill>
+        <p:spPr>
+          <a:xfrm>
+            <a:off x="3753687" y="424966"/>
+            <a:ext cx="4684625" cy="5990176"/>
+          </a:xfrm>
+          <a:prstGeom prst="rect">
+            <a:avLst/>
+          </a:prstGeom>
+        </p:spPr>
+      </p:pic>
+      <p:sp>
+        <p:nvSpPr>
+          <p:cNvPr id="6" name="矩形 5">
+            <a:extLst>
+              <a:ext uri="{FF2B5EF4-FFF2-40B4-BE49-F238E27FC236}">
+                <a16:creationId xmlns:a16="http://schemas.microsoft.com/office/drawing/2014/main" id="{26D5CD7B-0E71-DE20-7DC0-89F3C02C6421}"/>
+              </a:ext>
+            </a:extLst>
+          </p:cNvPr>
+          <p:cNvSpPr/>
+          <p:nvPr/>
+        </p:nvSpPr>
+        <p:spPr>
+          <a:xfrm>
+            <a:off x="3391472" y="426906"/>
+            <a:ext cx="5301343" cy="3036691"/>
+          </a:xfrm>
+          <a:prstGeom prst="rect">
+            <a:avLst/>
+          </a:prstGeom>
+          <a:solidFill>
+            <a:schemeClr val="bg1">
+              <a:alpha val="80000"/>
+            </a:schemeClr>
+          </a:solidFill>
+          <a:ln>
+            <a:solidFill>
+              <a:schemeClr val="bg1"/>
+            </a:solidFill>
+          </a:ln>
+        </p:spPr>
+        <p:style>
+          <a:lnRef idx="2">
+            <a:schemeClr val="accent1">
+              <a:shade val="15000"/>
+            </a:schemeClr>
+          </a:lnRef>
+          <a:fillRef idx="1">
+            <a:schemeClr val="accent1"/>
+          </a:fillRef>
+          <a:effectRef idx="0">
+            <a:schemeClr val="accent1"/>
+          </a:effectRef>
+          <a:fontRef idx="minor">
+            <a:schemeClr val="lt1"/>
+          </a:fontRef>
+        </p:style>
+        <p:txBody>
+          <a:bodyPr rtlCol="0" anchor="ctr"/>
+          <a:lstStyle/>
+          <a:p>
+            <a:pPr algn="ctr"/>
+            <a:endParaRPr kumimoji="1" lang="zh-CN" altLang="en-US"/>
+          </a:p>
+        </p:txBody>
+      </p:sp>
+    </p:spTree>
+    <p:extLst>
+      <p:ext uri="{BB962C8B-B14F-4D97-AF65-F5344CB8AC3E}">
+        <p14:creationId xmlns:p14="http://schemas.microsoft.com/office/powerpoint/2010/main" val="3697227020"/>
+      </p:ext>
+    </p:extLst>
+  </p:cSld>
+  <p:clrMapOvr>
+    <a:masterClrMapping/>
+  </p:clrMapOvr>
+</p:sld>
+</file>
+
+<file path=ppt/slides/slide6.xml><?xml version="1.0" encoding="utf-8"?>
+<p:sld xmlns:a="http://schemas.openxmlformats.org/drawingml/2006/main" xmlns:r="http://schemas.openxmlformats.org/officeDocument/2006/relationships" xmlns:p="http://schemas.openxmlformats.org/presentationml/2006/main">
+  <p:cSld>
+    <p:spTree>
+      <p:nvGrpSpPr>
+        <p:cNvPr id="1" name=""/>
+        <p:cNvGrpSpPr/>
+        <p:nvPr/>
+      </p:nvGrpSpPr>
+      <p:grpSpPr>
+        <a:xfrm>
+          <a:off x="0" y="0"/>
+          <a:ext cx="0" cy="0"/>
+          <a:chOff x="0" y="0"/>
+          <a:chExt cx="0" cy="0"/>
+        </a:xfrm>
+      </p:grpSpPr>
       <p:grpSp>
         <p:nvGrpSpPr>
-          <p:cNvPr id="12" name="组合 11">
-            <a:extLst>
-              <a:ext uri="{FF2B5EF4-FFF2-40B4-BE49-F238E27FC236}">
-                <a16:creationId xmlns:a16="http://schemas.microsoft.com/office/drawing/2014/main" id="{90A3BDA8-E407-B122-DB29-88E7AD15F536}"/>
+          <p:cNvPr id="58" name="组合 57">
+            <a:extLst>
+              <a:ext uri="{FF2B5EF4-FFF2-40B4-BE49-F238E27FC236}">
+                <a16:creationId xmlns:a16="http://schemas.microsoft.com/office/drawing/2014/main" id="{E2084A7E-9C2A-7541-ED2E-6B3160F09FD6}"/>
               </a:ext>
             </a:extLst>
           </p:cNvPr>
@@ -5257,18 +6281,18 @@
         </p:nvGrpSpPr>
         <p:grpSpPr>
           <a:xfrm>
-            <a:off x="2111198" y="5380965"/>
-            <a:ext cx="10277352" cy="435345"/>
-            <a:chOff x="1226535" y="5380965"/>
-            <a:chExt cx="10277352" cy="435345"/>
+            <a:off x="2111198" y="2461227"/>
+            <a:ext cx="10277352" cy="2251937"/>
+            <a:chOff x="2111198" y="2700716"/>
+            <a:chExt cx="10277352" cy="2251937"/>
           </a:xfrm>
         </p:grpSpPr>
         <p:sp>
           <p:nvSpPr>
-            <p:cNvPr id="7" name="矩形: 圆角 6">
+            <p:cNvPr id="29" name="椭圆 28">
               <a:extLst>
                 <a:ext uri="{FF2B5EF4-FFF2-40B4-BE49-F238E27FC236}">
-                  <a16:creationId xmlns:a16="http://schemas.microsoft.com/office/drawing/2014/main" id="{C708909D-DB81-5C04-5DB9-6FA0E74199BF}"/>
+                  <a16:creationId xmlns:a16="http://schemas.microsoft.com/office/drawing/2014/main" id="{DECD9164-2C4D-B182-E5A8-9EF2A3625117}"/>
                 </a:ext>
               </a:extLst>
             </p:cNvPr>
@@ -5277,126 +6301,14 @@
           </p:nvSpPr>
           <p:spPr>
             <a:xfrm>
-              <a:off x="1226535" y="5384310"/>
-              <a:ext cx="3135280" cy="432000"/>
-            </a:xfrm>
-            <a:prstGeom prst="roundRect">
-              <a:avLst/>
-            </a:prstGeom>
-            <a:solidFill>
-              <a:schemeClr val="bg1"/>
-            </a:solidFill>
-            <a:ln w="57150">
-              <a:solidFill>
-                <a:srgbClr val="61C0BF"/>
-              </a:solidFill>
-            </a:ln>
-          </p:spPr>
-          <p:style>
-            <a:lnRef idx="2">
-              <a:schemeClr val="accent1">
-                <a:shade val="50000"/>
-              </a:schemeClr>
-            </a:lnRef>
-            <a:fillRef idx="1">
-              <a:schemeClr val="accent1"/>
-            </a:fillRef>
-            <a:effectRef idx="0">
-              <a:schemeClr val="accent1"/>
-            </a:effectRef>
-            <a:fontRef idx="minor">
-              <a:schemeClr val="lt1"/>
-            </a:fontRef>
-          </p:style>
-          <p:txBody>
-            <a:bodyPr rtlCol="0" anchor="ctr"/>
-            <a:lstStyle/>
-            <a:p>
-              <a:pPr algn="ctr"/>
-              <a:r>
-                <a:rPr lang="en-US" altLang="zh-CN" sz="2400" dirty="0">
-                  <a:solidFill>
-                    <a:schemeClr val="tx1"/>
-                  </a:solidFill>
-                  <a:latin typeface="Avenir Book" panose="02000503020000020003" pitchFamily="2" charset="0"/>
-                  <a:cs typeface="Arial" panose="020B0604020202020204" pitchFamily="34" charset="0"/>
-                </a:rPr>
-                <a:t>Prediction Level</a:t>
-              </a:r>
-              <a:endParaRPr lang="zh-CN" altLang="en-US" sz="2400" dirty="0">
-                <a:solidFill>
-                  <a:schemeClr val="tx1"/>
-                </a:solidFill>
-                <a:latin typeface="Avenir Book" panose="02000503020000020003" pitchFamily="2" charset="0"/>
-                <a:cs typeface="Arial" panose="020B0604020202020204" pitchFamily="34" charset="0"/>
-              </a:endParaRPr>
-            </a:p>
-          </p:txBody>
-        </p:sp>
-        <p:sp>
-          <p:nvSpPr>
-            <p:cNvPr id="8" name="文本框 7">
-              <a:extLst>
-                <a:ext uri="{FF2B5EF4-FFF2-40B4-BE49-F238E27FC236}">
-                  <a16:creationId xmlns:a16="http://schemas.microsoft.com/office/drawing/2014/main" id="{F1365711-A609-CB5C-93D1-029BAB64B9BD}"/>
-                </a:ext>
-              </a:extLst>
-            </p:cNvPr>
-            <p:cNvSpPr txBox="1"/>
-            <p:nvPr/>
-          </p:nvSpPr>
-          <p:spPr>
-            <a:xfrm>
-              <a:off x="5576715" y="5380965"/>
-              <a:ext cx="5927172" cy="430887"/>
-            </a:xfrm>
-            <a:prstGeom prst="rect">
-              <a:avLst/>
-            </a:prstGeom>
-            <a:noFill/>
-          </p:spPr>
-          <p:txBody>
-            <a:bodyPr wrap="square" rtlCol="0">
-              <a:spAutoFit/>
-            </a:bodyPr>
-            <a:lstStyle/>
-            <a:p>
-              <a:r>
-                <a:rPr lang="en-US" altLang="zh-CN" sz="2200" dirty="0">
-                  <a:latin typeface="Avenir Book" panose="02000503020000020003" pitchFamily="2" charset="0"/>
-                  <a:cs typeface="Arial" panose="020B0604020202020204" pitchFamily="34" charset="0"/>
-                </a:rPr>
-                <a:t>Detect the prediction outliers.</a:t>
-              </a:r>
-              <a:endParaRPr lang="zh-CN" altLang="en-US" sz="2200" dirty="0">
-                <a:latin typeface="Avenir Book" panose="02000503020000020003" pitchFamily="2" charset="0"/>
-                <a:cs typeface="Arial" panose="020B0604020202020204" pitchFamily="34" charset="0"/>
-              </a:endParaRPr>
-            </a:p>
-          </p:txBody>
-        </p:sp>
-        <p:sp>
-          <p:nvSpPr>
-            <p:cNvPr id="35" name="椭圆 34">
-              <a:extLst>
-                <a:ext uri="{FF2B5EF4-FFF2-40B4-BE49-F238E27FC236}">
-                  <a16:creationId xmlns:a16="http://schemas.microsoft.com/office/drawing/2014/main" id="{BA2F1361-B943-1339-8125-AEB80E49342C}"/>
-                </a:ext>
-              </a:extLst>
-            </p:cNvPr>
-            <p:cNvSpPr/>
-            <p:nvPr/>
-          </p:nvSpPr>
-          <p:spPr>
-            <a:xfrm>
-              <a:off x="5402518" y="5533795"/>
+              <a:off x="6287181" y="2867723"/>
               <a:ext cx="133029" cy="133029"/>
             </a:xfrm>
             <a:prstGeom prst="ellipse">
               <a:avLst/>
             </a:prstGeom>
             <a:solidFill>
-              <a:srgbClr val="61C0BF"/>
+              <a:srgbClr val="F6CE66"/>
             </a:solidFill>
             <a:ln>
               <a:noFill/>
@@ -5423,180 +6335,7 @@
             <a:lstStyle/>
             <a:p>
               <a:pPr algn="ctr"/>
-              <a:endParaRPr lang="zh-CN" altLang="en-US">
-                <a:latin typeface="Avenir Book" panose="02000503020000020003" pitchFamily="2" charset="0"/>
-              </a:endParaRPr>
-            </a:p>
-          </p:txBody>
-        </p:sp>
-        <p:sp>
-          <p:nvSpPr>
-            <p:cNvPr id="37" name="椭圆 36">
-              <a:extLst>
-                <a:ext uri="{FF2B5EF4-FFF2-40B4-BE49-F238E27FC236}">
-                  <a16:creationId xmlns:a16="http://schemas.microsoft.com/office/drawing/2014/main" id="{58CADD14-142D-21C4-1170-448B0F2B5EDD}"/>
-                </a:ext>
-              </a:extLst>
-            </p:cNvPr>
-            <p:cNvSpPr/>
-            <p:nvPr/>
-          </p:nvSpPr>
-          <p:spPr>
-            <a:xfrm>
-              <a:off x="4290850" y="5533794"/>
-              <a:ext cx="133029" cy="133029"/>
-            </a:xfrm>
-            <a:prstGeom prst="ellipse">
-              <a:avLst/>
-            </a:prstGeom>
-            <a:solidFill>
-              <a:srgbClr val="61C0BF"/>
-            </a:solidFill>
-            <a:ln>
-              <a:noFill/>
-            </a:ln>
-          </p:spPr>
-          <p:style>
-            <a:lnRef idx="2">
-              <a:schemeClr val="accent1">
-                <a:shade val="50000"/>
-              </a:schemeClr>
-            </a:lnRef>
-            <a:fillRef idx="1">
-              <a:schemeClr val="accent1"/>
-            </a:fillRef>
-            <a:effectRef idx="0">
-              <a:schemeClr val="accent1"/>
-            </a:effectRef>
-            <a:fontRef idx="minor">
-              <a:schemeClr val="lt1"/>
-            </a:fontRef>
-          </p:style>
-          <p:txBody>
-            <a:bodyPr rtlCol="0" anchor="ctr"/>
-            <a:lstStyle/>
-            <a:p>
-              <a:pPr algn="ctr"/>
-              <a:endParaRPr lang="zh-CN" altLang="en-US">
-                <a:latin typeface="Avenir Book" panose="02000503020000020003" pitchFamily="2" charset="0"/>
-              </a:endParaRPr>
-            </a:p>
-          </p:txBody>
-        </p:sp>
-        <p:cxnSp>
-          <p:nvCxnSpPr>
-            <p:cNvPr id="39" name="直接连接符 38">
-              <a:extLst>
-                <a:ext uri="{FF2B5EF4-FFF2-40B4-BE49-F238E27FC236}">
-                  <a16:creationId xmlns:a16="http://schemas.microsoft.com/office/drawing/2014/main" id="{4D411E68-73D3-6148-3490-3E05F91CDD39}"/>
-                </a:ext>
-              </a:extLst>
-            </p:cNvPr>
-            <p:cNvCxnSpPr>
-              <a:stCxn id="37" idx="6"/>
-              <a:endCxn id="35" idx="2"/>
-            </p:cNvCxnSpPr>
-            <p:nvPr/>
-          </p:nvCxnSpPr>
-          <p:spPr>
-            <a:xfrm>
-              <a:off x="4423879" y="5600309"/>
-              <a:ext cx="978639" cy="1"/>
-            </a:xfrm>
-            <a:prstGeom prst="line">
-              <a:avLst/>
-            </a:prstGeom>
-            <a:ln w="38100">
-              <a:solidFill>
-                <a:srgbClr val="61C0BF"/>
-              </a:solidFill>
-            </a:ln>
-          </p:spPr>
-          <p:style>
-            <a:lnRef idx="1">
-              <a:schemeClr val="accent5"/>
-            </a:lnRef>
-            <a:fillRef idx="0">
-              <a:schemeClr val="accent5"/>
-            </a:fillRef>
-            <a:effectRef idx="0">
-              <a:schemeClr val="accent5"/>
-            </a:effectRef>
-            <a:fontRef idx="minor">
-              <a:schemeClr val="tx1"/>
-            </a:fontRef>
-          </p:style>
-        </p:cxnSp>
-      </p:grpSp>
-      <p:grpSp>
-        <p:nvGrpSpPr>
-          <p:cNvPr id="11" name="组合 10">
-            <a:extLst>
-              <a:ext uri="{FF2B5EF4-FFF2-40B4-BE49-F238E27FC236}">
-                <a16:creationId xmlns:a16="http://schemas.microsoft.com/office/drawing/2014/main" id="{59ECB6B4-FAD1-223C-7E83-AF38BB73EBE1}"/>
-              </a:ext>
-            </a:extLst>
-          </p:cNvPr>
-          <p:cNvGrpSpPr/>
-          <p:nvPr/>
-        </p:nvGrpSpPr>
-        <p:grpSpPr>
-          <a:xfrm>
-            <a:off x="2111198" y="2700716"/>
-            <a:ext cx="10277352" cy="2251937"/>
-            <a:chOff x="1226535" y="2700716"/>
-            <a:chExt cx="10277352" cy="2251937"/>
-          </a:xfrm>
-        </p:grpSpPr>
-        <p:sp>
-          <p:nvSpPr>
-            <p:cNvPr id="29" name="椭圆 28">
-              <a:extLst>
-                <a:ext uri="{FF2B5EF4-FFF2-40B4-BE49-F238E27FC236}">
-                  <a16:creationId xmlns:a16="http://schemas.microsoft.com/office/drawing/2014/main" id="{DECD9164-2C4D-B182-E5A8-9EF2A3625117}"/>
-                </a:ext>
-              </a:extLst>
-            </p:cNvPr>
-            <p:cNvSpPr/>
-            <p:nvPr/>
-          </p:nvSpPr>
-          <p:spPr>
-            <a:xfrm>
-              <a:off x="5402518" y="2867723"/>
-              <a:ext cx="133029" cy="133029"/>
-            </a:xfrm>
-            <a:prstGeom prst="ellipse">
-              <a:avLst/>
-            </a:prstGeom>
-            <a:solidFill>
-              <a:srgbClr val="FAE3D9"/>
-            </a:solidFill>
-            <a:ln>
-              <a:noFill/>
-            </a:ln>
-          </p:spPr>
-          <p:style>
-            <a:lnRef idx="2">
-              <a:schemeClr val="accent1">
-                <a:shade val="50000"/>
-              </a:schemeClr>
-            </a:lnRef>
-            <a:fillRef idx="1">
-              <a:schemeClr val="accent1"/>
-            </a:fillRef>
-            <a:effectRef idx="0">
-              <a:schemeClr val="accent1"/>
-            </a:effectRef>
-            <a:fontRef idx="minor">
-              <a:schemeClr val="lt1"/>
-            </a:fontRef>
-          </p:style>
-          <p:txBody>
-            <a:bodyPr rtlCol="0" anchor="ctr"/>
-            <a:lstStyle/>
-            <a:p>
-              <a:pPr algn="ctr"/>
-              <a:endParaRPr lang="zh-CN" altLang="en-US">
+              <a:endParaRPr lang="zh-CN" altLang="en-US" dirty="0">
                 <a:latin typeface="Avenir Book" panose="02000503020000020003" pitchFamily="2" charset="0"/>
               </a:endParaRPr>
             </a:p>
@@ -5616,7 +6355,7 @@
           </p:nvSpPr>
           <p:spPr>
             <a:xfrm>
-              <a:off x="5510203" y="2700716"/>
+              <a:off x="6394866" y="2700716"/>
               <a:ext cx="5334655" cy="430887"/>
             </a:xfrm>
             <a:prstGeom prst="rect">
@@ -5654,7 +6393,7 @@
           </p:nvSpPr>
           <p:spPr>
             <a:xfrm>
-              <a:off x="5510204" y="3286221"/>
+              <a:off x="6394867" y="3286221"/>
               <a:ext cx="5993683" cy="769441"/>
             </a:xfrm>
             <a:prstGeom prst="rect">
@@ -5673,7 +6412,7 @@
                   <a:latin typeface="Avenir Book" panose="02000503020000020003" pitchFamily="2" charset="0"/>
                   <a:cs typeface="Arial" panose="020B0604020202020204" pitchFamily="34" charset="0"/>
                 </a:rPr>
-                <a:t>Analyze the association between representations &amp; variables.</a:t>
+                <a:t>Analyze the association between representations and variables.</a:t>
               </a:r>
             </a:p>
           </p:txBody>
@@ -5692,14 +6431,14 @@
           </p:nvSpPr>
           <p:spPr>
             <a:xfrm>
-              <a:off x="5402518" y="4361595"/>
+              <a:off x="6287181" y="4361595"/>
               <a:ext cx="133029" cy="133029"/>
             </a:xfrm>
             <a:prstGeom prst="ellipse">
               <a:avLst/>
             </a:prstGeom>
             <a:solidFill>
-              <a:srgbClr val="FAE3D9"/>
+              <a:srgbClr val="F6CE66"/>
             </a:solidFill>
             <a:ln>
               <a:noFill/>
@@ -5746,7 +6485,7 @@
           </p:nvSpPr>
           <p:spPr>
             <a:xfrm>
-              <a:off x="5510204" y="4183212"/>
+              <a:off x="6394867" y="4183212"/>
               <a:ext cx="5927172" cy="769441"/>
             </a:xfrm>
             <a:prstGeom prst="rect">
@@ -5765,7 +6504,7 @@
                   <a:latin typeface="Avenir Book" panose="02000503020000020003" pitchFamily="2" charset="0"/>
                   <a:cs typeface="Arial" panose="020B0604020202020204" pitchFamily="34" charset="0"/>
                 </a:rPr>
-                <a:t>Analyze the association between representations &amp; predictions.</a:t>
+                <a:t>Analyze the association between representations and predictions.</a:t>
               </a:r>
             </a:p>
           </p:txBody>
@@ -5780,6 +6519,7 @@
               </a:extLst>
             </p:cNvPr>
             <p:cNvCxnSpPr>
+              <a:cxnSpLocks/>
               <a:stCxn id="36" idx="4"/>
               <a:endCxn id="33" idx="2"/>
             </p:cNvCxnSpPr>
@@ -5787,15 +6527,15 @@
           </p:nvCxnSpPr>
           <p:spPr>
             <a:xfrm rot="16200000" flipH="1">
-              <a:off x="4569493" y="3595084"/>
-              <a:ext cx="659473" cy="1006577"/>
+              <a:off x="5459599" y="3600527"/>
+              <a:ext cx="659473" cy="995691"/>
             </a:xfrm>
             <a:prstGeom prst="bentConnector2">
               <a:avLst/>
             </a:prstGeom>
             <a:ln w="38100">
               <a:solidFill>
-                <a:srgbClr val="FAE3D9"/>
+                <a:srgbClr val="F6CE66"/>
               </a:solidFill>
             </a:ln>
           </p:spPr>
@@ -5831,15 +6571,15 @@
           </p:nvCxnSpPr>
           <p:spPr>
             <a:xfrm rot="5400000" flipH="1" flipV="1">
-              <a:off x="4548544" y="2781635"/>
-              <a:ext cx="701370" cy="1006577"/>
+              <a:off x="5438650" y="2787078"/>
+              <a:ext cx="701370" cy="995691"/>
             </a:xfrm>
             <a:prstGeom prst="bentConnector2">
               <a:avLst/>
             </a:prstGeom>
             <a:ln w="38100">
               <a:solidFill>
-                <a:srgbClr val="FAE3D9"/>
+                <a:srgbClr val="F6CE66"/>
               </a:solidFill>
             </a:ln>
           </p:spPr>
@@ -5858,249 +6598,229 @@
             </a:fontRef>
           </p:style>
         </p:cxnSp>
-        <p:grpSp>
-          <p:nvGrpSpPr>
-            <p:cNvPr id="9" name="组合 8">
+        <p:sp>
+          <p:nvSpPr>
+            <p:cNvPr id="6" name="矩形: 圆角 5">
               <a:extLst>
                 <a:ext uri="{FF2B5EF4-FFF2-40B4-BE49-F238E27FC236}">
-                  <a16:creationId xmlns:a16="http://schemas.microsoft.com/office/drawing/2014/main" id="{C38A2F35-9D6C-08A8-6E4B-BFF7C3761879}"/>
+                  <a16:creationId xmlns:a16="http://schemas.microsoft.com/office/drawing/2014/main" id="{137BCA19-84AC-74D4-B1DC-C49E843F8A95}"/>
                 </a:ext>
               </a:extLst>
             </p:cNvPr>
-            <p:cNvGrpSpPr/>
+            <p:cNvSpPr/>
             <p:nvPr/>
-          </p:nvGrpSpPr>
-          <p:grpSpPr>
+          </p:nvSpPr>
+          <p:spPr>
             <a:xfrm>
-              <a:off x="1226535" y="3467885"/>
-              <a:ext cx="4309011" cy="432000"/>
-              <a:chOff x="557465" y="3304337"/>
-              <a:chExt cx="4309011" cy="432000"/>
+              <a:off x="2111198" y="3467885"/>
+              <a:ext cx="3135281" cy="432000"/>
             </a:xfrm>
-          </p:grpSpPr>
-          <p:sp>
-            <p:nvSpPr>
-              <p:cNvPr id="6" name="矩形: 圆角 5">
-                <a:extLst>
-                  <a:ext uri="{FF2B5EF4-FFF2-40B4-BE49-F238E27FC236}">
-                    <a16:creationId xmlns:a16="http://schemas.microsoft.com/office/drawing/2014/main" id="{137BCA19-84AC-74D4-B1DC-C49E843F8A95}"/>
-                  </a:ext>
-                </a:extLst>
-              </p:cNvPr>
-              <p:cNvSpPr/>
-              <p:nvPr/>
-            </p:nvSpPr>
-            <p:spPr>
-              <a:xfrm>
-                <a:off x="557465" y="3304337"/>
-                <a:ext cx="3135281" cy="432000"/>
-              </a:xfrm>
-              <a:prstGeom prst="roundRect">
-                <a:avLst/>
-              </a:prstGeom>
+            <a:prstGeom prst="roundRect">
+              <a:avLst/>
+            </a:prstGeom>
+            <a:solidFill>
+              <a:schemeClr val="bg1"/>
+            </a:solidFill>
+            <a:ln w="57150">
               <a:solidFill>
-                <a:schemeClr val="bg1"/>
+                <a:srgbClr val="F6CE66"/>
               </a:solidFill>
-              <a:ln w="57150">
-                <a:solidFill>
-                  <a:srgbClr val="FAE3D9"/>
-                </a:solidFill>
-              </a:ln>
-            </p:spPr>
-            <p:style>
-              <a:lnRef idx="2">
-                <a:schemeClr val="accent1">
-                  <a:shade val="50000"/>
-                </a:schemeClr>
-              </a:lnRef>
-              <a:fillRef idx="1">
-                <a:schemeClr val="accent1"/>
-              </a:fillRef>
-              <a:effectRef idx="0">
-                <a:schemeClr val="accent1"/>
-              </a:effectRef>
-              <a:fontRef idx="minor">
-                <a:schemeClr val="lt1"/>
-              </a:fontRef>
-            </p:style>
-            <p:txBody>
-              <a:bodyPr rtlCol="0" anchor="ctr"/>
-              <a:lstStyle/>
-              <a:p>
-                <a:pPr algn="ctr"/>
-                <a:r>
-                  <a:rPr lang="en-US" altLang="zh-CN" sz="2400" dirty="0">
-                    <a:solidFill>
-                      <a:schemeClr val="tx1"/>
-                    </a:solidFill>
-                    <a:latin typeface="Avenir Book" panose="02000503020000020003" pitchFamily="2" charset="0"/>
-                    <a:cs typeface="Arial" panose="020B0604020202020204" pitchFamily="34" charset="0"/>
-                  </a:rPr>
-                  <a:t>Representation Level</a:t>
-                </a:r>
-                <a:endParaRPr lang="zh-CN" altLang="en-US" sz="2400" dirty="0">
+            </a:ln>
+          </p:spPr>
+          <p:style>
+            <a:lnRef idx="2">
+              <a:schemeClr val="accent1">
+                <a:shade val="50000"/>
+              </a:schemeClr>
+            </a:lnRef>
+            <a:fillRef idx="1">
+              <a:schemeClr val="accent1"/>
+            </a:fillRef>
+            <a:effectRef idx="0">
+              <a:schemeClr val="accent1"/>
+            </a:effectRef>
+            <a:fontRef idx="minor">
+              <a:schemeClr val="lt1"/>
+            </a:fontRef>
+          </p:style>
+          <p:txBody>
+            <a:bodyPr rtlCol="0" anchor="ctr"/>
+            <a:lstStyle/>
+            <a:p>
+              <a:pPr algn="ctr"/>
+              <a:r>
+                <a:rPr lang="en-US" altLang="zh-CN" sz="2400" dirty="0">
                   <a:solidFill>
                     <a:schemeClr val="tx1"/>
                   </a:solidFill>
                   <a:latin typeface="Avenir Book" panose="02000503020000020003" pitchFamily="2" charset="0"/>
                   <a:cs typeface="Arial" panose="020B0604020202020204" pitchFamily="34" charset="0"/>
-                </a:endParaRPr>
-              </a:p>
-            </p:txBody>
-          </p:sp>
-          <p:sp>
-            <p:nvSpPr>
-              <p:cNvPr id="31" name="椭圆 30">
-                <a:extLst>
-                  <a:ext uri="{FF2B5EF4-FFF2-40B4-BE49-F238E27FC236}">
-                    <a16:creationId xmlns:a16="http://schemas.microsoft.com/office/drawing/2014/main" id="{7AFC2879-932B-4485-5036-EA01C984CB62}"/>
-                  </a:ext>
-                </a:extLst>
-              </p:cNvPr>
-              <p:cNvSpPr/>
-              <p:nvPr/>
-            </p:nvSpPr>
-            <p:spPr>
-              <a:xfrm>
-                <a:off x="4733447" y="3472059"/>
-                <a:ext cx="133029" cy="133029"/>
-              </a:xfrm>
-              <a:prstGeom prst="ellipse">
-                <a:avLst/>
-              </a:prstGeom>
+                </a:rPr>
+                <a:t>Representation Level</a:t>
+              </a:r>
+              <a:endParaRPr lang="zh-CN" altLang="en-US" sz="2400" dirty="0">
+                <a:solidFill>
+                  <a:schemeClr val="tx1"/>
+                </a:solidFill>
+                <a:latin typeface="Avenir Book" panose="02000503020000020003" pitchFamily="2" charset="0"/>
+                <a:cs typeface="Arial" panose="020B0604020202020204" pitchFamily="34" charset="0"/>
+              </a:endParaRPr>
+            </a:p>
+          </p:txBody>
+        </p:sp>
+        <p:sp>
+          <p:nvSpPr>
+            <p:cNvPr id="31" name="椭圆 30">
+              <a:extLst>
+                <a:ext uri="{FF2B5EF4-FFF2-40B4-BE49-F238E27FC236}">
+                  <a16:creationId xmlns:a16="http://schemas.microsoft.com/office/drawing/2014/main" id="{7AFC2879-932B-4485-5036-EA01C984CB62}"/>
+                </a:ext>
+              </a:extLst>
+            </p:cNvPr>
+            <p:cNvSpPr/>
+            <p:nvPr/>
+          </p:nvSpPr>
+          <p:spPr>
+            <a:xfrm>
+              <a:off x="6287180" y="3635607"/>
+              <a:ext cx="133029" cy="133029"/>
+            </a:xfrm>
+            <a:prstGeom prst="ellipse">
+              <a:avLst/>
+            </a:prstGeom>
+            <a:solidFill>
+              <a:srgbClr val="F6CE66"/>
+            </a:solidFill>
+            <a:ln>
+              <a:noFill/>
+            </a:ln>
+          </p:spPr>
+          <p:style>
+            <a:lnRef idx="2">
+              <a:schemeClr val="accent1">
+                <a:shade val="50000"/>
+              </a:schemeClr>
+            </a:lnRef>
+            <a:fillRef idx="1">
+              <a:schemeClr val="accent1"/>
+            </a:fillRef>
+            <a:effectRef idx="0">
+              <a:schemeClr val="accent1"/>
+            </a:effectRef>
+            <a:fontRef idx="minor">
+              <a:schemeClr val="lt1"/>
+            </a:fontRef>
+          </p:style>
+          <p:txBody>
+            <a:bodyPr rtlCol="0" anchor="ctr"/>
+            <a:lstStyle/>
+            <a:p>
+              <a:pPr algn="ctr"/>
+              <a:endParaRPr lang="zh-CN" altLang="en-US">
+                <a:latin typeface="Avenir Book" panose="02000503020000020003" pitchFamily="2" charset="0"/>
+              </a:endParaRPr>
+            </a:p>
+          </p:txBody>
+        </p:sp>
+        <p:sp>
+          <p:nvSpPr>
+            <p:cNvPr id="36" name="椭圆 35">
+              <a:extLst>
+                <a:ext uri="{FF2B5EF4-FFF2-40B4-BE49-F238E27FC236}">
+                  <a16:creationId xmlns:a16="http://schemas.microsoft.com/office/drawing/2014/main" id="{71DCC86B-1383-DE6D-48CD-B3DB58B9BFD8}"/>
+                </a:ext>
+              </a:extLst>
+            </p:cNvPr>
+            <p:cNvSpPr/>
+            <p:nvPr/>
+          </p:nvSpPr>
+          <p:spPr>
+            <a:xfrm>
+              <a:off x="5224975" y="3635608"/>
+              <a:ext cx="133029" cy="133029"/>
+            </a:xfrm>
+            <a:prstGeom prst="ellipse">
+              <a:avLst/>
+            </a:prstGeom>
+            <a:solidFill>
+              <a:srgbClr val="F6CE66"/>
+            </a:solidFill>
+            <a:ln>
+              <a:noFill/>
+            </a:ln>
+          </p:spPr>
+          <p:style>
+            <a:lnRef idx="2">
+              <a:schemeClr val="accent1">
+                <a:shade val="50000"/>
+              </a:schemeClr>
+            </a:lnRef>
+            <a:fillRef idx="1">
+              <a:schemeClr val="accent1"/>
+            </a:fillRef>
+            <a:effectRef idx="0">
+              <a:schemeClr val="accent1"/>
+            </a:effectRef>
+            <a:fontRef idx="minor">
+              <a:schemeClr val="lt1"/>
+            </a:fontRef>
+          </p:style>
+          <p:txBody>
+            <a:bodyPr rtlCol="0" anchor="ctr"/>
+            <a:lstStyle/>
+            <a:p>
+              <a:pPr algn="ctr"/>
+              <a:endParaRPr lang="zh-CN" altLang="en-US" dirty="0">
+                <a:latin typeface="Avenir Book" panose="02000503020000020003" pitchFamily="2" charset="0"/>
+              </a:endParaRPr>
+            </a:p>
+          </p:txBody>
+        </p:sp>
+        <p:cxnSp>
+          <p:nvCxnSpPr>
+            <p:cNvPr id="57" name="直接连接符 56">
+              <a:extLst>
+                <a:ext uri="{FF2B5EF4-FFF2-40B4-BE49-F238E27FC236}">
+                  <a16:creationId xmlns:a16="http://schemas.microsoft.com/office/drawing/2014/main" id="{548AF864-847C-009F-0728-8B9B591D3AEA}"/>
+                </a:ext>
+              </a:extLst>
+            </p:cNvPr>
+            <p:cNvCxnSpPr>
+              <a:cxnSpLocks/>
+              <a:stCxn id="36" idx="6"/>
+              <a:endCxn id="31" idx="2"/>
+            </p:cNvCxnSpPr>
+            <p:nvPr/>
+          </p:nvCxnSpPr>
+          <p:spPr>
+            <a:xfrm flipV="1">
+              <a:off x="5358004" y="3702122"/>
+              <a:ext cx="929176" cy="1"/>
+            </a:xfrm>
+            <a:prstGeom prst="line">
+              <a:avLst/>
+            </a:prstGeom>
+            <a:ln w="38100">
               <a:solidFill>
-                <a:srgbClr val="FAE3D9"/>
+                <a:srgbClr val="F6CE66"/>
               </a:solidFill>
-              <a:ln>
-                <a:noFill/>
-              </a:ln>
-            </p:spPr>
-            <p:style>
-              <a:lnRef idx="2">
-                <a:schemeClr val="accent1">
-                  <a:shade val="50000"/>
-                </a:schemeClr>
-              </a:lnRef>
-              <a:fillRef idx="1">
-                <a:schemeClr val="accent1"/>
-              </a:fillRef>
-              <a:effectRef idx="0">
-                <a:schemeClr val="accent1"/>
-              </a:effectRef>
-              <a:fontRef idx="minor">
-                <a:schemeClr val="lt1"/>
-              </a:fontRef>
-            </p:style>
-            <p:txBody>
-              <a:bodyPr rtlCol="0" anchor="ctr"/>
-              <a:lstStyle/>
-              <a:p>
-                <a:pPr algn="ctr"/>
-                <a:endParaRPr lang="zh-CN" altLang="en-US">
-                  <a:latin typeface="Avenir Book" panose="02000503020000020003" pitchFamily="2" charset="0"/>
-                </a:endParaRPr>
-              </a:p>
-            </p:txBody>
-          </p:sp>
-          <p:sp>
-            <p:nvSpPr>
-              <p:cNvPr id="36" name="椭圆 35">
-                <a:extLst>
-                  <a:ext uri="{FF2B5EF4-FFF2-40B4-BE49-F238E27FC236}">
-                    <a16:creationId xmlns:a16="http://schemas.microsoft.com/office/drawing/2014/main" id="{71DCC86B-1383-DE6D-48CD-B3DB58B9BFD8}"/>
-                  </a:ext>
-                </a:extLst>
-              </p:cNvPr>
-              <p:cNvSpPr/>
-              <p:nvPr/>
-            </p:nvSpPr>
-            <p:spPr>
-              <a:xfrm>
-                <a:off x="3660356" y="3472060"/>
-                <a:ext cx="133029" cy="133029"/>
-              </a:xfrm>
-              <a:prstGeom prst="ellipse">
-                <a:avLst/>
-              </a:prstGeom>
-              <a:solidFill>
-                <a:srgbClr val="FAE3D9"/>
-              </a:solidFill>
-              <a:ln>
-                <a:noFill/>
-              </a:ln>
-            </p:spPr>
-            <p:style>
-              <a:lnRef idx="2">
-                <a:schemeClr val="accent1">
-                  <a:shade val="50000"/>
-                </a:schemeClr>
-              </a:lnRef>
-              <a:fillRef idx="1">
-                <a:schemeClr val="accent1"/>
-              </a:fillRef>
-              <a:effectRef idx="0">
-                <a:schemeClr val="accent1"/>
-              </a:effectRef>
-              <a:fontRef idx="minor">
-                <a:schemeClr val="lt1"/>
-              </a:fontRef>
-            </p:style>
-            <p:txBody>
-              <a:bodyPr rtlCol="0" anchor="ctr"/>
-              <a:lstStyle/>
-              <a:p>
-                <a:pPr algn="ctr"/>
-                <a:endParaRPr lang="zh-CN" altLang="en-US">
-                  <a:latin typeface="Avenir Book" panose="02000503020000020003" pitchFamily="2" charset="0"/>
-                </a:endParaRPr>
-              </a:p>
-            </p:txBody>
-          </p:sp>
-          <p:cxnSp>
-            <p:nvCxnSpPr>
-              <p:cNvPr id="57" name="直接连接符 56">
-                <a:extLst>
-                  <a:ext uri="{FF2B5EF4-FFF2-40B4-BE49-F238E27FC236}">
-                    <a16:creationId xmlns:a16="http://schemas.microsoft.com/office/drawing/2014/main" id="{548AF864-847C-009F-0728-8B9B591D3AEA}"/>
-                  </a:ext>
-                </a:extLst>
-              </p:cNvPr>
-              <p:cNvCxnSpPr>
-                <a:stCxn id="36" idx="6"/>
-                <a:endCxn id="31" idx="2"/>
-              </p:cNvCxnSpPr>
-              <p:nvPr/>
-            </p:nvCxnSpPr>
-            <p:spPr>
-              <a:xfrm flipV="1">
-                <a:off x="3793385" y="3538574"/>
-                <a:ext cx="940062" cy="1"/>
-              </a:xfrm>
-              <a:prstGeom prst="line">
-                <a:avLst/>
-              </a:prstGeom>
-              <a:ln w="38100">
-                <a:solidFill>
-                  <a:srgbClr val="FAE3D9"/>
-                </a:solidFill>
-              </a:ln>
-            </p:spPr>
-            <p:style>
-              <a:lnRef idx="1">
-                <a:schemeClr val="accent1"/>
-              </a:lnRef>
-              <a:fillRef idx="0">
-                <a:schemeClr val="accent1"/>
-              </a:fillRef>
-              <a:effectRef idx="0">
-                <a:schemeClr val="accent1"/>
-              </a:effectRef>
-              <a:fontRef idx="minor">
-                <a:schemeClr val="tx1"/>
-              </a:fontRef>
-            </p:style>
-          </p:cxnSp>
-        </p:grpSp>
+            </a:ln>
+          </p:spPr>
+          <p:style>
+            <a:lnRef idx="1">
+              <a:schemeClr val="accent1"/>
+            </a:lnRef>
+            <a:fillRef idx="0">
+              <a:schemeClr val="accent1"/>
+            </a:fillRef>
+            <a:effectRef idx="0">
+              <a:schemeClr val="accent1"/>
+            </a:effectRef>
+            <a:fontRef idx="minor">
+              <a:schemeClr val="tx1"/>
+            </a:fontRef>
+          </p:style>
+        </p:cxnSp>
       </p:grpSp>
       <p:grpSp>
         <p:nvGrpSpPr>
@@ -6386,7 +7106,7 @@
             <a:lstStyle/>
             <a:p>
               <a:pPr algn="ctr"/>
-              <a:endParaRPr lang="zh-CN" altLang="en-US">
+              <a:endParaRPr lang="zh-CN" altLang="en-US" dirty="0">
                 <a:latin typeface="Avenir Book" panose="02000503020000020003" pitchFamily="2" charset="0"/>
               </a:endParaRPr>
             </a:p>
@@ -6440,14 +7160,13 @@
               </a:extLst>
             </p:cNvPr>
             <p:cNvCxnSpPr>
-              <a:stCxn id="16" idx="4"/>
-              <a:endCxn id="24" idx="2"/>
+              <a:cxnSpLocks/>
             </p:cNvCxnSpPr>
             <p:nvPr/>
           </p:nvCxnSpPr>
           <p:spPr>
             <a:xfrm rot="16200000" flipH="1">
-              <a:off x="4811484" y="1368512"/>
+              <a:off x="4811484" y="1357626"/>
               <a:ext cx="181261" cy="1000807"/>
             </a:xfrm>
             <a:prstGeom prst="bentConnector2">
@@ -6613,6 +7332,431 @@
           </a:p>
         </p:txBody>
       </p:sp>
+      <p:grpSp>
+        <p:nvGrpSpPr>
+          <p:cNvPr id="60" name="组合 59">
+            <a:extLst>
+              <a:ext uri="{FF2B5EF4-FFF2-40B4-BE49-F238E27FC236}">
+                <a16:creationId xmlns:a16="http://schemas.microsoft.com/office/drawing/2014/main" id="{D538E452-CCDE-389C-6A40-7AD9627B35A9}"/>
+              </a:ext>
+            </a:extLst>
+          </p:cNvPr>
+          <p:cNvGrpSpPr/>
+          <p:nvPr/>
+        </p:nvGrpSpPr>
+        <p:grpSpPr>
+          <a:xfrm>
+            <a:off x="2111198" y="5102907"/>
+            <a:ext cx="10210841" cy="1017648"/>
+            <a:chOff x="2111198" y="5102907"/>
+            <a:chExt cx="10210841" cy="1017648"/>
+          </a:xfrm>
+        </p:grpSpPr>
+        <p:sp>
+          <p:nvSpPr>
+            <p:cNvPr id="7" name="矩形: 圆角 6">
+              <a:extLst>
+                <a:ext uri="{FF2B5EF4-FFF2-40B4-BE49-F238E27FC236}">
+                  <a16:creationId xmlns:a16="http://schemas.microsoft.com/office/drawing/2014/main" id="{C708909D-DB81-5C04-5DB9-6FA0E74199BF}"/>
+                </a:ext>
+              </a:extLst>
+            </p:cNvPr>
+            <p:cNvSpPr/>
+            <p:nvPr/>
+          </p:nvSpPr>
+          <p:spPr>
+            <a:xfrm>
+              <a:off x="2111198" y="5384310"/>
+              <a:ext cx="3135280" cy="432000"/>
+            </a:xfrm>
+            <a:prstGeom prst="roundRect">
+              <a:avLst/>
+            </a:prstGeom>
+            <a:solidFill>
+              <a:schemeClr val="bg1"/>
+            </a:solidFill>
+            <a:ln w="57150">
+              <a:solidFill>
+                <a:srgbClr val="61C0BF"/>
+              </a:solidFill>
+            </a:ln>
+          </p:spPr>
+          <p:style>
+            <a:lnRef idx="2">
+              <a:schemeClr val="accent1">
+                <a:shade val="50000"/>
+              </a:schemeClr>
+            </a:lnRef>
+            <a:fillRef idx="1">
+              <a:schemeClr val="accent1"/>
+            </a:fillRef>
+            <a:effectRef idx="0">
+              <a:schemeClr val="accent1"/>
+            </a:effectRef>
+            <a:fontRef idx="minor">
+              <a:schemeClr val="lt1"/>
+            </a:fontRef>
+          </p:style>
+          <p:txBody>
+            <a:bodyPr rtlCol="0" anchor="ctr"/>
+            <a:lstStyle/>
+            <a:p>
+              <a:pPr algn="ctr"/>
+              <a:r>
+                <a:rPr lang="en-US" altLang="zh-CN" sz="2400" dirty="0">
+                  <a:solidFill>
+                    <a:schemeClr val="tx1"/>
+                  </a:solidFill>
+                  <a:latin typeface="Avenir Book" panose="02000503020000020003" pitchFamily="2" charset="0"/>
+                  <a:cs typeface="Arial" panose="020B0604020202020204" pitchFamily="34" charset="0"/>
+                </a:rPr>
+                <a:t>Prediction Level</a:t>
+              </a:r>
+              <a:endParaRPr lang="zh-CN" altLang="en-US" sz="2400" dirty="0">
+                <a:solidFill>
+                  <a:schemeClr val="tx1"/>
+                </a:solidFill>
+                <a:latin typeface="Avenir Book" panose="02000503020000020003" pitchFamily="2" charset="0"/>
+                <a:cs typeface="Arial" panose="020B0604020202020204" pitchFamily="34" charset="0"/>
+              </a:endParaRPr>
+            </a:p>
+          </p:txBody>
+        </p:sp>
+        <p:sp>
+          <p:nvSpPr>
+            <p:cNvPr id="8" name="文本框 7">
+              <a:extLst>
+                <a:ext uri="{FF2B5EF4-FFF2-40B4-BE49-F238E27FC236}">
+                  <a16:creationId xmlns:a16="http://schemas.microsoft.com/office/drawing/2014/main" id="{F1365711-A609-CB5C-93D1-029BAB64B9BD}"/>
+                </a:ext>
+              </a:extLst>
+            </p:cNvPr>
+            <p:cNvSpPr txBox="1"/>
+            <p:nvPr/>
+          </p:nvSpPr>
+          <p:spPr>
+            <a:xfrm>
+              <a:off x="6394866" y="5689668"/>
+              <a:ext cx="5927172" cy="430887"/>
+            </a:xfrm>
+            <a:prstGeom prst="rect">
+              <a:avLst/>
+            </a:prstGeom>
+            <a:noFill/>
+          </p:spPr>
+          <p:txBody>
+            <a:bodyPr wrap="square" rtlCol="0">
+              <a:spAutoFit/>
+            </a:bodyPr>
+            <a:lstStyle/>
+            <a:p>
+              <a:r>
+                <a:rPr lang="en-US" altLang="zh-CN" sz="2200" dirty="0">
+                  <a:latin typeface="Avenir Book" panose="02000503020000020003" pitchFamily="2" charset="0"/>
+                  <a:cs typeface="Arial" panose="020B0604020202020204" pitchFamily="34" charset="0"/>
+                </a:rPr>
+                <a:t>Detect the prediction outliers.</a:t>
+              </a:r>
+              <a:endParaRPr lang="zh-CN" altLang="en-US" sz="2200" dirty="0">
+                <a:latin typeface="Avenir Book" panose="02000503020000020003" pitchFamily="2" charset="0"/>
+                <a:cs typeface="Arial" panose="020B0604020202020204" pitchFamily="34" charset="0"/>
+              </a:endParaRPr>
+            </a:p>
+          </p:txBody>
+        </p:sp>
+        <p:sp>
+          <p:nvSpPr>
+            <p:cNvPr id="35" name="椭圆 34">
+              <a:extLst>
+                <a:ext uri="{FF2B5EF4-FFF2-40B4-BE49-F238E27FC236}">
+                  <a16:creationId xmlns:a16="http://schemas.microsoft.com/office/drawing/2014/main" id="{BA2F1361-B943-1339-8125-AEB80E49342C}"/>
+                </a:ext>
+              </a:extLst>
+            </p:cNvPr>
+            <p:cNvSpPr/>
+            <p:nvPr/>
+          </p:nvSpPr>
+          <p:spPr>
+            <a:xfrm>
+              <a:off x="6287181" y="5838598"/>
+              <a:ext cx="133029" cy="133029"/>
+            </a:xfrm>
+            <a:prstGeom prst="ellipse">
+              <a:avLst/>
+            </a:prstGeom>
+            <a:solidFill>
+              <a:srgbClr val="61C0BF"/>
+            </a:solidFill>
+            <a:ln>
+              <a:noFill/>
+            </a:ln>
+          </p:spPr>
+          <p:style>
+            <a:lnRef idx="2">
+              <a:schemeClr val="accent1">
+                <a:shade val="50000"/>
+              </a:schemeClr>
+            </a:lnRef>
+            <a:fillRef idx="1">
+              <a:schemeClr val="accent1"/>
+            </a:fillRef>
+            <a:effectRef idx="0">
+              <a:schemeClr val="accent1"/>
+            </a:effectRef>
+            <a:fontRef idx="minor">
+              <a:schemeClr val="lt1"/>
+            </a:fontRef>
+          </p:style>
+          <p:txBody>
+            <a:bodyPr rtlCol="0" anchor="ctr"/>
+            <a:lstStyle/>
+            <a:p>
+              <a:pPr algn="ctr"/>
+              <a:endParaRPr lang="zh-CN" altLang="en-US" dirty="0">
+                <a:latin typeface="Avenir Book" panose="02000503020000020003" pitchFamily="2" charset="0"/>
+              </a:endParaRPr>
+            </a:p>
+          </p:txBody>
+        </p:sp>
+        <p:sp>
+          <p:nvSpPr>
+            <p:cNvPr id="37" name="椭圆 36">
+              <a:extLst>
+                <a:ext uri="{FF2B5EF4-FFF2-40B4-BE49-F238E27FC236}">
+                  <a16:creationId xmlns:a16="http://schemas.microsoft.com/office/drawing/2014/main" id="{58CADD14-142D-21C4-1170-448B0F2B5EDD}"/>
+                </a:ext>
+              </a:extLst>
+            </p:cNvPr>
+            <p:cNvSpPr/>
+            <p:nvPr/>
+          </p:nvSpPr>
+          <p:spPr>
+            <a:xfrm>
+              <a:off x="5219057" y="5533794"/>
+              <a:ext cx="133029" cy="133029"/>
+            </a:xfrm>
+            <a:prstGeom prst="ellipse">
+              <a:avLst/>
+            </a:prstGeom>
+            <a:solidFill>
+              <a:srgbClr val="61C0BF"/>
+            </a:solidFill>
+            <a:ln>
+              <a:noFill/>
+            </a:ln>
+          </p:spPr>
+          <p:style>
+            <a:lnRef idx="2">
+              <a:schemeClr val="accent1">
+                <a:shade val="50000"/>
+              </a:schemeClr>
+            </a:lnRef>
+            <a:fillRef idx="1">
+              <a:schemeClr val="accent1"/>
+            </a:fillRef>
+            <a:effectRef idx="0">
+              <a:schemeClr val="accent1"/>
+            </a:effectRef>
+            <a:fontRef idx="minor">
+              <a:schemeClr val="lt1"/>
+            </a:fontRef>
+          </p:style>
+          <p:txBody>
+            <a:bodyPr rtlCol="0" anchor="ctr"/>
+            <a:lstStyle/>
+            <a:p>
+              <a:pPr algn="ctr"/>
+              <a:endParaRPr lang="zh-CN" altLang="en-US" dirty="0">
+                <a:latin typeface="Avenir Book" panose="02000503020000020003" pitchFamily="2" charset="0"/>
+              </a:endParaRPr>
+            </a:p>
+          </p:txBody>
+        </p:sp>
+        <p:sp>
+          <p:nvSpPr>
+            <p:cNvPr id="17" name="椭圆 16">
+              <a:extLst>
+                <a:ext uri="{FF2B5EF4-FFF2-40B4-BE49-F238E27FC236}">
+                  <a16:creationId xmlns:a16="http://schemas.microsoft.com/office/drawing/2014/main" id="{5290FA37-29C9-D105-F31D-E8D146FA32A4}"/>
+                </a:ext>
+              </a:extLst>
+            </p:cNvPr>
+            <p:cNvSpPr/>
+            <p:nvPr/>
+          </p:nvSpPr>
+          <p:spPr>
+            <a:xfrm>
+              <a:off x="6287392" y="5227753"/>
+              <a:ext cx="133029" cy="133029"/>
+            </a:xfrm>
+            <a:prstGeom prst="ellipse">
+              <a:avLst/>
+            </a:prstGeom>
+            <a:solidFill>
+              <a:srgbClr val="61C0BF"/>
+            </a:solidFill>
+            <a:ln>
+              <a:noFill/>
+            </a:ln>
+          </p:spPr>
+          <p:style>
+            <a:lnRef idx="2">
+              <a:schemeClr val="accent1">
+                <a:shade val="50000"/>
+              </a:schemeClr>
+            </a:lnRef>
+            <a:fillRef idx="1">
+              <a:schemeClr val="accent1"/>
+            </a:fillRef>
+            <a:effectRef idx="0">
+              <a:schemeClr val="accent1"/>
+            </a:effectRef>
+            <a:fontRef idx="minor">
+              <a:schemeClr val="lt1"/>
+            </a:fontRef>
+          </p:style>
+          <p:txBody>
+            <a:bodyPr rtlCol="0" anchor="ctr"/>
+            <a:lstStyle/>
+            <a:p>
+              <a:pPr algn="ctr"/>
+              <a:endParaRPr lang="zh-CN" altLang="en-US">
+                <a:latin typeface="Avenir Book" panose="02000503020000020003" pitchFamily="2" charset="0"/>
+              </a:endParaRPr>
+            </a:p>
+          </p:txBody>
+        </p:sp>
+        <p:cxnSp>
+          <p:nvCxnSpPr>
+            <p:cNvPr id="40" name="肘形连接符 39">
+              <a:extLst>
+                <a:ext uri="{FF2B5EF4-FFF2-40B4-BE49-F238E27FC236}">
+                  <a16:creationId xmlns:a16="http://schemas.microsoft.com/office/drawing/2014/main" id="{239DBD51-6A14-FB63-9A3A-B5A65BF5AC97}"/>
+                </a:ext>
+              </a:extLst>
+            </p:cNvPr>
+            <p:cNvCxnSpPr>
+              <a:cxnSpLocks/>
+              <a:stCxn id="37" idx="4"/>
+            </p:cNvCxnSpPr>
+            <p:nvPr/>
+          </p:nvCxnSpPr>
+          <p:spPr>
+            <a:xfrm rot="16200000" flipH="1">
+              <a:off x="5681192" y="5271202"/>
+              <a:ext cx="239490" cy="1030731"/>
+            </a:xfrm>
+            <a:prstGeom prst="bentConnector2">
+              <a:avLst/>
+            </a:prstGeom>
+            <a:ln w="38100">
+              <a:solidFill>
+                <a:srgbClr val="61C0BF"/>
+              </a:solidFill>
+            </a:ln>
+          </p:spPr>
+          <p:style>
+            <a:lnRef idx="1">
+              <a:schemeClr val="accent1"/>
+            </a:lnRef>
+            <a:fillRef idx="0">
+              <a:schemeClr val="accent1"/>
+            </a:fillRef>
+            <a:effectRef idx="0">
+              <a:schemeClr val="accent1"/>
+            </a:effectRef>
+            <a:fontRef idx="minor">
+              <a:schemeClr val="tx1"/>
+            </a:fontRef>
+          </p:style>
+        </p:cxnSp>
+        <p:cxnSp>
+          <p:nvCxnSpPr>
+            <p:cNvPr id="54" name="肘形连接符 53">
+              <a:extLst>
+                <a:ext uri="{FF2B5EF4-FFF2-40B4-BE49-F238E27FC236}">
+                  <a16:creationId xmlns:a16="http://schemas.microsoft.com/office/drawing/2014/main" id="{BB834F79-1BD6-918A-4C58-F51B06464949}"/>
+                </a:ext>
+              </a:extLst>
+            </p:cNvPr>
+            <p:cNvCxnSpPr>
+              <a:stCxn id="37" idx="0"/>
+              <a:endCxn id="17" idx="2"/>
+            </p:cNvCxnSpPr>
+            <p:nvPr/>
+          </p:nvCxnSpPr>
+          <p:spPr>
+            <a:xfrm rot="5400000" flipH="1" flipV="1">
+              <a:off x="5666719" y="4913121"/>
+              <a:ext cx="239526" cy="1001820"/>
+            </a:xfrm>
+            <a:prstGeom prst="bentConnector2">
+              <a:avLst/>
+            </a:prstGeom>
+            <a:ln w="38100">
+              <a:solidFill>
+                <a:srgbClr val="61C0BF"/>
+              </a:solidFill>
+            </a:ln>
+          </p:spPr>
+          <p:style>
+            <a:lnRef idx="1">
+              <a:schemeClr val="accent1"/>
+            </a:lnRef>
+            <a:fillRef idx="0">
+              <a:schemeClr val="accent1"/>
+            </a:fillRef>
+            <a:effectRef idx="0">
+              <a:schemeClr val="accent1"/>
+            </a:effectRef>
+            <a:fontRef idx="minor">
+              <a:schemeClr val="tx1"/>
+            </a:fontRef>
+          </p:style>
+        </p:cxnSp>
+        <p:sp>
+          <p:nvSpPr>
+            <p:cNvPr id="56" name="文本框 55">
+              <a:extLst>
+                <a:ext uri="{FF2B5EF4-FFF2-40B4-BE49-F238E27FC236}">
+                  <a16:creationId xmlns:a16="http://schemas.microsoft.com/office/drawing/2014/main" id="{F66F0C29-9582-9F9F-124F-FFC102EDE3C6}"/>
+                </a:ext>
+              </a:extLst>
+            </p:cNvPr>
+            <p:cNvSpPr txBox="1"/>
+            <p:nvPr/>
+          </p:nvSpPr>
+          <p:spPr>
+            <a:xfrm>
+              <a:off x="6394867" y="5102907"/>
+              <a:ext cx="5927172" cy="430887"/>
+            </a:xfrm>
+            <a:prstGeom prst="rect">
+              <a:avLst/>
+            </a:prstGeom>
+            <a:noFill/>
+          </p:spPr>
+          <p:txBody>
+            <a:bodyPr wrap="square" rtlCol="0">
+              <a:spAutoFit/>
+            </a:bodyPr>
+            <a:lstStyle/>
+            <a:p>
+              <a:r>
+                <a:rPr lang="en-US" altLang="zh-CN" sz="2200" dirty="0">
+                  <a:latin typeface="Avenir Book" panose="02000503020000020003" pitchFamily="2" charset="0"/>
+                  <a:cs typeface="Arial" panose="020B0604020202020204" pitchFamily="34" charset="0"/>
+                </a:rPr>
+                <a:t>Detect the overall patterns of predictions.</a:t>
+              </a:r>
+              <a:endParaRPr lang="zh-CN" altLang="en-US" sz="2200" dirty="0">
+                <a:latin typeface="Avenir Book" panose="02000503020000020003" pitchFamily="2" charset="0"/>
+                <a:cs typeface="Arial" panose="020B0604020202020204" pitchFamily="34" charset="0"/>
+              </a:endParaRPr>
+            </a:p>
+          </p:txBody>
+        </p:sp>
+      </p:grpSp>
     </p:spTree>
     <p:extLst>
       <p:ext uri="{BB962C8B-B14F-4D97-AF65-F5344CB8AC3E}">
@@ -6684,112 +7828,6 @@
                       </p:childTnLst>
                     </p:cTn>
                   </p:par>
-                  <p:par>
-                    <p:cTn id="8" fill="hold">
-                      <p:stCondLst>
-                        <p:cond delay="indefinite"/>
-                      </p:stCondLst>
-                      <p:childTnLst>
-                        <p:par>
-                          <p:cTn id="9" fill="hold">
-                            <p:stCondLst>
-                              <p:cond delay="0"/>
-                            </p:stCondLst>
-                            <p:childTnLst>
-                              <p:par>
-                                <p:cTn id="10" presetID="10" presetClass="entr" presetSubtype="0" fill="hold" nodeType="clickEffect">
-                                  <p:stCondLst>
-                                    <p:cond delay="0"/>
-                                  </p:stCondLst>
-                                  <p:childTnLst>
-                                    <p:set>
-                                      <p:cBhvr>
-                                        <p:cTn id="11" dur="1" fill="hold">
-                                          <p:stCondLst>
-                                            <p:cond delay="0"/>
-                                          </p:stCondLst>
-                                        </p:cTn>
-                                        <p:tgtEl>
-                                          <p:spTgt spid="11"/>
-                                        </p:tgtEl>
-                                        <p:attrNameLst>
-                                          <p:attrName>style.visibility</p:attrName>
-                                        </p:attrNameLst>
-                                      </p:cBhvr>
-                                      <p:to>
-                                        <p:strVal val="visible"/>
-                                      </p:to>
-                                    </p:set>
-                                    <p:animEffect transition="in" filter="fade">
-                                      <p:cBhvr>
-                                        <p:cTn id="12" dur="500"/>
-                                        <p:tgtEl>
-                                          <p:spTgt spid="11"/>
-                                        </p:tgtEl>
-                                      </p:cBhvr>
-                                    </p:animEffect>
-                                  </p:childTnLst>
-                                </p:cTn>
-                              </p:par>
-                            </p:childTnLst>
-                          </p:cTn>
-                        </p:par>
-                      </p:childTnLst>
-                    </p:cTn>
-                  </p:par>
-                  <p:par>
-                    <p:cTn id="13" fill="hold">
-                      <p:stCondLst>
-                        <p:cond delay="indefinite"/>
-                      </p:stCondLst>
-                      <p:childTnLst>
-                        <p:par>
-                          <p:cTn id="14" fill="hold">
-                            <p:stCondLst>
-                              <p:cond delay="0"/>
-                            </p:stCondLst>
-                            <p:childTnLst>
-                              <p:par>
-                                <p:cTn id="15" presetID="10" presetClass="entr" presetSubtype="0" fill="hold" nodeType="clickEffect">
-                                  <p:stCondLst>
-                                    <p:cond delay="0"/>
-                                  </p:stCondLst>
-                                  <p:childTnLst>
-                                    <p:set>
-                                      <p:cBhvr>
-                                        <p:cTn id="16" dur="1" fill="hold">
-                                          <p:stCondLst>
-                                            <p:cond delay="0"/>
-                                          </p:stCondLst>
-                                        </p:cTn>
-                                        <p:tgtEl>
-                                          <p:spTgt spid="12"/>
-                                        </p:tgtEl>
-                                        <p:attrNameLst>
-                                          <p:attrName>style.visibility</p:attrName>
-                                        </p:attrNameLst>
-                                      </p:cBhvr>
-                                      <p:to>
-                                        <p:strVal val="visible"/>
-                                      </p:to>
-                                    </p:set>
-                                    <p:animEffect transition="in" filter="fade">
-                                      <p:cBhvr>
-                                        <p:cTn id="17" dur="500"/>
-                                        <p:tgtEl>
-                                          <p:spTgt spid="12"/>
-                                        </p:tgtEl>
-                                      </p:cBhvr>
-                                    </p:animEffect>
-                                  </p:childTnLst>
-                                </p:cTn>
-                              </p:par>
-                            </p:childTnLst>
-                          </p:cTn>
-                        </p:par>
-                      </p:childTnLst>
-                    </p:cTn>
-                  </p:par>
                 </p:childTnLst>
               </p:cTn>
               <p:prevCondLst>
@@ -6815,7 +7853,7 @@
 </p:sld>
 </file>
 
-<file path=ppt/slides/slide5.xml><?xml version="1.0" encoding="utf-8"?>
+<file path=ppt/slides/slide7.xml><?xml version="1.0" encoding="utf-8"?>
 <p:sld xmlns:a="http://schemas.openxmlformats.org/drawingml/2006/main" xmlns:r="http://schemas.openxmlformats.org/officeDocument/2006/relationships" xmlns:p="http://schemas.openxmlformats.org/presentationml/2006/main">
   <p:cSld>
     <p:spTree>
@@ -7790,7 +8828,7 @@
 </p:sld>
 </file>
 
-<file path=ppt/slides/slide6.xml><?xml version="1.0" encoding="utf-8"?>
+<file path=ppt/slides/slide8.xml><?xml version="1.0" encoding="utf-8"?>
 <p:sld xmlns:a="http://schemas.openxmlformats.org/drawingml/2006/main" xmlns:r="http://schemas.openxmlformats.org/officeDocument/2006/relationships" xmlns:p="http://schemas.openxmlformats.org/presentationml/2006/main">
   <p:cSld>
     <p:spTree>
@@ -7956,7 +8994,7 @@
 </p:sld>
 </file>
 
-<file path=ppt/slides/slide7.xml><?xml version="1.0" encoding="utf-8"?>
+<file path=ppt/slides/slide9.xml><?xml version="1.0" encoding="utf-8"?>
 <p:sld xmlns:a="http://schemas.openxmlformats.org/drawingml/2006/main" xmlns:r="http://schemas.openxmlformats.org/officeDocument/2006/relationships" xmlns:p="http://schemas.openxmlformats.org/presentationml/2006/main">
   <p:cSld>
     <p:spTree>
@@ -8113,82 +9151,6 @@
     <p:extLst>
       <p:ext uri="{BB962C8B-B14F-4D97-AF65-F5344CB8AC3E}">
         <p14:creationId xmlns:p14="http://schemas.microsoft.com/office/powerpoint/2010/main" val="4093534363"/>
-      </p:ext>
-    </p:extLst>
-  </p:cSld>
-  <p:clrMapOvr>
-    <a:masterClrMapping/>
-  </p:clrMapOvr>
-</p:sld>
-</file>
-
-<file path=ppt/slides/slide8.xml><?xml version="1.0" encoding="utf-8"?>
-<p:sld xmlns:a="http://schemas.openxmlformats.org/drawingml/2006/main" xmlns:r="http://schemas.openxmlformats.org/officeDocument/2006/relationships" xmlns:p="http://schemas.openxmlformats.org/presentationml/2006/main">
-  <p:cSld>
-    <p:spTree>
-      <p:nvGrpSpPr>
-        <p:cNvPr id="1" name=""/>
-        <p:cNvGrpSpPr/>
-        <p:nvPr/>
-      </p:nvGrpSpPr>
-      <p:grpSpPr>
-        <a:xfrm>
-          <a:off x="0" y="0"/>
-          <a:ext cx="0" cy="0"/>
-          <a:chOff x="0" y="0"/>
-          <a:chExt cx="0" cy="0"/>
-        </a:xfrm>
-      </p:grpSpPr>
-      <p:sp>
-        <p:nvSpPr>
-          <p:cNvPr id="2" name="标题 1">
-            <a:extLst>
-              <a:ext uri="{FF2B5EF4-FFF2-40B4-BE49-F238E27FC236}">
-                <a16:creationId xmlns:a16="http://schemas.microsoft.com/office/drawing/2014/main" id="{F275D3FE-612F-3E2E-250C-6ACACBF8621D}"/>
-              </a:ext>
-            </a:extLst>
-          </p:cNvPr>
-          <p:cNvSpPr>
-            <a:spLocks noGrp="1"/>
-          </p:cNvSpPr>
-          <p:nvPr>
-            <p:ph type="title"/>
-          </p:nvPr>
-        </p:nvSpPr>
-        <p:spPr>
-          <a:xfrm>
-            <a:off x="99695" y="2333624"/>
-            <a:ext cx="11992610" cy="1325563"/>
-          </a:xfrm>
-        </p:spPr>
-        <p:txBody>
-          <a:bodyPr>
-            <a:noAutofit/>
-          </a:bodyPr>
-          <a:lstStyle/>
-          <a:p>
-            <a:pPr algn="ctr">
-              <a:lnSpc>
-                <a:spcPct val="150000"/>
-              </a:lnSpc>
-            </a:pPr>
-            <a:r>
-              <a:rPr lang="en-US" altLang="zh-CN" sz="3600" b="0" i="0" dirty="0">
-                <a:effectLst/>
-                <a:latin typeface="Avenir Book" panose="02000503020000020003" pitchFamily="2" charset="0"/>
-              </a:rPr>
-              <a:t>Thank you!</a:t>
-            </a:r>
-            <a:endParaRPr lang="zh-CN" altLang="en-US" sz="3600" dirty="0">
-              <a:latin typeface="Avenir Book" panose="02000503020000020003" pitchFamily="2" charset="0"/>
-            </a:endParaRPr>
-          </a:p>
-        </p:txBody>
-      </p:sp>
-    </p:spTree>
-    <p:extLst>
-      <p:ext uri="{BB962C8B-B14F-4D97-AF65-F5344CB8AC3E}">
-        <p14:creationId xmlns:p14="http://schemas.microsoft.com/office/powerpoint/2010/main" val="4119157676"/>
       </p:ext>
     </p:extLst>
   </p:cSld>

--- a/script(1).pptx
+++ b/script(1).pptx
@@ -5,19 +5,21 @@
     <p:sldMasterId id="2147483648" r:id="rId1"/>
   </p:sldMasterIdLst>
   <p:notesMasterIdLst>
-    <p:notesMasterId r:id="rId12"/>
+    <p:notesMasterId r:id="rId14"/>
   </p:notesMasterIdLst>
   <p:sldIdLst>
     <p:sldId id="260" r:id="rId2"/>
-    <p:sldId id="257" r:id="rId3"/>
-    <p:sldId id="256" r:id="rId4"/>
-    <p:sldId id="266" r:id="rId5"/>
-    <p:sldId id="265" r:id="rId6"/>
-    <p:sldId id="259" r:id="rId7"/>
+    <p:sldId id="265" r:id="rId3"/>
+    <p:sldId id="257" r:id="rId4"/>
+    <p:sldId id="256" r:id="rId5"/>
+    <p:sldId id="259" r:id="rId6"/>
+    <p:sldId id="266" r:id="rId7"/>
     <p:sldId id="258" r:id="rId8"/>
-    <p:sldId id="261" r:id="rId9"/>
-    <p:sldId id="262" r:id="rId10"/>
-    <p:sldId id="264" r:id="rId11"/>
+    <p:sldId id="268" r:id="rId9"/>
+    <p:sldId id="267" r:id="rId10"/>
+    <p:sldId id="261" r:id="rId11"/>
+    <p:sldId id="262" r:id="rId12"/>
+    <p:sldId id="264" r:id="rId13"/>
   </p:sldIdLst>
   <p:sldSz cx="12192000" cy="6858000"/>
   <p:notesSz cx="6858000" cy="9144000"/>
@@ -127,7 +129,7 @@
 <file path=ppt/revisionInfo.xml><?xml version="1.0" encoding="utf-8"?>
 <p1510:revInfo xmlns:a="http://schemas.openxmlformats.org/drawingml/2006/main" xmlns:r="http://schemas.openxmlformats.org/officeDocument/2006/relationships" xmlns:p1510="http://schemas.microsoft.com/office/powerpoint/2015/10/main">
   <p1510:revLst>
-    <p1510:client id="{53A2D03C-0902-3F4F-AA2C-0E89EC5AC7AE}" v="35" dt="2023-06-26T03:05:27.750"/>
+    <p1510:client id="{53A2D03C-0902-3F4F-AA2C-0E89EC5AC7AE}" v="76" dt="2023-06-27T14:43:04.205"/>
   </p1510:revLst>
 </p1510:revInfo>
 </file>
@@ -136,13 +138,13 @@
 <pc:chgInfo xmlns:a="http://schemas.openxmlformats.org/drawingml/2006/main" xmlns:r="http://schemas.openxmlformats.org/officeDocument/2006/relationships" xmlns:ac="http://schemas.microsoft.com/office/drawing/2013/main/command" xmlns:pc="http://schemas.microsoft.com/office/powerpoint/2013/main/command">
   <pc:docChgLst>
     <pc:chgData name="SHI Qing" userId="14958df6-2a70-49ba-a6bb-0d84d535fa57" providerId="ADAL" clId="{53A2D03C-0902-3F4F-AA2C-0E89EC5AC7AE}"/>
-    <pc:docChg chg="undo custSel addSld modSld">
-      <pc:chgData name="SHI Qing" userId="14958df6-2a70-49ba-a6bb-0d84d535fa57" providerId="ADAL" clId="{53A2D03C-0902-3F4F-AA2C-0E89EC5AC7AE}" dt="2023-06-26T03:05:45.800" v="409" actId="478"/>
+    <pc:docChg chg="undo custSel addSld delSld modSld sldOrd">
+      <pc:chgData name="SHI Qing" userId="14958df6-2a70-49ba-a6bb-0d84d535fa57" providerId="ADAL" clId="{53A2D03C-0902-3F4F-AA2C-0E89EC5AC7AE}" dt="2023-06-27T14:43:04.205" v="925" actId="167"/>
       <pc:docMkLst>
         <pc:docMk/>
       </pc:docMkLst>
       <pc:sldChg chg="addSp delSp modSp mod delAnim modAnim">
-        <pc:chgData name="SHI Qing" userId="14958df6-2a70-49ba-a6bb-0d84d535fa57" providerId="ADAL" clId="{53A2D03C-0902-3F4F-AA2C-0E89EC5AC7AE}" dt="2023-06-26T02:50:45.208" v="393" actId="478"/>
+        <pc:chgData name="SHI Qing" userId="14958df6-2a70-49ba-a6bb-0d84d535fa57" providerId="ADAL" clId="{53A2D03C-0902-3F4F-AA2C-0E89EC5AC7AE}" dt="2023-06-26T08:40:21.128" v="743" actId="14100"/>
         <pc:sldMkLst>
           <pc:docMk/>
           <pc:sldMk cId="3263066336" sldId="256"/>
@@ -163,6 +165,22 @@
             <ac:spMk id="8" creationId="{526C8D4F-B26B-0888-8B95-D046943853E2}"/>
           </ac:spMkLst>
         </pc:spChg>
+        <pc:spChg chg="add mod">
+          <ac:chgData name="SHI Qing" userId="14958df6-2a70-49ba-a6bb-0d84d535fa57" providerId="ADAL" clId="{53A2D03C-0902-3F4F-AA2C-0E89EC5AC7AE}" dt="2023-06-26T06:52:37.935" v="710"/>
+          <ac:spMkLst>
+            <pc:docMk/>
+            <pc:sldMk cId="3263066336" sldId="256"/>
+            <ac:spMk id="9" creationId="{41030246-9FB9-EADE-169D-CCBB0DFC54EE}"/>
+          </ac:spMkLst>
+        </pc:spChg>
+        <pc:spChg chg="add mod">
+          <ac:chgData name="SHI Qing" userId="14958df6-2a70-49ba-a6bb-0d84d535fa57" providerId="ADAL" clId="{53A2D03C-0902-3F4F-AA2C-0E89EC5AC7AE}" dt="2023-06-26T08:40:21.128" v="743" actId="14100"/>
+          <ac:spMkLst>
+            <pc:docMk/>
+            <pc:sldMk cId="3263066336" sldId="256"/>
+            <ac:spMk id="10" creationId="{D92855FC-1B31-63C7-7B2C-C8AE685C8519}"/>
+          </ac:spMkLst>
+        </pc:spChg>
         <pc:picChg chg="del mod">
           <ac:chgData name="SHI Qing" userId="14958df6-2a70-49ba-a6bb-0d84d535fa57" providerId="ADAL" clId="{53A2D03C-0902-3F4F-AA2C-0E89EC5AC7AE}" dt="2023-06-26T02:01:35.329" v="67" actId="478"/>
           <ac:picMkLst>
@@ -171,8 +189,8 @@
             <ac:picMk id="3" creationId="{E98A13D0-4931-A7E9-EA9A-D89254B9F183}"/>
           </ac:picMkLst>
         </pc:picChg>
-        <pc:picChg chg="add mod">
-          <ac:chgData name="SHI Qing" userId="14958df6-2a70-49ba-a6bb-0d84d535fa57" providerId="ADAL" clId="{53A2D03C-0902-3F4F-AA2C-0E89EC5AC7AE}" dt="2023-06-26T02:47:00.397" v="347" actId="1035"/>
+        <pc:picChg chg="add del mod">
+          <ac:chgData name="SHI Qing" userId="14958df6-2a70-49ba-a6bb-0d84d535fa57" providerId="ADAL" clId="{53A2D03C-0902-3F4F-AA2C-0E89EC5AC7AE}" dt="2023-06-26T08:25:16.527" v="724" actId="478"/>
           <ac:picMkLst>
             <pc:docMk/>
             <pc:sldMk cId="3263066336" sldId="256"/>
@@ -187,9 +205,176 @@
             <ac:picMk id="7" creationId="{7048FD2D-27F0-46FD-0A2A-7188721FE551}"/>
           </ac:picMkLst>
         </pc:picChg>
+        <pc:picChg chg="add mod">
+          <ac:chgData name="SHI Qing" userId="14958df6-2a70-49ba-a6bb-0d84d535fa57" providerId="ADAL" clId="{53A2D03C-0902-3F4F-AA2C-0E89EC5AC7AE}" dt="2023-06-26T08:25:22.851" v="726" actId="167"/>
+          <ac:picMkLst>
+            <pc:docMk/>
+            <pc:sldMk cId="3263066336" sldId="256"/>
+            <ac:picMk id="11" creationId="{FBCE620E-7187-0134-B4A8-5998B2F2E849}"/>
+          </ac:picMkLst>
+        </pc:picChg>
+      </pc:sldChg>
+      <pc:sldChg chg="addSp delSp modSp mod addAnim delAnim modAnim">
+        <pc:chgData name="SHI Qing" userId="14958df6-2a70-49ba-a6bb-0d84d535fa57" providerId="ADAL" clId="{53A2D03C-0902-3F4F-AA2C-0E89EC5AC7AE}" dt="2023-06-27T14:43:04.205" v="925" actId="167"/>
+        <pc:sldMkLst>
+          <pc:docMk/>
+          <pc:sldMk cId="341165154" sldId="258"/>
+        </pc:sldMkLst>
+        <pc:spChg chg="add mod">
+          <ac:chgData name="SHI Qing" userId="14958df6-2a70-49ba-a6bb-0d84d535fa57" providerId="ADAL" clId="{53A2D03C-0902-3F4F-AA2C-0E89EC5AC7AE}" dt="2023-06-26T12:10:05.455" v="857" actId="14100"/>
+          <ac:spMkLst>
+            <pc:docMk/>
+            <pc:sldMk cId="341165154" sldId="258"/>
+            <ac:spMk id="5" creationId="{9354C02C-E238-F63C-05CE-56D2D014A676}"/>
+          </ac:spMkLst>
+        </pc:spChg>
+        <pc:spChg chg="del">
+          <ac:chgData name="SHI Qing" userId="14958df6-2a70-49ba-a6bb-0d84d535fa57" providerId="ADAL" clId="{53A2D03C-0902-3F4F-AA2C-0E89EC5AC7AE}" dt="2023-06-26T11:27:59.196" v="826" actId="478"/>
+          <ac:spMkLst>
+            <pc:docMk/>
+            <pc:sldMk cId="341165154" sldId="258"/>
+            <ac:spMk id="6" creationId="{DA9EC355-474C-CABA-E348-2C654649BBEA}"/>
+          </ac:spMkLst>
+        </pc:spChg>
+        <pc:spChg chg="del">
+          <ac:chgData name="SHI Qing" userId="14958df6-2a70-49ba-a6bb-0d84d535fa57" providerId="ADAL" clId="{53A2D03C-0902-3F4F-AA2C-0E89EC5AC7AE}" dt="2023-06-26T11:27:59.196" v="826" actId="478"/>
+          <ac:spMkLst>
+            <pc:docMk/>
+            <pc:sldMk cId="341165154" sldId="258"/>
+            <ac:spMk id="7" creationId="{3CA61309-DD56-EF18-D1F8-6FA053685593}"/>
+          </ac:spMkLst>
+        </pc:spChg>
+        <pc:spChg chg="del">
+          <ac:chgData name="SHI Qing" userId="14958df6-2a70-49ba-a6bb-0d84d535fa57" providerId="ADAL" clId="{53A2D03C-0902-3F4F-AA2C-0E89EC5AC7AE}" dt="2023-06-26T11:27:59.196" v="826" actId="478"/>
+          <ac:spMkLst>
+            <pc:docMk/>
+            <pc:sldMk cId="341165154" sldId="258"/>
+            <ac:spMk id="8" creationId="{6AB938AC-0832-E2A2-2C66-789507E56511}"/>
+          </ac:spMkLst>
+        </pc:spChg>
+        <pc:spChg chg="del">
+          <ac:chgData name="SHI Qing" userId="14958df6-2a70-49ba-a6bb-0d84d535fa57" providerId="ADAL" clId="{53A2D03C-0902-3F4F-AA2C-0E89EC5AC7AE}" dt="2023-06-26T11:27:59.196" v="826" actId="478"/>
+          <ac:spMkLst>
+            <pc:docMk/>
+            <pc:sldMk cId="341165154" sldId="258"/>
+            <ac:spMk id="9" creationId="{E1AD1DAF-DACF-2112-1F8C-B1721D3560D0}"/>
+          </ac:spMkLst>
+        </pc:spChg>
+        <pc:spChg chg="del">
+          <ac:chgData name="SHI Qing" userId="14958df6-2a70-49ba-a6bb-0d84d535fa57" providerId="ADAL" clId="{53A2D03C-0902-3F4F-AA2C-0E89EC5AC7AE}" dt="2023-06-26T11:27:59.196" v="826" actId="478"/>
+          <ac:spMkLst>
+            <pc:docMk/>
+            <pc:sldMk cId="341165154" sldId="258"/>
+            <ac:spMk id="10" creationId="{39442096-F6CA-053B-E65E-9B2495E4994D}"/>
+          </ac:spMkLst>
+        </pc:spChg>
+        <pc:spChg chg="mod">
+          <ac:chgData name="SHI Qing" userId="14958df6-2a70-49ba-a6bb-0d84d535fa57" providerId="ADAL" clId="{53A2D03C-0902-3F4F-AA2C-0E89EC5AC7AE}" dt="2023-06-27T14:43:04.205" v="925" actId="167"/>
+          <ac:spMkLst>
+            <pc:docMk/>
+            <pc:sldMk cId="341165154" sldId="258"/>
+            <ac:spMk id="11" creationId="{25E2FF0D-D684-BFA1-A642-9DEE8E8D9951}"/>
+          </ac:spMkLst>
+        </pc:spChg>
+        <pc:spChg chg="mod">
+          <ac:chgData name="SHI Qing" userId="14958df6-2a70-49ba-a6bb-0d84d535fa57" providerId="ADAL" clId="{53A2D03C-0902-3F4F-AA2C-0E89EC5AC7AE}" dt="2023-06-27T14:43:04.205" v="925" actId="167"/>
+          <ac:spMkLst>
+            <pc:docMk/>
+            <pc:sldMk cId="341165154" sldId="258"/>
+            <ac:spMk id="12" creationId="{28BA4596-B1D6-BD01-5611-80DDE244491A}"/>
+          </ac:spMkLst>
+        </pc:spChg>
+        <pc:spChg chg="add mod">
+          <ac:chgData name="SHI Qing" userId="14958df6-2a70-49ba-a6bb-0d84d535fa57" providerId="ADAL" clId="{53A2D03C-0902-3F4F-AA2C-0E89EC5AC7AE}" dt="2023-06-26T12:10:23.636" v="860" actId="14100"/>
+          <ac:spMkLst>
+            <pc:docMk/>
+            <pc:sldMk cId="341165154" sldId="258"/>
+            <ac:spMk id="13" creationId="{D0E41267-E02D-985F-1668-318F88DF8076}"/>
+          </ac:spMkLst>
+        </pc:spChg>
+        <pc:spChg chg="add mod">
+          <ac:chgData name="SHI Qing" userId="14958df6-2a70-49ba-a6bb-0d84d535fa57" providerId="ADAL" clId="{53A2D03C-0902-3F4F-AA2C-0E89EC5AC7AE}" dt="2023-06-26T12:11:01.978" v="865" actId="14100"/>
+          <ac:spMkLst>
+            <pc:docMk/>
+            <pc:sldMk cId="341165154" sldId="258"/>
+            <ac:spMk id="14" creationId="{D66B0C5C-CB4B-F7AE-0AB2-528533573116}"/>
+          </ac:spMkLst>
+        </pc:spChg>
+        <pc:spChg chg="add mod">
+          <ac:chgData name="SHI Qing" userId="14958df6-2a70-49ba-a6bb-0d84d535fa57" providerId="ADAL" clId="{53A2D03C-0902-3F4F-AA2C-0E89EC5AC7AE}" dt="2023-06-26T12:11:52.078" v="869" actId="14100"/>
+          <ac:spMkLst>
+            <pc:docMk/>
+            <pc:sldMk cId="341165154" sldId="258"/>
+            <ac:spMk id="15" creationId="{5A4383C1-4960-361C-D309-5966BF9E6DA5}"/>
+          </ac:spMkLst>
+        </pc:spChg>
+        <pc:spChg chg="add mod">
+          <ac:chgData name="SHI Qing" userId="14958df6-2a70-49ba-a6bb-0d84d535fa57" providerId="ADAL" clId="{53A2D03C-0902-3F4F-AA2C-0E89EC5AC7AE}" dt="2023-06-26T12:12:36.974" v="882" actId="14100"/>
+          <ac:spMkLst>
+            <pc:docMk/>
+            <pc:sldMk cId="341165154" sldId="258"/>
+            <ac:spMk id="17" creationId="{D68B68C5-D0AA-9154-F220-332316E03973}"/>
+          </ac:spMkLst>
+        </pc:spChg>
+        <pc:picChg chg="add del mod">
+          <ac:chgData name="SHI Qing" userId="14958df6-2a70-49ba-a6bb-0d84d535fa57" providerId="ADAL" clId="{53A2D03C-0902-3F4F-AA2C-0E89EC5AC7AE}" dt="2023-06-27T14:40:13.938" v="914" actId="478"/>
+          <ac:picMkLst>
+            <pc:docMk/>
+            <pc:sldMk cId="341165154" sldId="258"/>
+            <ac:picMk id="2" creationId="{B41C4483-1076-7B47-B182-C5BEFF84D919}"/>
+          </ac:picMkLst>
+        </pc:picChg>
+        <pc:picChg chg="add mod">
+          <ac:chgData name="SHI Qing" userId="14958df6-2a70-49ba-a6bb-0d84d535fa57" providerId="ADAL" clId="{53A2D03C-0902-3F4F-AA2C-0E89EC5AC7AE}" dt="2023-06-27T14:42:44.067" v="924" actId="167"/>
+          <ac:picMkLst>
+            <pc:docMk/>
+            <pc:sldMk cId="341165154" sldId="258"/>
+            <ac:picMk id="3" creationId="{1A79DABA-5302-597F-BED6-189A2FCD8DEC}"/>
+          </ac:picMkLst>
+        </pc:picChg>
+        <pc:picChg chg="add del mod">
+          <ac:chgData name="SHI Qing" userId="14958df6-2a70-49ba-a6bb-0d84d535fa57" providerId="ADAL" clId="{53A2D03C-0902-3F4F-AA2C-0E89EC5AC7AE}" dt="2023-06-26T11:27:59.196" v="826" actId="478"/>
+          <ac:picMkLst>
+            <pc:docMk/>
+            <pc:sldMk cId="341165154" sldId="258"/>
+            <ac:picMk id="3" creationId="{6551291F-E900-84E0-C01C-CCC1A1FD9683}"/>
+          </ac:picMkLst>
+        </pc:picChg>
+        <pc:picChg chg="add del mod">
+          <ac:chgData name="SHI Qing" userId="14958df6-2a70-49ba-a6bb-0d84d535fa57" providerId="ADAL" clId="{53A2D03C-0902-3F4F-AA2C-0E89EC5AC7AE}" dt="2023-06-26T12:23:24.770" v="885" actId="478"/>
+          <ac:picMkLst>
+            <pc:docMk/>
+            <pc:sldMk cId="341165154" sldId="258"/>
+            <ac:picMk id="4" creationId="{B769F269-3D8C-35B8-CC6E-F17966676F97}"/>
+          </ac:picMkLst>
+        </pc:picChg>
+        <pc:picChg chg="add del mod">
+          <ac:chgData name="SHI Qing" userId="14958df6-2a70-49ba-a6bb-0d84d535fa57" providerId="ADAL" clId="{53A2D03C-0902-3F4F-AA2C-0E89EC5AC7AE}" dt="2023-06-26T12:12:07.567" v="871"/>
+          <ac:picMkLst>
+            <pc:docMk/>
+            <pc:sldMk cId="341165154" sldId="258"/>
+            <ac:picMk id="16" creationId="{AAD99D25-D189-942D-A0D0-1ED44D0E873A}"/>
+          </ac:picMkLst>
+        </pc:picChg>
+        <pc:picChg chg="add del mod">
+          <ac:chgData name="SHI Qing" userId="14958df6-2a70-49ba-a6bb-0d84d535fa57" providerId="ADAL" clId="{53A2D03C-0902-3F4F-AA2C-0E89EC5AC7AE}" dt="2023-06-27T05:52:51.948" v="894" actId="478"/>
+          <ac:picMkLst>
+            <pc:docMk/>
+            <pc:sldMk cId="341165154" sldId="258"/>
+            <ac:picMk id="19" creationId="{D0002FF1-DDDD-A245-538C-73E73189A026}"/>
+          </ac:picMkLst>
+        </pc:picChg>
+        <pc:picChg chg="add del mod">
+          <ac:chgData name="SHI Qing" userId="14958df6-2a70-49ba-a6bb-0d84d535fa57" providerId="ADAL" clId="{53A2D03C-0902-3F4F-AA2C-0E89EC5AC7AE}" dt="2023-06-27T14:38:17.034" v="904" actId="478"/>
+          <ac:picMkLst>
+            <pc:docMk/>
+            <pc:sldMk cId="341165154" sldId="258"/>
+            <ac:picMk id="20" creationId="{29CC20E5-EC03-D6C4-5D66-5410E8CF604C}"/>
+          </ac:picMkLst>
+        </pc:picChg>
       </pc:sldChg>
       <pc:sldChg chg="addSp delSp modSp mod modAnim modNotesTx">
-        <pc:chgData name="SHI Qing" userId="14958df6-2a70-49ba-a6bb-0d84d535fa57" providerId="ADAL" clId="{53A2D03C-0902-3F4F-AA2C-0E89EC5AC7AE}" dt="2023-06-26T02:42:16.310" v="309" actId="20577"/>
+        <pc:chgData name="SHI Qing" userId="14958df6-2a70-49ba-a6bb-0d84d535fa57" providerId="ADAL" clId="{53A2D03C-0902-3F4F-AA2C-0E89EC5AC7AE}" dt="2023-06-26T06:51:14.854" v="709"/>
         <pc:sldMkLst>
           <pc:docMk/>
           <pc:sldMk cId="4287660399" sldId="259"/>
@@ -460,13 +645,13 @@
         </pc:cxnChg>
       </pc:sldChg>
       <pc:sldChg chg="addSp delSp modSp mod">
-        <pc:chgData name="SHI Qing" userId="14958df6-2a70-49ba-a6bb-0d84d535fa57" providerId="ADAL" clId="{53A2D03C-0902-3F4F-AA2C-0E89EC5AC7AE}" dt="2023-06-26T03:05:45.800" v="409" actId="478"/>
+        <pc:chgData name="SHI Qing" userId="14958df6-2a70-49ba-a6bb-0d84d535fa57" providerId="ADAL" clId="{53A2D03C-0902-3F4F-AA2C-0E89EC5AC7AE}" dt="2023-06-26T06:16:13.939" v="707" actId="1076"/>
         <pc:sldMkLst>
           <pc:docMk/>
           <pc:sldMk cId="3913440743" sldId="260"/>
         </pc:sldMkLst>
         <pc:spChg chg="mod">
-          <ac:chgData name="SHI Qing" userId="14958df6-2a70-49ba-a6bb-0d84d535fa57" providerId="ADAL" clId="{53A2D03C-0902-3F4F-AA2C-0E89EC5AC7AE}" dt="2023-06-26T01:55:57.286" v="1" actId="1076"/>
+          <ac:chgData name="SHI Qing" userId="14958df6-2a70-49ba-a6bb-0d84d535fa57" providerId="ADAL" clId="{53A2D03C-0902-3F4F-AA2C-0E89EC5AC7AE}" dt="2023-06-26T06:16:07.347" v="706" actId="1076"/>
           <ac:spMkLst>
             <pc:docMk/>
             <pc:sldMk cId="3913440743" sldId="260"/>
@@ -474,7 +659,7 @@
           </ac:spMkLst>
         </pc:spChg>
         <pc:spChg chg="mod">
-          <ac:chgData name="SHI Qing" userId="14958df6-2a70-49ba-a6bb-0d84d535fa57" providerId="ADAL" clId="{53A2D03C-0902-3F4F-AA2C-0E89EC5AC7AE}" dt="2023-06-26T01:57:42.261" v="65" actId="20577"/>
+          <ac:chgData name="SHI Qing" userId="14958df6-2a70-49ba-a6bb-0d84d535fa57" providerId="ADAL" clId="{53A2D03C-0902-3F4F-AA2C-0E89EC5AC7AE}" dt="2023-06-26T06:16:13.939" v="707" actId="1076"/>
           <ac:spMkLst>
             <pc:docMk/>
             <pc:sldMk cId="3913440743" sldId="260"/>
@@ -498,7 +683,7 @@
           </ac:picMkLst>
         </pc:picChg>
         <pc:picChg chg="add mod">
-          <ac:chgData name="SHI Qing" userId="14958df6-2a70-49ba-a6bb-0d84d535fa57" providerId="ADAL" clId="{53A2D03C-0902-3F4F-AA2C-0E89EC5AC7AE}" dt="2023-06-26T03:04:02.287" v="402" actId="1076"/>
+          <ac:chgData name="SHI Qing" userId="14958df6-2a70-49ba-a6bb-0d84d535fa57" providerId="ADAL" clId="{53A2D03C-0902-3F4F-AA2C-0E89EC5AC7AE}" dt="2023-06-26T05:24:42.839" v="565" actId="1076"/>
           <ac:picMkLst>
             <pc:docMk/>
             <pc:sldMk cId="3913440743" sldId="260"/>
@@ -513,9 +698,72 @@
             <ac:picMk id="11" creationId="{89FE3269-07EA-2D21-F004-44498BE28CCE}"/>
           </ac:picMkLst>
         </pc:picChg>
+        <pc:picChg chg="add del mod">
+          <ac:chgData name="SHI Qing" userId="14958df6-2a70-49ba-a6bb-0d84d535fa57" providerId="ADAL" clId="{53A2D03C-0902-3F4F-AA2C-0E89EC5AC7AE}" dt="2023-06-26T06:09:49.544" v="566" actId="478"/>
+          <ac:picMkLst>
+            <pc:docMk/>
+            <pc:sldMk cId="3913440743" sldId="260"/>
+            <ac:picMk id="13" creationId="{A419AA24-4CDF-2EEA-6A60-88D3A2338ED2}"/>
+          </ac:picMkLst>
+        </pc:picChg>
+        <pc:picChg chg="add mod">
+          <ac:chgData name="SHI Qing" userId="14958df6-2a70-49ba-a6bb-0d84d535fa57" providerId="ADAL" clId="{53A2D03C-0902-3F4F-AA2C-0E89EC5AC7AE}" dt="2023-06-26T06:11:22.462" v="705" actId="1038"/>
+          <ac:picMkLst>
+            <pc:docMk/>
+            <pc:sldMk cId="3913440743" sldId="260"/>
+            <ac:picMk id="15" creationId="{BFFE79BD-574C-7AA3-8415-D9896F916994}"/>
+          </ac:picMkLst>
+        </pc:picChg>
       </pc:sldChg>
-      <pc:sldChg chg="delSp add mod">
-        <pc:chgData name="SHI Qing" userId="14958df6-2a70-49ba-a6bb-0d84d535fa57" providerId="ADAL" clId="{53A2D03C-0902-3F4F-AA2C-0E89EC5AC7AE}" dt="2023-06-26T02:50:53.257" v="395" actId="478"/>
+      <pc:sldChg chg="addSp delSp modSp add mod">
+        <pc:chgData name="SHI Qing" userId="14958df6-2a70-49ba-a6bb-0d84d535fa57" providerId="ADAL" clId="{53A2D03C-0902-3F4F-AA2C-0E89EC5AC7AE}" dt="2023-06-26T10:53:38.364" v="776" actId="1076"/>
+        <pc:sldMkLst>
+          <pc:docMk/>
+          <pc:sldMk cId="363390749" sldId="265"/>
+        </pc:sldMkLst>
+        <pc:spChg chg="mod">
+          <ac:chgData name="SHI Qing" userId="14958df6-2a70-49ba-a6bb-0d84d535fa57" providerId="ADAL" clId="{53A2D03C-0902-3F4F-AA2C-0E89EC5AC7AE}" dt="2023-06-26T10:53:38.364" v="776" actId="1076"/>
+          <ac:spMkLst>
+            <pc:docMk/>
+            <pc:sldMk cId="363390749" sldId="265"/>
+            <ac:spMk id="2" creationId="{F275D3FE-612F-3E2E-250C-6ACACBF8621D}"/>
+          </ac:spMkLst>
+        </pc:spChg>
+        <pc:spChg chg="del">
+          <ac:chgData name="SHI Qing" userId="14958df6-2a70-49ba-a6bb-0d84d535fa57" providerId="ADAL" clId="{53A2D03C-0902-3F4F-AA2C-0E89EC5AC7AE}" dt="2023-06-26T10:36:14.479" v="747" actId="478"/>
+          <ac:spMkLst>
+            <pc:docMk/>
+            <pc:sldMk cId="363390749" sldId="265"/>
+            <ac:spMk id="3" creationId="{99655544-FC1B-0E90-B371-C473004C715E}"/>
+          </ac:spMkLst>
+        </pc:spChg>
+        <pc:spChg chg="add del mod">
+          <ac:chgData name="SHI Qing" userId="14958df6-2a70-49ba-a6bb-0d84d535fa57" providerId="ADAL" clId="{53A2D03C-0902-3F4F-AA2C-0E89EC5AC7AE}" dt="2023-06-26T10:36:17.264" v="748" actId="478"/>
+          <ac:spMkLst>
+            <pc:docMk/>
+            <pc:sldMk cId="363390749" sldId="265"/>
+            <ac:spMk id="5" creationId="{65EDF882-BFF2-745B-2F00-7E5EBBE45321}"/>
+          </ac:spMkLst>
+        </pc:spChg>
+        <pc:picChg chg="del">
+          <ac:chgData name="SHI Qing" userId="14958df6-2a70-49ba-a6bb-0d84d535fa57" providerId="ADAL" clId="{53A2D03C-0902-3F4F-AA2C-0E89EC5AC7AE}" dt="2023-06-26T10:36:12.667" v="745" actId="478"/>
+          <ac:picMkLst>
+            <pc:docMk/>
+            <pc:sldMk cId="363390749" sldId="265"/>
+            <ac:picMk id="9" creationId="{6A5470C8-EA97-3286-4B3B-D9B2625A2102}"/>
+          </ac:picMkLst>
+        </pc:picChg>
+        <pc:picChg chg="del">
+          <ac:chgData name="SHI Qing" userId="14958df6-2a70-49ba-a6bb-0d84d535fa57" providerId="ADAL" clId="{53A2D03C-0902-3F4F-AA2C-0E89EC5AC7AE}" dt="2023-06-26T10:36:13.497" v="746" actId="478"/>
+          <ac:picMkLst>
+            <pc:docMk/>
+            <pc:sldMk cId="363390749" sldId="265"/>
+            <ac:picMk id="15" creationId="{BFFE79BD-574C-7AA3-8415-D9896F916994}"/>
+          </ac:picMkLst>
+        </pc:picChg>
+      </pc:sldChg>
+      <pc:sldChg chg="delSp add del mod">
+        <pc:chgData name="SHI Qing" userId="14958df6-2a70-49ba-a6bb-0d84d535fa57" providerId="ADAL" clId="{53A2D03C-0902-3F4F-AA2C-0E89EC5AC7AE}" dt="2023-06-26T07:02:26.623" v="718" actId="2696"/>
         <pc:sldMkLst>
           <pc:docMk/>
           <pc:sldMk cId="3697227020" sldId="265"/>
@@ -529,8 +777,8 @@
           </ac:spMkLst>
         </pc:spChg>
       </pc:sldChg>
-      <pc:sldChg chg="delSp add mod">
-        <pc:chgData name="SHI Qing" userId="14958df6-2a70-49ba-a6bb-0d84d535fa57" providerId="ADAL" clId="{53A2D03C-0902-3F4F-AA2C-0E89EC5AC7AE}" dt="2023-06-26T02:50:49.047" v="394" actId="478"/>
+      <pc:sldChg chg="delSp add del mod">
+        <pc:chgData name="SHI Qing" userId="14958df6-2a70-49ba-a6bb-0d84d535fa57" providerId="ADAL" clId="{53A2D03C-0902-3F4F-AA2C-0E89EC5AC7AE}" dt="2023-06-26T07:02:25.771" v="717" actId="2696"/>
         <pc:sldMkLst>
           <pc:docMk/>
           <pc:sldMk cId="1256346408" sldId="266"/>
@@ -543,6 +791,43 @@
             <ac:spMk id="6" creationId="{26D5CD7B-0E71-DE20-7DC0-89F3C02C6421}"/>
           </ac:spMkLst>
         </pc:spChg>
+      </pc:sldChg>
+      <pc:sldChg chg="modSp add mod">
+        <pc:chgData name="SHI Qing" userId="14958df6-2a70-49ba-a6bb-0d84d535fa57" providerId="ADAL" clId="{53A2D03C-0902-3F4F-AA2C-0E89EC5AC7AE}" dt="2023-06-26T11:02:56.212" v="797" actId="20577"/>
+        <pc:sldMkLst>
+          <pc:docMk/>
+          <pc:sldMk cId="3084076438" sldId="266"/>
+        </pc:sldMkLst>
+        <pc:spChg chg="mod">
+          <ac:chgData name="SHI Qing" userId="14958df6-2a70-49ba-a6bb-0d84d535fa57" providerId="ADAL" clId="{53A2D03C-0902-3F4F-AA2C-0E89EC5AC7AE}" dt="2023-06-26T11:02:56.212" v="797" actId="20577"/>
+          <ac:spMkLst>
+            <pc:docMk/>
+            <pc:sldMk cId="3084076438" sldId="266"/>
+            <ac:spMk id="2" creationId="{F275D3FE-612F-3E2E-250C-6ACACBF8621D}"/>
+          </ac:spMkLst>
+        </pc:spChg>
+      </pc:sldChg>
+      <pc:sldChg chg="modSp add mod ord">
+        <pc:chgData name="SHI Qing" userId="14958df6-2a70-49ba-a6bb-0d84d535fa57" providerId="ADAL" clId="{53A2D03C-0902-3F4F-AA2C-0E89EC5AC7AE}" dt="2023-06-26T11:14:07.145" v="820" actId="20577"/>
+        <pc:sldMkLst>
+          <pc:docMk/>
+          <pc:sldMk cId="2091103319" sldId="267"/>
+        </pc:sldMkLst>
+        <pc:spChg chg="mod">
+          <ac:chgData name="SHI Qing" userId="14958df6-2a70-49ba-a6bb-0d84d535fa57" providerId="ADAL" clId="{53A2D03C-0902-3F4F-AA2C-0E89EC5AC7AE}" dt="2023-06-26T11:14:07.145" v="820" actId="20577"/>
+          <ac:spMkLst>
+            <pc:docMk/>
+            <pc:sldMk cId="2091103319" sldId="267"/>
+            <ac:spMk id="2" creationId="{F275D3FE-612F-3E2E-250C-6ACACBF8621D}"/>
+          </ac:spMkLst>
+        </pc:spChg>
+      </pc:sldChg>
+      <pc:sldChg chg="add">
+        <pc:chgData name="SHI Qing" userId="14958df6-2a70-49ba-a6bb-0d84d535fa57" providerId="ADAL" clId="{53A2D03C-0902-3F4F-AA2C-0E89EC5AC7AE}" dt="2023-06-26T11:27:43.688" v="825"/>
+        <pc:sldMkLst>
+          <pc:docMk/>
+          <pc:sldMk cId="2127638041" sldId="268"/>
+        </pc:sldMkLst>
       </pc:sldChg>
     </pc:docChg>
   </pc:docChgLst>
@@ -631,7 +916,7 @@
           <a:p>
             <a:fld id="{56488C5F-7933-4056-A138-F8E0AAB38235}" type="datetimeFigureOut">
               <a:rPr lang="zh-CN" altLang="en-US" smtClean="0"/>
-              <a:t>2023/6/26</a:t>
+              <a:t>2023/6/27</a:t>
             </a:fld>
             <a:endParaRPr lang="zh-CN" altLang="en-US"/>
           </a:p>
@@ -982,7 +1267,175 @@
 </p:notes>
 </file>
 
+<file path=ppt/notesSlides/notesSlide10.xml><?xml version="1.0" encoding="utf-8"?>
+<p:notes xmlns:a="http://schemas.openxmlformats.org/drawingml/2006/main" xmlns:r="http://schemas.openxmlformats.org/officeDocument/2006/relationships" xmlns:p="http://schemas.openxmlformats.org/presentationml/2006/main">
+  <p:cSld>
+    <p:spTree>
+      <p:nvGrpSpPr>
+        <p:cNvPr id="1" name=""/>
+        <p:cNvGrpSpPr/>
+        <p:nvPr/>
+      </p:nvGrpSpPr>
+      <p:grpSpPr>
+        <a:xfrm>
+          <a:off x="0" y="0"/>
+          <a:ext cx="0" cy="0"/>
+          <a:chOff x="0" y="0"/>
+          <a:chExt cx="0" cy="0"/>
+        </a:xfrm>
+      </p:grpSpPr>
+      <p:sp>
+        <p:nvSpPr>
+          <p:cNvPr id="2" name="幻灯片图像占位符 1"/>
+          <p:cNvSpPr>
+            <a:spLocks noGrp="1" noRot="1" noChangeAspect="1"/>
+          </p:cNvSpPr>
+          <p:nvPr>
+            <p:ph type="sldImg"/>
+          </p:nvPr>
+        </p:nvSpPr>
+        <p:spPr/>
+      </p:sp>
+      <p:sp>
+        <p:nvSpPr>
+          <p:cNvPr id="3" name="备注占位符 2"/>
+          <p:cNvSpPr>
+            <a:spLocks noGrp="1"/>
+          </p:cNvSpPr>
+          <p:nvPr>
+            <p:ph type="body" idx="1"/>
+          </p:nvPr>
+        </p:nvSpPr>
+        <p:spPr/>
+        <p:txBody>
+          <a:bodyPr/>
+          <a:lstStyle/>
+          <a:p>
+            <a:endParaRPr kumimoji="1" lang="zh-CN" altLang="en-US" dirty="0"/>
+          </a:p>
+        </p:txBody>
+      </p:sp>
+      <p:sp>
+        <p:nvSpPr>
+          <p:cNvPr id="4" name="灯片编号占位符 3"/>
+          <p:cNvSpPr>
+            <a:spLocks noGrp="1"/>
+          </p:cNvSpPr>
+          <p:nvPr>
+            <p:ph type="sldNum" sz="quarter" idx="5"/>
+          </p:nvPr>
+        </p:nvSpPr>
+        <p:spPr/>
+        <p:txBody>
+          <a:bodyPr/>
+          <a:lstStyle/>
+          <a:p>
+            <a:fld id="{66441CBA-217E-4A18-9F54-C103FF5D20AC}" type="slidenum">
+              <a:rPr lang="zh-CN" altLang="en-US" smtClean="0"/>
+              <a:t>12</a:t>
+            </a:fld>
+            <a:endParaRPr lang="zh-CN" altLang="en-US"/>
+          </a:p>
+        </p:txBody>
+      </p:sp>
+    </p:spTree>
+    <p:extLst>
+      <p:ext uri="{BB962C8B-B14F-4D97-AF65-F5344CB8AC3E}">
+        <p14:creationId xmlns:p14="http://schemas.microsoft.com/office/powerpoint/2010/main" val="3026365952"/>
+      </p:ext>
+    </p:extLst>
+  </p:cSld>
+  <p:clrMapOvr>
+    <a:masterClrMapping/>
+  </p:clrMapOvr>
+</p:notes>
+</file>
+
 <file path=ppt/notesSlides/notesSlide2.xml><?xml version="1.0" encoding="utf-8"?>
+<p:notes xmlns:a="http://schemas.openxmlformats.org/drawingml/2006/main" xmlns:r="http://schemas.openxmlformats.org/officeDocument/2006/relationships" xmlns:p="http://schemas.openxmlformats.org/presentationml/2006/main">
+  <p:cSld>
+    <p:spTree>
+      <p:nvGrpSpPr>
+        <p:cNvPr id="1" name=""/>
+        <p:cNvGrpSpPr/>
+        <p:nvPr/>
+      </p:nvGrpSpPr>
+      <p:grpSpPr>
+        <a:xfrm>
+          <a:off x="0" y="0"/>
+          <a:ext cx="0" cy="0"/>
+          <a:chOff x="0" y="0"/>
+          <a:chExt cx="0" cy="0"/>
+        </a:xfrm>
+      </p:grpSpPr>
+      <p:sp>
+        <p:nvSpPr>
+          <p:cNvPr id="2" name="幻灯片图像占位符 1"/>
+          <p:cNvSpPr>
+            <a:spLocks noGrp="1" noRot="1" noChangeAspect="1"/>
+          </p:cNvSpPr>
+          <p:nvPr>
+            <p:ph type="sldImg"/>
+          </p:nvPr>
+        </p:nvSpPr>
+        <p:spPr/>
+      </p:sp>
+      <p:sp>
+        <p:nvSpPr>
+          <p:cNvPr id="3" name="备注占位符 2"/>
+          <p:cNvSpPr>
+            <a:spLocks noGrp="1"/>
+          </p:cNvSpPr>
+          <p:nvPr>
+            <p:ph type="body" idx="1"/>
+          </p:nvPr>
+        </p:nvSpPr>
+        <p:spPr/>
+        <p:txBody>
+          <a:bodyPr/>
+          <a:lstStyle/>
+          <a:p>
+            <a:endParaRPr kumimoji="1" lang="zh-CN" altLang="en-US" dirty="0"/>
+          </a:p>
+        </p:txBody>
+      </p:sp>
+      <p:sp>
+        <p:nvSpPr>
+          <p:cNvPr id="4" name="灯片编号占位符 3"/>
+          <p:cNvSpPr>
+            <a:spLocks noGrp="1"/>
+          </p:cNvSpPr>
+          <p:nvPr>
+            <p:ph type="sldNum" sz="quarter" idx="5"/>
+          </p:nvPr>
+        </p:nvSpPr>
+        <p:spPr/>
+        <p:txBody>
+          <a:bodyPr/>
+          <a:lstStyle/>
+          <a:p>
+            <a:fld id="{66441CBA-217E-4A18-9F54-C103FF5D20AC}" type="slidenum">
+              <a:rPr lang="zh-CN" altLang="en-US" smtClean="0"/>
+              <a:t>2</a:t>
+            </a:fld>
+            <a:endParaRPr lang="zh-CN" altLang="en-US"/>
+          </a:p>
+        </p:txBody>
+      </p:sp>
+    </p:spTree>
+    <p:extLst>
+      <p:ext uri="{BB962C8B-B14F-4D97-AF65-F5344CB8AC3E}">
+        <p14:creationId xmlns:p14="http://schemas.microsoft.com/office/powerpoint/2010/main" val="705791758"/>
+      </p:ext>
+    </p:extLst>
+  </p:cSld>
+  <p:clrMapOvr>
+    <a:masterClrMapping/>
+  </p:clrMapOvr>
+</p:notes>
+</file>
+
+<file path=ppt/notesSlides/notesSlide3.xml><?xml version="1.0" encoding="utf-8"?>
 <p:notes xmlns:a="http://schemas.openxmlformats.org/drawingml/2006/main" xmlns:r="http://schemas.openxmlformats.org/officeDocument/2006/relationships" xmlns:p="http://schemas.openxmlformats.org/presentationml/2006/main">
   <p:cSld>
     <p:spTree>
@@ -1106,7 +1559,7 @@
           <a:p>
             <a:fld id="{66441CBA-217E-4A18-9F54-C103FF5D20AC}" type="slidenum">
               <a:rPr lang="zh-CN" altLang="en-US" smtClean="0"/>
-              <a:t>2</a:t>
+              <a:t>3</a:t>
             </a:fld>
             <a:endParaRPr lang="zh-CN" altLang="en-US"/>
           </a:p>
@@ -1125,7 +1578,7 @@
 </p:notes>
 </file>
 
-<file path=ppt/notesSlides/notesSlide3.xml><?xml version="1.0" encoding="utf-8"?>
+<file path=ppt/notesSlides/notesSlide4.xml><?xml version="1.0" encoding="utf-8"?>
 <p:notes xmlns:a="http://schemas.openxmlformats.org/drawingml/2006/main" xmlns:r="http://schemas.openxmlformats.org/officeDocument/2006/relationships" xmlns:p="http://schemas.openxmlformats.org/presentationml/2006/main">
   <p:cSld>
     <p:spTree>
@@ -1219,7 +1672,7 @@
           <a:p>
             <a:fld id="{66441CBA-217E-4A18-9F54-C103FF5D20AC}" type="slidenum">
               <a:rPr lang="zh-CN" altLang="en-US" smtClean="0"/>
-              <a:t>3</a:t>
+              <a:t>4</a:t>
             </a:fld>
             <a:endParaRPr lang="zh-CN" altLang="en-US"/>
           </a:p>
@@ -1229,119 +1682,6 @@
     <p:extLst>
       <p:ext uri="{BB962C8B-B14F-4D97-AF65-F5344CB8AC3E}">
         <p14:creationId xmlns:p14="http://schemas.microsoft.com/office/powerpoint/2010/main" val="288532575"/>
-      </p:ext>
-    </p:extLst>
-  </p:cSld>
-  <p:clrMapOvr>
-    <a:masterClrMapping/>
-  </p:clrMapOvr>
-</p:notes>
-</file>
-
-<file path=ppt/notesSlides/notesSlide4.xml><?xml version="1.0" encoding="utf-8"?>
-<p:notes xmlns:a="http://schemas.openxmlformats.org/drawingml/2006/main" xmlns:r="http://schemas.openxmlformats.org/officeDocument/2006/relationships" xmlns:p="http://schemas.openxmlformats.org/presentationml/2006/main">
-  <p:cSld>
-    <p:spTree>
-      <p:nvGrpSpPr>
-        <p:cNvPr id="1" name=""/>
-        <p:cNvGrpSpPr/>
-        <p:nvPr/>
-      </p:nvGrpSpPr>
-      <p:grpSpPr>
-        <a:xfrm>
-          <a:off x="0" y="0"/>
-          <a:ext cx="0" cy="0"/>
-          <a:chOff x="0" y="0"/>
-          <a:chExt cx="0" cy="0"/>
-        </a:xfrm>
-      </p:grpSpPr>
-      <p:sp>
-        <p:nvSpPr>
-          <p:cNvPr id="2" name="幻灯片图像占位符 1"/>
-          <p:cNvSpPr>
-            <a:spLocks noGrp="1" noRot="1" noChangeAspect="1"/>
-          </p:cNvSpPr>
-          <p:nvPr>
-            <p:ph type="sldImg"/>
-          </p:nvPr>
-        </p:nvSpPr>
-        <p:spPr/>
-      </p:sp>
-      <p:sp>
-        <p:nvSpPr>
-          <p:cNvPr id="3" name="备注占位符 2"/>
-          <p:cNvSpPr>
-            <a:spLocks noGrp="1"/>
-          </p:cNvSpPr>
-          <p:nvPr>
-            <p:ph type="body" idx="1"/>
-          </p:nvPr>
-        </p:nvSpPr>
-        <p:spPr/>
-        <p:txBody>
-          <a:bodyPr/>
-          <a:lstStyle/>
-          <a:p>
-            <a:r>
-              <a:rPr lang="en-US" altLang="zh-CN" dirty="0"/>
-              <a:t>In our work, we propose a visual analytics system, </a:t>
-            </a:r>
-            <a:r>
-              <a:rPr lang="en-US" altLang="zh-CN" dirty="0" err="1"/>
-              <a:t>TimeTuner</a:t>
-            </a:r>
-            <a:r>
-              <a:rPr lang="en-US" altLang="zh-CN" dirty="0"/>
-              <a:t>, which mainly consists of four modules in two stages. </a:t>
-            </a:r>
-            <a:r>
-              <a:rPr lang="en-US" altLang="zh-CN" b="0" i="0" dirty="0">
-                <a:effectLst/>
-                <a:latin typeface="Arial" panose="020B0604020202020204" pitchFamily="34" charset="0"/>
-              </a:rPr>
-              <a:t>1) data transformation, 2) forecasting</a:t>
-            </a:r>
-            <a:br>
-              <a:rPr lang="en-US" altLang="zh-CN" dirty="0"/>
-            </a:br>
-            <a:r>
-              <a:rPr lang="en-US" altLang="zh-CN" b="0" i="0" dirty="0">
-                <a:effectLst/>
-                <a:latin typeface="Arial" panose="020B0604020202020204" pitchFamily="34" charset="0"/>
-              </a:rPr>
-              <a:t>and 3) counterfactual explaining in the Forecasting and Explaining stage, and 4) visualization system in the Interactive Exploration stage.</a:t>
-            </a:r>
-            <a:endParaRPr lang="zh-CN" altLang="en-US" dirty="0"/>
-          </a:p>
-        </p:txBody>
-      </p:sp>
-      <p:sp>
-        <p:nvSpPr>
-          <p:cNvPr id="4" name="灯片编号占位符 3"/>
-          <p:cNvSpPr>
-            <a:spLocks noGrp="1"/>
-          </p:cNvSpPr>
-          <p:nvPr>
-            <p:ph type="sldNum" sz="quarter" idx="5"/>
-          </p:nvPr>
-        </p:nvSpPr>
-        <p:spPr/>
-        <p:txBody>
-          <a:bodyPr/>
-          <a:lstStyle/>
-          <a:p>
-            <a:fld id="{66441CBA-217E-4A18-9F54-C103FF5D20AC}" type="slidenum">
-              <a:rPr lang="zh-CN" altLang="en-US" smtClean="0"/>
-              <a:t>4</a:t>
-            </a:fld>
-            <a:endParaRPr lang="zh-CN" altLang="en-US"/>
-          </a:p>
-        </p:txBody>
-      </p:sp>
-    </p:spTree>
-    <p:extLst>
-      <p:ext uri="{BB962C8B-B14F-4D97-AF65-F5344CB8AC3E}">
-        <p14:creationId xmlns:p14="http://schemas.microsoft.com/office/powerpoint/2010/main" val="1810232145"/>
       </p:ext>
     </p:extLst>
   </p:cSld>
@@ -1397,32 +1737,7 @@
           <a:p>
             <a:r>
               <a:rPr lang="en-US" altLang="zh-CN" dirty="0"/>
-              <a:t>In our work, we propose a visual analytics system, </a:t>
-            </a:r>
-            <a:r>
-              <a:rPr lang="en-US" altLang="zh-CN" dirty="0" err="1"/>
-              <a:t>TimeTuner</a:t>
-            </a:r>
-            <a:r>
-              <a:rPr lang="en-US" altLang="zh-CN" dirty="0"/>
-              <a:t>, which mainly consists of four modules in two stages. </a:t>
-            </a:r>
-            <a:r>
-              <a:rPr lang="en-US" altLang="zh-CN" b="0" i="0" dirty="0">
-                <a:effectLst/>
-                <a:latin typeface="Arial" panose="020B0604020202020204" pitchFamily="34" charset="0"/>
-              </a:rPr>
-              <a:t>1) data transformation, 2) forecasting</a:t>
-            </a:r>
-            <a:br>
-              <a:rPr lang="en-US" altLang="zh-CN" dirty="0"/>
-            </a:br>
-            <a:r>
-              <a:rPr lang="en-US" altLang="zh-CN" b="0" i="0" dirty="0">
-                <a:effectLst/>
-                <a:latin typeface="Arial" panose="020B0604020202020204" pitchFamily="34" charset="0"/>
-              </a:rPr>
-              <a:t>and 3) counterfactual explaining in the Forecasting and Explaining stage, and 4) visualization system in the Interactive Exploration stage.</a:t>
+              <a:t>We summarized a set of analytical tasks and categorized them into three levels: Variable Level, representation level and prediction level.</a:t>
             </a:r>
             <a:endParaRPr lang="zh-CN" altLang="en-US" dirty="0"/>
           </a:p>
@@ -1454,7 +1769,7 @@
     </p:spTree>
     <p:extLst>
       <p:ext uri="{BB962C8B-B14F-4D97-AF65-F5344CB8AC3E}">
-        <p14:creationId xmlns:p14="http://schemas.microsoft.com/office/powerpoint/2010/main" val="3563660126"/>
+        <p14:creationId xmlns:p14="http://schemas.microsoft.com/office/powerpoint/2010/main" val="3157303367"/>
       </p:ext>
     </p:extLst>
   </p:cSld>
@@ -1508,11 +1823,7 @@
           <a:bodyPr/>
           <a:lstStyle/>
           <a:p>
-            <a:r>
-              <a:rPr lang="en-US" altLang="zh-CN" dirty="0"/>
-              <a:t>We summarized a set of analytical tasks and categorized them into three levels: Variable Level, representation level and prediction level.</a:t>
-            </a:r>
-            <a:endParaRPr lang="zh-CN" altLang="en-US" dirty="0"/>
+            <a:endParaRPr kumimoji="1" lang="zh-CN" altLang="en-US" dirty="0"/>
           </a:p>
         </p:txBody>
       </p:sp>
@@ -1542,7 +1853,7 @@
     </p:spTree>
     <p:extLst>
       <p:ext uri="{BB962C8B-B14F-4D97-AF65-F5344CB8AC3E}">
-        <p14:creationId xmlns:p14="http://schemas.microsoft.com/office/powerpoint/2010/main" val="3157303367"/>
+        <p14:creationId xmlns:p14="http://schemas.microsoft.com/office/powerpoint/2010/main" val="1969232425"/>
       </p:ext>
     </p:extLst>
   </p:cSld>
@@ -1617,7 +1928,7 @@
           <a:p>
             <a:fld id="{66441CBA-217E-4A18-9F54-C103FF5D20AC}" type="slidenum">
               <a:rPr lang="zh-CN" altLang="en-US" smtClean="0"/>
-              <a:t>10</a:t>
+              <a:t>7</a:t>
             </a:fld>
             <a:endParaRPr lang="zh-CN" altLang="en-US"/>
           </a:p>
@@ -1626,7 +1937,175 @@
     </p:spTree>
     <p:extLst>
       <p:ext uri="{BB962C8B-B14F-4D97-AF65-F5344CB8AC3E}">
-        <p14:creationId xmlns:p14="http://schemas.microsoft.com/office/powerpoint/2010/main" val="3026365952"/>
+        <p14:creationId xmlns:p14="http://schemas.microsoft.com/office/powerpoint/2010/main" val="2977654866"/>
+      </p:ext>
+    </p:extLst>
+  </p:cSld>
+  <p:clrMapOvr>
+    <a:masterClrMapping/>
+  </p:clrMapOvr>
+</p:notes>
+</file>
+
+<file path=ppt/notesSlides/notesSlide8.xml><?xml version="1.0" encoding="utf-8"?>
+<p:notes xmlns:a="http://schemas.openxmlformats.org/drawingml/2006/main" xmlns:r="http://schemas.openxmlformats.org/officeDocument/2006/relationships" xmlns:p="http://schemas.openxmlformats.org/presentationml/2006/main">
+  <p:cSld>
+    <p:spTree>
+      <p:nvGrpSpPr>
+        <p:cNvPr id="1" name=""/>
+        <p:cNvGrpSpPr/>
+        <p:nvPr/>
+      </p:nvGrpSpPr>
+      <p:grpSpPr>
+        <a:xfrm>
+          <a:off x="0" y="0"/>
+          <a:ext cx="0" cy="0"/>
+          <a:chOff x="0" y="0"/>
+          <a:chExt cx="0" cy="0"/>
+        </a:xfrm>
+      </p:grpSpPr>
+      <p:sp>
+        <p:nvSpPr>
+          <p:cNvPr id="2" name="幻灯片图像占位符 1"/>
+          <p:cNvSpPr>
+            <a:spLocks noGrp="1" noRot="1" noChangeAspect="1"/>
+          </p:cNvSpPr>
+          <p:nvPr>
+            <p:ph type="sldImg"/>
+          </p:nvPr>
+        </p:nvSpPr>
+        <p:spPr/>
+      </p:sp>
+      <p:sp>
+        <p:nvSpPr>
+          <p:cNvPr id="3" name="备注占位符 2"/>
+          <p:cNvSpPr>
+            <a:spLocks noGrp="1"/>
+          </p:cNvSpPr>
+          <p:nvPr>
+            <p:ph type="body" idx="1"/>
+          </p:nvPr>
+        </p:nvSpPr>
+        <p:spPr/>
+        <p:txBody>
+          <a:bodyPr/>
+          <a:lstStyle/>
+          <a:p>
+            <a:endParaRPr kumimoji="1" lang="zh-CN" altLang="en-US" dirty="0"/>
+          </a:p>
+        </p:txBody>
+      </p:sp>
+      <p:sp>
+        <p:nvSpPr>
+          <p:cNvPr id="4" name="灯片编号占位符 3"/>
+          <p:cNvSpPr>
+            <a:spLocks noGrp="1"/>
+          </p:cNvSpPr>
+          <p:nvPr>
+            <p:ph type="sldNum" sz="quarter" idx="5"/>
+          </p:nvPr>
+        </p:nvSpPr>
+        <p:spPr/>
+        <p:txBody>
+          <a:bodyPr/>
+          <a:lstStyle/>
+          <a:p>
+            <a:fld id="{66441CBA-217E-4A18-9F54-C103FF5D20AC}" type="slidenum">
+              <a:rPr lang="zh-CN" altLang="en-US" smtClean="0"/>
+              <a:t>8</a:t>
+            </a:fld>
+            <a:endParaRPr lang="zh-CN" altLang="en-US"/>
+          </a:p>
+        </p:txBody>
+      </p:sp>
+    </p:spTree>
+    <p:extLst>
+      <p:ext uri="{BB962C8B-B14F-4D97-AF65-F5344CB8AC3E}">
+        <p14:creationId xmlns:p14="http://schemas.microsoft.com/office/powerpoint/2010/main" val="1156007750"/>
+      </p:ext>
+    </p:extLst>
+  </p:cSld>
+  <p:clrMapOvr>
+    <a:masterClrMapping/>
+  </p:clrMapOvr>
+</p:notes>
+</file>
+
+<file path=ppt/notesSlides/notesSlide9.xml><?xml version="1.0" encoding="utf-8"?>
+<p:notes xmlns:a="http://schemas.openxmlformats.org/drawingml/2006/main" xmlns:r="http://schemas.openxmlformats.org/officeDocument/2006/relationships" xmlns:p="http://schemas.openxmlformats.org/presentationml/2006/main">
+  <p:cSld>
+    <p:spTree>
+      <p:nvGrpSpPr>
+        <p:cNvPr id="1" name=""/>
+        <p:cNvGrpSpPr/>
+        <p:nvPr/>
+      </p:nvGrpSpPr>
+      <p:grpSpPr>
+        <a:xfrm>
+          <a:off x="0" y="0"/>
+          <a:ext cx="0" cy="0"/>
+          <a:chOff x="0" y="0"/>
+          <a:chExt cx="0" cy="0"/>
+        </a:xfrm>
+      </p:grpSpPr>
+      <p:sp>
+        <p:nvSpPr>
+          <p:cNvPr id="2" name="幻灯片图像占位符 1"/>
+          <p:cNvSpPr>
+            <a:spLocks noGrp="1" noRot="1" noChangeAspect="1"/>
+          </p:cNvSpPr>
+          <p:nvPr>
+            <p:ph type="sldImg"/>
+          </p:nvPr>
+        </p:nvSpPr>
+        <p:spPr/>
+      </p:sp>
+      <p:sp>
+        <p:nvSpPr>
+          <p:cNvPr id="3" name="备注占位符 2"/>
+          <p:cNvSpPr>
+            <a:spLocks noGrp="1"/>
+          </p:cNvSpPr>
+          <p:nvPr>
+            <p:ph type="body" idx="1"/>
+          </p:nvPr>
+        </p:nvSpPr>
+        <p:spPr/>
+        <p:txBody>
+          <a:bodyPr/>
+          <a:lstStyle/>
+          <a:p>
+            <a:endParaRPr kumimoji="1" lang="zh-CN" altLang="en-US" dirty="0"/>
+          </a:p>
+        </p:txBody>
+      </p:sp>
+      <p:sp>
+        <p:nvSpPr>
+          <p:cNvPr id="4" name="灯片编号占位符 3"/>
+          <p:cNvSpPr>
+            <a:spLocks noGrp="1"/>
+          </p:cNvSpPr>
+          <p:nvPr>
+            <p:ph type="sldNum" sz="quarter" idx="5"/>
+          </p:nvPr>
+        </p:nvSpPr>
+        <p:spPr/>
+        <p:txBody>
+          <a:bodyPr/>
+          <a:lstStyle/>
+          <a:p>
+            <a:fld id="{66441CBA-217E-4A18-9F54-C103FF5D20AC}" type="slidenum">
+              <a:rPr lang="zh-CN" altLang="en-US" smtClean="0"/>
+              <a:t>9</a:t>
+            </a:fld>
+            <a:endParaRPr lang="zh-CN" altLang="en-US"/>
+          </a:p>
+        </p:txBody>
+      </p:sp>
+    </p:spTree>
+    <p:extLst>
+      <p:ext uri="{BB962C8B-B14F-4D97-AF65-F5344CB8AC3E}">
+        <p14:creationId xmlns:p14="http://schemas.microsoft.com/office/powerpoint/2010/main" val="893318228"/>
       </p:ext>
     </p:extLst>
   </p:cSld>
@@ -1783,7 +2262,7 @@
           <a:p>
             <a:fld id="{0016A32F-BE04-4790-9DB5-28628EA3EE5C}" type="datetimeFigureOut">
               <a:rPr lang="zh-CN" altLang="en-US" smtClean="0"/>
-              <a:t>2023/6/26</a:t>
+              <a:t>2023/6/27</a:t>
             </a:fld>
             <a:endParaRPr lang="zh-CN" altLang="en-US"/>
           </a:p>
@@ -1981,7 +2460,7 @@
           <a:p>
             <a:fld id="{0016A32F-BE04-4790-9DB5-28628EA3EE5C}" type="datetimeFigureOut">
               <a:rPr lang="zh-CN" altLang="en-US" smtClean="0"/>
-              <a:t>2023/6/26</a:t>
+              <a:t>2023/6/27</a:t>
             </a:fld>
             <a:endParaRPr lang="zh-CN" altLang="en-US"/>
           </a:p>
@@ -2189,7 +2668,7 @@
           <a:p>
             <a:fld id="{0016A32F-BE04-4790-9DB5-28628EA3EE5C}" type="datetimeFigureOut">
               <a:rPr lang="zh-CN" altLang="en-US" smtClean="0"/>
-              <a:t>2023/6/26</a:t>
+              <a:t>2023/6/27</a:t>
             </a:fld>
             <a:endParaRPr lang="zh-CN" altLang="en-US"/>
           </a:p>
@@ -2387,7 +2866,7 @@
           <a:p>
             <a:fld id="{0016A32F-BE04-4790-9DB5-28628EA3EE5C}" type="datetimeFigureOut">
               <a:rPr lang="zh-CN" altLang="en-US" smtClean="0"/>
-              <a:t>2023/6/26</a:t>
+              <a:t>2023/6/27</a:t>
             </a:fld>
             <a:endParaRPr lang="zh-CN" altLang="en-US"/>
           </a:p>
@@ -2662,7 +3141,7 @@
           <a:p>
             <a:fld id="{0016A32F-BE04-4790-9DB5-28628EA3EE5C}" type="datetimeFigureOut">
               <a:rPr lang="zh-CN" altLang="en-US" smtClean="0"/>
-              <a:t>2023/6/26</a:t>
+              <a:t>2023/6/27</a:t>
             </a:fld>
             <a:endParaRPr lang="zh-CN" altLang="en-US"/>
           </a:p>
@@ -2927,7 +3406,7 @@
           <a:p>
             <a:fld id="{0016A32F-BE04-4790-9DB5-28628EA3EE5C}" type="datetimeFigureOut">
               <a:rPr lang="zh-CN" altLang="en-US" smtClean="0"/>
-              <a:t>2023/6/26</a:t>
+              <a:t>2023/6/27</a:t>
             </a:fld>
             <a:endParaRPr lang="zh-CN" altLang="en-US"/>
           </a:p>
@@ -3339,7 +3818,7 @@
           <a:p>
             <a:fld id="{0016A32F-BE04-4790-9DB5-28628EA3EE5C}" type="datetimeFigureOut">
               <a:rPr lang="zh-CN" altLang="en-US" smtClean="0"/>
-              <a:t>2023/6/26</a:t>
+              <a:t>2023/6/27</a:t>
             </a:fld>
             <a:endParaRPr lang="zh-CN" altLang="en-US"/>
           </a:p>
@@ -3480,7 +3959,7 @@
           <a:p>
             <a:fld id="{0016A32F-BE04-4790-9DB5-28628EA3EE5C}" type="datetimeFigureOut">
               <a:rPr lang="zh-CN" altLang="en-US" smtClean="0"/>
-              <a:t>2023/6/26</a:t>
+              <a:t>2023/6/27</a:t>
             </a:fld>
             <a:endParaRPr lang="zh-CN" altLang="en-US"/>
           </a:p>
@@ -3593,7 +4072,7 @@
           <a:p>
             <a:fld id="{0016A32F-BE04-4790-9DB5-28628EA3EE5C}" type="datetimeFigureOut">
               <a:rPr lang="zh-CN" altLang="en-US" smtClean="0"/>
-              <a:t>2023/6/26</a:t>
+              <a:t>2023/6/27</a:t>
             </a:fld>
             <a:endParaRPr lang="zh-CN" altLang="en-US"/>
           </a:p>
@@ -3904,7 +4383,7 @@
           <a:p>
             <a:fld id="{0016A32F-BE04-4790-9DB5-28628EA3EE5C}" type="datetimeFigureOut">
               <a:rPr lang="zh-CN" altLang="en-US" smtClean="0"/>
-              <a:t>2023/6/26</a:t>
+              <a:t>2023/6/27</a:t>
             </a:fld>
             <a:endParaRPr lang="zh-CN" altLang="en-US"/>
           </a:p>
@@ -4192,7 +4671,7 @@
           <a:p>
             <a:fld id="{0016A32F-BE04-4790-9DB5-28628EA3EE5C}" type="datetimeFigureOut">
               <a:rPr lang="zh-CN" altLang="en-US" smtClean="0"/>
-              <a:t>2023/6/26</a:t>
+              <a:t>2023/6/27</a:t>
             </a:fld>
             <a:endParaRPr lang="zh-CN" altLang="en-US"/>
           </a:p>
@@ -4433,7 +4912,7 @@
           <a:p>
             <a:fld id="{0016A32F-BE04-4790-9DB5-28628EA3EE5C}" type="datetimeFigureOut">
               <a:rPr lang="zh-CN" altLang="en-US" smtClean="0"/>
-              <a:t>2023/6/26</a:t>
+              <a:t>2023/6/27</a:t>
             </a:fld>
             <a:endParaRPr lang="zh-CN" altLang="en-US"/>
           </a:p>
@@ -4868,7 +5347,7 @@
         </p:nvSpPr>
         <p:spPr>
           <a:xfrm>
-            <a:off x="99695" y="983796"/>
+            <a:off x="99695" y="1357017"/>
             <a:ext cx="11992610" cy="1325563"/>
           </a:xfrm>
         </p:spPr>
@@ -4939,7 +5418,7 @@
         </p:nvSpPr>
         <p:spPr>
           <a:xfrm>
-            <a:off x="2334260" y="3429000"/>
+            <a:off x="2334260" y="3781892"/>
             <a:ext cx="7523480" cy="289560"/>
           </a:xfrm>
         </p:spPr>
@@ -5050,8 +5529,47 @@
         </p:blipFill>
         <p:spPr>
           <a:xfrm>
-            <a:off x="-758946" y="2503714"/>
-            <a:ext cx="7772400" cy="5492931"/>
+            <a:off x="1755654" y="3429000"/>
+            <a:ext cx="5318177" cy="3758476"/>
+          </a:xfrm>
+          <a:prstGeom prst="rect">
+            <a:avLst/>
+          </a:prstGeom>
+        </p:spPr>
+      </p:pic>
+      <p:pic>
+        <p:nvPicPr>
+          <p:cNvPr id="15" name="图形 14">
+            <a:extLst>
+              <a:ext uri="{FF2B5EF4-FFF2-40B4-BE49-F238E27FC236}">
+                <a16:creationId xmlns:a16="http://schemas.microsoft.com/office/drawing/2014/main" id="{BFFE79BD-574C-7AA3-8415-D9896F916994}"/>
+              </a:ext>
+            </a:extLst>
+          </p:cNvPr>
+          <p:cNvPicPr>
+            <a:picLocks noChangeAspect="1"/>
+          </p:cNvPicPr>
+          <p:nvPr/>
+        </p:nvPicPr>
+        <p:blipFill>
+          <a:blip r:embed="rId4">
+            <a:extLst>
+              <a:ext uri="{28A0092B-C50C-407E-A947-70E740481C1C}">
+                <a14:useLocalDpi xmlns:a14="http://schemas.microsoft.com/office/drawing/2010/main" val="0"/>
+              </a:ext>
+              <a:ext uri="{96DAC541-7B7A-43D3-8B79-37D633B846F1}">
+                <asvg:svgBlip xmlns:asvg="http://schemas.microsoft.com/office/drawing/2016/SVG/main" r:embed="rId5"/>
+              </a:ext>
+            </a:extLst>
+          </a:blip>
+          <a:stretch>
+            <a:fillRect/>
+          </a:stretch>
+        </p:blipFill>
+        <p:spPr>
+          <a:xfrm>
+            <a:off x="6616006" y="4299882"/>
+            <a:ext cx="3006961" cy="2004642"/>
           </a:xfrm>
           <a:prstGeom prst="rect">
             <a:avLst/>
@@ -5090,6 +5608,338 @@
       </p:grpSpPr>
       <p:sp>
         <p:nvSpPr>
+          <p:cNvPr id="4" name="文本框 3">
+            <a:extLst>
+              <a:ext uri="{FF2B5EF4-FFF2-40B4-BE49-F238E27FC236}">
+                <a16:creationId xmlns:a16="http://schemas.microsoft.com/office/drawing/2014/main" id="{0C968C26-08A9-24D3-FCAB-10D3F879C013}"/>
+              </a:ext>
+            </a:extLst>
+          </p:cNvPr>
+          <p:cNvSpPr txBox="1"/>
+          <p:nvPr/>
+        </p:nvSpPr>
+        <p:spPr>
+          <a:xfrm>
+            <a:off x="409073" y="228599"/>
+            <a:ext cx="2374792" cy="523220"/>
+          </a:xfrm>
+          <a:prstGeom prst="rect">
+            <a:avLst/>
+          </a:prstGeom>
+          <a:noFill/>
+        </p:spPr>
+        <p:txBody>
+          <a:bodyPr wrap="square" rtlCol="0">
+            <a:spAutoFit/>
+          </a:bodyPr>
+          <a:lstStyle/>
+          <a:p>
+            <a:r>
+              <a:rPr lang="en-US" altLang="zh-CN" sz="2800" dirty="0">
+                <a:latin typeface="Avenir Book" panose="02000503020000020003" pitchFamily="2" charset="0"/>
+                <a:cs typeface="Arial" panose="020B0604020202020204" pitchFamily="34" charset="0"/>
+              </a:rPr>
+              <a:t>Case 1</a:t>
+            </a:r>
+          </a:p>
+        </p:txBody>
+      </p:sp>
+      <p:sp>
+        <p:nvSpPr>
+          <p:cNvPr id="5" name="矩形 4">
+            <a:extLst>
+              <a:ext uri="{FF2B5EF4-FFF2-40B4-BE49-F238E27FC236}">
+                <a16:creationId xmlns:a16="http://schemas.microsoft.com/office/drawing/2014/main" id="{72763E7F-12AE-9435-3B40-EFBE5BDC00AA}"/>
+              </a:ext>
+            </a:extLst>
+          </p:cNvPr>
+          <p:cNvSpPr/>
+          <p:nvPr/>
+        </p:nvSpPr>
+        <p:spPr>
+          <a:xfrm flipV="1">
+            <a:off x="288758" y="228600"/>
+            <a:ext cx="120315" cy="522938"/>
+          </a:xfrm>
+          <a:prstGeom prst="rect">
+            <a:avLst/>
+          </a:prstGeom>
+          <a:ln>
+            <a:solidFill>
+              <a:srgbClr val="2F528F">
+                <a:alpha val="0"/>
+              </a:srgbClr>
+            </a:solidFill>
+          </a:ln>
+        </p:spPr>
+        <p:style>
+          <a:lnRef idx="2">
+            <a:schemeClr val="accent1">
+              <a:shade val="50000"/>
+            </a:schemeClr>
+          </a:lnRef>
+          <a:fillRef idx="1">
+            <a:schemeClr val="accent1"/>
+          </a:fillRef>
+          <a:effectRef idx="0">
+            <a:schemeClr val="accent1"/>
+          </a:effectRef>
+          <a:fontRef idx="minor">
+            <a:schemeClr val="lt1"/>
+          </a:fontRef>
+        </p:style>
+        <p:txBody>
+          <a:bodyPr rtlCol="0" anchor="ctr"/>
+          <a:lstStyle/>
+          <a:p>
+            <a:pPr algn="ctr"/>
+            <a:endParaRPr kumimoji="1" lang="zh-CN" altLang="en-US"/>
+          </a:p>
+        </p:txBody>
+      </p:sp>
+      <p:sp>
+        <p:nvSpPr>
+          <p:cNvPr id="2" name="标题 1">
+            <a:extLst>
+              <a:ext uri="{FF2B5EF4-FFF2-40B4-BE49-F238E27FC236}">
+                <a16:creationId xmlns:a16="http://schemas.microsoft.com/office/drawing/2014/main" id="{8441836A-13A4-611A-7FC9-2DEAEC4B8D1F}"/>
+              </a:ext>
+            </a:extLst>
+          </p:cNvPr>
+          <p:cNvSpPr>
+            <a:spLocks noGrp="1"/>
+          </p:cNvSpPr>
+          <p:nvPr>
+            <p:ph type="title"/>
+          </p:nvPr>
+        </p:nvSpPr>
+        <p:spPr>
+          <a:xfrm>
+            <a:off x="99695" y="2476287"/>
+            <a:ext cx="11992610" cy="1325563"/>
+          </a:xfrm>
+        </p:spPr>
+        <p:txBody>
+          <a:bodyPr>
+            <a:noAutofit/>
+          </a:bodyPr>
+          <a:lstStyle/>
+          <a:p>
+            <a:pPr algn="ctr">
+              <a:lnSpc>
+                <a:spcPct val="150000"/>
+              </a:lnSpc>
+            </a:pPr>
+            <a:r>
+              <a:rPr lang="en-US" altLang="zh-CN" sz="3600" dirty="0">
+                <a:latin typeface="Avenir Book" panose="02000503020000020003" pitchFamily="2" charset="0"/>
+              </a:rPr>
+              <a:t>Univariate sunspots forecasting</a:t>
+            </a:r>
+            <a:endParaRPr lang="zh-CN" altLang="en-US" sz="3600" dirty="0">
+              <a:latin typeface="Avenir Book" panose="02000503020000020003" pitchFamily="2" charset="0"/>
+            </a:endParaRPr>
+          </a:p>
+        </p:txBody>
+      </p:sp>
+    </p:spTree>
+    <p:extLst>
+      <p:ext uri="{BB962C8B-B14F-4D97-AF65-F5344CB8AC3E}">
+        <p14:creationId xmlns:p14="http://schemas.microsoft.com/office/powerpoint/2010/main" val="1556273225"/>
+      </p:ext>
+    </p:extLst>
+  </p:cSld>
+  <p:clrMapOvr>
+    <a:masterClrMapping/>
+  </p:clrMapOvr>
+</p:sld>
+</file>
+
+<file path=ppt/slides/slide11.xml><?xml version="1.0" encoding="utf-8"?>
+<p:sld xmlns:a="http://schemas.openxmlformats.org/drawingml/2006/main" xmlns:r="http://schemas.openxmlformats.org/officeDocument/2006/relationships" xmlns:p="http://schemas.openxmlformats.org/presentationml/2006/main">
+  <p:cSld>
+    <p:spTree>
+      <p:nvGrpSpPr>
+        <p:cNvPr id="1" name=""/>
+        <p:cNvGrpSpPr/>
+        <p:nvPr/>
+      </p:nvGrpSpPr>
+      <p:grpSpPr>
+        <a:xfrm>
+          <a:off x="0" y="0"/>
+          <a:ext cx="0" cy="0"/>
+          <a:chOff x="0" y="0"/>
+          <a:chExt cx="0" cy="0"/>
+        </a:xfrm>
+      </p:grpSpPr>
+      <p:sp>
+        <p:nvSpPr>
+          <p:cNvPr id="4" name="文本框 3">
+            <a:extLst>
+              <a:ext uri="{FF2B5EF4-FFF2-40B4-BE49-F238E27FC236}">
+                <a16:creationId xmlns:a16="http://schemas.microsoft.com/office/drawing/2014/main" id="{0C968C26-08A9-24D3-FCAB-10D3F879C013}"/>
+              </a:ext>
+            </a:extLst>
+          </p:cNvPr>
+          <p:cNvSpPr txBox="1"/>
+          <p:nvPr/>
+        </p:nvSpPr>
+        <p:spPr>
+          <a:xfrm>
+            <a:off x="409073" y="228599"/>
+            <a:ext cx="2374792" cy="523220"/>
+          </a:xfrm>
+          <a:prstGeom prst="rect">
+            <a:avLst/>
+          </a:prstGeom>
+          <a:noFill/>
+        </p:spPr>
+        <p:txBody>
+          <a:bodyPr wrap="square" rtlCol="0">
+            <a:spAutoFit/>
+          </a:bodyPr>
+          <a:lstStyle/>
+          <a:p>
+            <a:r>
+              <a:rPr lang="en-US" altLang="zh-CN" sz="2800" dirty="0">
+                <a:latin typeface="Avenir Book" panose="02000503020000020003" pitchFamily="2" charset="0"/>
+                <a:cs typeface="Arial" panose="020B0604020202020204" pitchFamily="34" charset="0"/>
+              </a:rPr>
+              <a:t>Case 2</a:t>
+            </a:r>
+          </a:p>
+        </p:txBody>
+      </p:sp>
+      <p:sp>
+        <p:nvSpPr>
+          <p:cNvPr id="5" name="矩形 4">
+            <a:extLst>
+              <a:ext uri="{FF2B5EF4-FFF2-40B4-BE49-F238E27FC236}">
+                <a16:creationId xmlns:a16="http://schemas.microsoft.com/office/drawing/2014/main" id="{72763E7F-12AE-9435-3B40-EFBE5BDC00AA}"/>
+              </a:ext>
+            </a:extLst>
+          </p:cNvPr>
+          <p:cNvSpPr/>
+          <p:nvPr/>
+        </p:nvSpPr>
+        <p:spPr>
+          <a:xfrm flipV="1">
+            <a:off x="288758" y="228600"/>
+            <a:ext cx="120315" cy="522938"/>
+          </a:xfrm>
+          <a:prstGeom prst="rect">
+            <a:avLst/>
+          </a:prstGeom>
+          <a:ln>
+            <a:solidFill>
+              <a:srgbClr val="2F528F">
+                <a:alpha val="0"/>
+              </a:srgbClr>
+            </a:solidFill>
+          </a:ln>
+        </p:spPr>
+        <p:style>
+          <a:lnRef idx="2">
+            <a:schemeClr val="accent1">
+              <a:shade val="50000"/>
+            </a:schemeClr>
+          </a:lnRef>
+          <a:fillRef idx="1">
+            <a:schemeClr val="accent1"/>
+          </a:fillRef>
+          <a:effectRef idx="0">
+            <a:schemeClr val="accent1"/>
+          </a:effectRef>
+          <a:fontRef idx="minor">
+            <a:schemeClr val="lt1"/>
+          </a:fontRef>
+        </p:style>
+        <p:txBody>
+          <a:bodyPr rtlCol="0" anchor="ctr"/>
+          <a:lstStyle/>
+          <a:p>
+            <a:pPr algn="ctr"/>
+            <a:endParaRPr kumimoji="1" lang="zh-CN" altLang="en-US"/>
+          </a:p>
+        </p:txBody>
+      </p:sp>
+      <p:sp>
+        <p:nvSpPr>
+          <p:cNvPr id="2" name="标题 1">
+            <a:extLst>
+              <a:ext uri="{FF2B5EF4-FFF2-40B4-BE49-F238E27FC236}">
+                <a16:creationId xmlns:a16="http://schemas.microsoft.com/office/drawing/2014/main" id="{D1E12369-868A-68CA-4B67-99758F82FEAF}"/>
+              </a:ext>
+            </a:extLst>
+          </p:cNvPr>
+          <p:cNvSpPr>
+            <a:spLocks noGrp="1"/>
+          </p:cNvSpPr>
+          <p:nvPr>
+            <p:ph type="title"/>
+          </p:nvPr>
+        </p:nvSpPr>
+        <p:spPr>
+          <a:xfrm>
+            <a:off x="99695" y="2476287"/>
+            <a:ext cx="11992610" cy="1325563"/>
+          </a:xfrm>
+        </p:spPr>
+        <p:txBody>
+          <a:bodyPr>
+            <a:noAutofit/>
+          </a:bodyPr>
+          <a:lstStyle/>
+          <a:p>
+            <a:pPr algn="ctr">
+              <a:lnSpc>
+                <a:spcPct val="150000"/>
+              </a:lnSpc>
+            </a:pPr>
+            <a:r>
+              <a:rPr lang="en-US" altLang="zh-CN" sz="3600" dirty="0">
+                <a:latin typeface="Avenir Book" panose="02000503020000020003" pitchFamily="2" charset="0"/>
+              </a:rPr>
+              <a:t>Multivariate PM2.5 forecasting</a:t>
+            </a:r>
+            <a:endParaRPr lang="zh-CN" altLang="en-US" sz="3600" dirty="0">
+              <a:latin typeface="Avenir Book" panose="02000503020000020003" pitchFamily="2" charset="0"/>
+            </a:endParaRPr>
+          </a:p>
+        </p:txBody>
+      </p:sp>
+    </p:spTree>
+    <p:extLst>
+      <p:ext uri="{BB962C8B-B14F-4D97-AF65-F5344CB8AC3E}">
+        <p14:creationId xmlns:p14="http://schemas.microsoft.com/office/powerpoint/2010/main" val="4093534363"/>
+      </p:ext>
+    </p:extLst>
+  </p:cSld>
+  <p:clrMapOvr>
+    <a:masterClrMapping/>
+  </p:clrMapOvr>
+</p:sld>
+</file>
+
+<file path=ppt/slides/slide12.xml><?xml version="1.0" encoding="utf-8"?>
+<p:sld xmlns:a="http://schemas.openxmlformats.org/drawingml/2006/main" xmlns:r="http://schemas.openxmlformats.org/officeDocument/2006/relationships" xmlns:p="http://schemas.openxmlformats.org/presentationml/2006/main">
+  <p:cSld>
+    <p:spTree>
+      <p:nvGrpSpPr>
+        <p:cNvPr id="1" name=""/>
+        <p:cNvGrpSpPr/>
+        <p:nvPr/>
+      </p:nvGrpSpPr>
+      <p:grpSpPr>
+        <a:xfrm>
+          <a:off x="0" y="0"/>
+          <a:ext cx="0" cy="0"/>
+          <a:chOff x="0" y="0"/>
+          <a:chExt cx="0" cy="0"/>
+        </a:xfrm>
+      </p:grpSpPr>
+      <p:sp>
+        <p:nvSpPr>
           <p:cNvPr id="2" name="标题 1">
             <a:extLst>
               <a:ext uri="{FF2B5EF4-FFF2-40B4-BE49-F238E27FC236}">
@@ -5148,6 +5998,82 @@
 </file>
 
 <file path=ppt/slides/slide2.xml><?xml version="1.0" encoding="utf-8"?>
+<p:sld xmlns:a="http://schemas.openxmlformats.org/drawingml/2006/main" xmlns:r="http://schemas.openxmlformats.org/officeDocument/2006/relationships" xmlns:p="http://schemas.openxmlformats.org/presentationml/2006/main">
+  <p:cSld>
+    <p:spTree>
+      <p:nvGrpSpPr>
+        <p:cNvPr id="1" name=""/>
+        <p:cNvGrpSpPr/>
+        <p:nvPr/>
+      </p:nvGrpSpPr>
+      <p:grpSpPr>
+        <a:xfrm>
+          <a:off x="0" y="0"/>
+          <a:ext cx="0" cy="0"/>
+          <a:chOff x="0" y="0"/>
+          <a:chExt cx="0" cy="0"/>
+        </a:xfrm>
+      </p:grpSpPr>
+      <p:sp>
+        <p:nvSpPr>
+          <p:cNvPr id="2" name="标题 1">
+            <a:extLst>
+              <a:ext uri="{FF2B5EF4-FFF2-40B4-BE49-F238E27FC236}">
+                <a16:creationId xmlns:a16="http://schemas.microsoft.com/office/drawing/2014/main" id="{F275D3FE-612F-3E2E-250C-6ACACBF8621D}"/>
+              </a:ext>
+            </a:extLst>
+          </p:cNvPr>
+          <p:cNvSpPr>
+            <a:spLocks noGrp="1"/>
+          </p:cNvSpPr>
+          <p:nvPr>
+            <p:ph type="title"/>
+          </p:nvPr>
+        </p:nvSpPr>
+        <p:spPr>
+          <a:xfrm>
+            <a:off x="99695" y="2396103"/>
+            <a:ext cx="11992610" cy="1325563"/>
+          </a:xfrm>
+        </p:spPr>
+        <p:txBody>
+          <a:bodyPr>
+            <a:noAutofit/>
+          </a:bodyPr>
+          <a:lstStyle/>
+          <a:p>
+            <a:pPr algn="ctr">
+              <a:lnSpc>
+                <a:spcPct val="150000"/>
+              </a:lnSpc>
+            </a:pPr>
+            <a:r>
+              <a:rPr lang="en-US" altLang="zh-CN" sz="4800" b="0" i="1" dirty="0">
+                <a:effectLst/>
+                <a:latin typeface="Avenir Book" panose="02000503020000020003" pitchFamily="2" charset="0"/>
+              </a:rPr>
+              <a:t>Part 1: Background</a:t>
+            </a:r>
+            <a:endParaRPr lang="zh-CN" altLang="en-US" sz="4800" dirty="0">
+              <a:latin typeface="Avenir Book" panose="02000503020000020003" pitchFamily="2" charset="0"/>
+            </a:endParaRPr>
+          </a:p>
+        </p:txBody>
+      </p:sp>
+    </p:spTree>
+    <p:extLst>
+      <p:ext uri="{BB962C8B-B14F-4D97-AF65-F5344CB8AC3E}">
+        <p14:creationId xmlns:p14="http://schemas.microsoft.com/office/powerpoint/2010/main" val="363390749"/>
+      </p:ext>
+    </p:extLst>
+  </p:cSld>
+  <p:clrMapOvr>
+    <a:masterClrMapping/>
+  </p:clrMapOvr>
+</p:sld>
+</file>
+
+<file path=ppt/slides/slide3.xml><?xml version="1.0" encoding="utf-8"?>
 <p:sld xmlns:a="http://schemas.openxmlformats.org/drawingml/2006/main" xmlns:r="http://schemas.openxmlformats.org/officeDocument/2006/relationships" xmlns:p="http://schemas.openxmlformats.org/presentationml/2006/main">
   <p:cSld>
     <p:spTree>
@@ -5685,7 +6611,7 @@
 </p:sld>
 </file>
 
-<file path=ppt/slides/slide3.xml><?xml version="1.0" encoding="utf-8"?>
+<file path=ppt/slides/slide4.xml><?xml version="1.0" encoding="utf-8"?>
 <p:sld xmlns:a="http://schemas.openxmlformats.org/drawingml/2006/main" xmlns:r="http://schemas.openxmlformats.org/officeDocument/2006/relationships" xmlns:p="http://schemas.openxmlformats.org/presentationml/2006/main">
   <p:cSld>
     <p:spTree>
@@ -5702,6 +6628,36 @@
           <a:chExt cx="0" cy="0"/>
         </a:xfrm>
       </p:grpSpPr>
+      <p:pic>
+        <p:nvPicPr>
+          <p:cNvPr id="11" name="图片 10">
+            <a:extLst>
+              <a:ext uri="{FF2B5EF4-FFF2-40B4-BE49-F238E27FC236}">
+                <a16:creationId xmlns:a16="http://schemas.microsoft.com/office/drawing/2014/main" id="{FBCE620E-7187-0134-B4A8-5998B2F2E849}"/>
+              </a:ext>
+            </a:extLst>
+          </p:cNvPr>
+          <p:cNvPicPr>
+            <a:picLocks noChangeAspect="1"/>
+          </p:cNvPicPr>
+          <p:nvPr/>
+        </p:nvPicPr>
+        <p:blipFill>
+          <a:blip r:embed="rId3"/>
+          <a:stretch>
+            <a:fillRect/>
+          </a:stretch>
+        </p:blipFill>
+        <p:spPr>
+          <a:xfrm>
+            <a:off x="3587750" y="400050"/>
+            <a:ext cx="5016500" cy="6057900"/>
+          </a:xfrm>
+          <a:prstGeom prst="rect">
+            <a:avLst/>
+          </a:prstGeom>
+        </p:spPr>
+      </p:pic>
       <p:sp>
         <p:nvSpPr>
           <p:cNvPr id="2" name="文本框 1">
@@ -5793,193 +6749,12 @@
           </a:p>
         </p:txBody>
       </p:sp>
-      <p:pic>
-        <p:nvPicPr>
-          <p:cNvPr id="4" name="图片 3">
+      <p:sp>
+        <p:nvSpPr>
+          <p:cNvPr id="9" name="矩形 8">
             <a:extLst>
               <a:ext uri="{FF2B5EF4-FFF2-40B4-BE49-F238E27FC236}">
-                <a16:creationId xmlns:a16="http://schemas.microsoft.com/office/drawing/2014/main" id="{45913D19-6AA8-EB54-ED45-FB5B5FA55A7F}"/>
-              </a:ext>
-            </a:extLst>
-          </p:cNvPr>
-          <p:cNvPicPr>
-            <a:picLocks noChangeAspect="1"/>
-          </p:cNvPicPr>
-          <p:nvPr/>
-        </p:nvPicPr>
-        <p:blipFill>
-          <a:blip r:embed="rId3"/>
-          <a:stretch>
-            <a:fillRect/>
-          </a:stretch>
-        </p:blipFill>
-        <p:spPr>
-          <a:xfrm>
-            <a:off x="3753687" y="424966"/>
-            <a:ext cx="4684625" cy="5990176"/>
-          </a:xfrm>
-          <a:prstGeom prst="rect">
-            <a:avLst/>
-          </a:prstGeom>
-        </p:spPr>
-      </p:pic>
-    </p:spTree>
-    <p:extLst>
-      <p:ext uri="{BB962C8B-B14F-4D97-AF65-F5344CB8AC3E}">
-        <p14:creationId xmlns:p14="http://schemas.microsoft.com/office/powerpoint/2010/main" val="3263066336"/>
-      </p:ext>
-    </p:extLst>
-  </p:cSld>
-  <p:clrMapOvr>
-    <a:masterClrMapping/>
-  </p:clrMapOvr>
-</p:sld>
-</file>
-
-<file path=ppt/slides/slide4.xml><?xml version="1.0" encoding="utf-8"?>
-<p:sld xmlns:a="http://schemas.openxmlformats.org/drawingml/2006/main" xmlns:r="http://schemas.openxmlformats.org/officeDocument/2006/relationships" xmlns:p="http://schemas.openxmlformats.org/presentationml/2006/main">
-  <p:cSld>
-    <p:spTree>
-      <p:nvGrpSpPr>
-        <p:cNvPr id="1" name=""/>
-        <p:cNvGrpSpPr/>
-        <p:nvPr/>
-      </p:nvGrpSpPr>
-      <p:grpSpPr>
-        <a:xfrm>
-          <a:off x="0" y="0"/>
-          <a:ext cx="0" cy="0"/>
-          <a:chOff x="0" y="0"/>
-          <a:chExt cx="0" cy="0"/>
-        </a:xfrm>
-      </p:grpSpPr>
-      <p:sp>
-        <p:nvSpPr>
-          <p:cNvPr id="2" name="文本框 1">
-            <a:extLst>
-              <a:ext uri="{FF2B5EF4-FFF2-40B4-BE49-F238E27FC236}">
-                <a16:creationId xmlns:a16="http://schemas.microsoft.com/office/drawing/2014/main" id="{F70284AD-2459-A5EA-CA9A-65CBB033FDB9}"/>
-              </a:ext>
-            </a:extLst>
-          </p:cNvPr>
-          <p:cNvSpPr txBox="1"/>
-          <p:nvPr/>
-        </p:nvSpPr>
-        <p:spPr>
-          <a:xfrm>
-            <a:off x="409073" y="228600"/>
-            <a:ext cx="2374792" cy="523220"/>
-          </a:xfrm>
-          <a:prstGeom prst="rect">
-            <a:avLst/>
-          </a:prstGeom>
-          <a:noFill/>
-        </p:spPr>
-        <p:txBody>
-          <a:bodyPr wrap="square" rtlCol="0">
-            <a:spAutoFit/>
-          </a:bodyPr>
-          <a:lstStyle/>
-          <a:p>
-            <a:r>
-              <a:rPr lang="en-US" altLang="zh-CN" sz="2800" dirty="0">
-                <a:latin typeface="Avenir Book" panose="02000503020000020003" pitchFamily="2" charset="0"/>
-                <a:cs typeface="Arial" panose="020B0604020202020204" pitchFamily="34" charset="0"/>
-              </a:rPr>
-              <a:t>Workflow</a:t>
-            </a:r>
-          </a:p>
-        </p:txBody>
-      </p:sp>
-      <p:sp>
-        <p:nvSpPr>
-          <p:cNvPr id="5" name="矩形 4">
-            <a:extLst>
-              <a:ext uri="{FF2B5EF4-FFF2-40B4-BE49-F238E27FC236}">
-                <a16:creationId xmlns:a16="http://schemas.microsoft.com/office/drawing/2014/main" id="{3A559BCB-20EE-28EC-DC0B-F506FD8ADC10}"/>
-              </a:ext>
-            </a:extLst>
-          </p:cNvPr>
-          <p:cNvSpPr/>
-          <p:nvPr/>
-        </p:nvSpPr>
-        <p:spPr>
-          <a:xfrm flipV="1">
-            <a:off x="288758" y="228600"/>
-            <a:ext cx="120315" cy="522938"/>
-          </a:xfrm>
-          <a:prstGeom prst="rect">
-            <a:avLst/>
-          </a:prstGeom>
-          <a:ln>
-            <a:solidFill>
-              <a:srgbClr val="2F528F">
-                <a:alpha val="0"/>
-              </a:srgbClr>
-            </a:solidFill>
-          </a:ln>
-        </p:spPr>
-        <p:style>
-          <a:lnRef idx="2">
-            <a:schemeClr val="accent1">
-              <a:shade val="50000"/>
-            </a:schemeClr>
-          </a:lnRef>
-          <a:fillRef idx="1">
-            <a:schemeClr val="accent1"/>
-          </a:fillRef>
-          <a:effectRef idx="0">
-            <a:schemeClr val="accent1"/>
-          </a:effectRef>
-          <a:fontRef idx="minor">
-            <a:schemeClr val="lt1"/>
-          </a:fontRef>
-        </p:style>
-        <p:txBody>
-          <a:bodyPr rtlCol="0" anchor="ctr"/>
-          <a:lstStyle/>
-          <a:p>
-            <a:pPr algn="ctr"/>
-            <a:endParaRPr kumimoji="1" lang="zh-CN" altLang="en-US"/>
-          </a:p>
-        </p:txBody>
-      </p:sp>
-      <p:pic>
-        <p:nvPicPr>
-          <p:cNvPr id="4" name="图片 3">
-            <a:extLst>
-              <a:ext uri="{FF2B5EF4-FFF2-40B4-BE49-F238E27FC236}">
-                <a16:creationId xmlns:a16="http://schemas.microsoft.com/office/drawing/2014/main" id="{45913D19-6AA8-EB54-ED45-FB5B5FA55A7F}"/>
-              </a:ext>
-            </a:extLst>
-          </p:cNvPr>
-          <p:cNvPicPr>
-            <a:picLocks noChangeAspect="1"/>
-          </p:cNvPicPr>
-          <p:nvPr/>
-        </p:nvPicPr>
-        <p:blipFill>
-          <a:blip r:embed="rId3"/>
-          <a:stretch>
-            <a:fillRect/>
-          </a:stretch>
-        </p:blipFill>
-        <p:spPr>
-          <a:xfrm>
-            <a:off x="3753687" y="424966"/>
-            <a:ext cx="4684625" cy="5990176"/>
-          </a:xfrm>
-          <a:prstGeom prst="rect">
-            <a:avLst/>
-          </a:prstGeom>
-        </p:spPr>
-      </p:pic>
-      <p:sp>
-        <p:nvSpPr>
-          <p:cNvPr id="8" name="矩形 7">
-            <a:extLst>
-              <a:ext uri="{FF2B5EF4-FFF2-40B4-BE49-F238E27FC236}">
-                <a16:creationId xmlns:a16="http://schemas.microsoft.com/office/drawing/2014/main" id="{526C8D4F-B26B-0888-8B95-D046943853E2}"/>
+                <a16:creationId xmlns:a16="http://schemas.microsoft.com/office/drawing/2014/main" id="{41030246-9FB9-EADE-169D-CCBB0DFC54EE}"/>
               </a:ext>
             </a:extLst>
           </p:cNvPr>
@@ -6030,80 +6805,12 @@
           </a:p>
         </p:txBody>
       </p:sp>
-    </p:spTree>
-    <p:extLst>
-      <p:ext uri="{BB962C8B-B14F-4D97-AF65-F5344CB8AC3E}">
-        <p14:creationId xmlns:p14="http://schemas.microsoft.com/office/powerpoint/2010/main" val="1256346408"/>
-      </p:ext>
-    </p:extLst>
-  </p:cSld>
-  <p:clrMapOvr>
-    <a:masterClrMapping/>
-  </p:clrMapOvr>
-</p:sld>
-</file>
-
-<file path=ppt/slides/slide5.xml><?xml version="1.0" encoding="utf-8"?>
-<p:sld xmlns:a="http://schemas.openxmlformats.org/drawingml/2006/main" xmlns:r="http://schemas.openxmlformats.org/officeDocument/2006/relationships" xmlns:p="http://schemas.openxmlformats.org/presentationml/2006/main">
-  <p:cSld>
-    <p:spTree>
-      <p:nvGrpSpPr>
-        <p:cNvPr id="1" name=""/>
-        <p:cNvGrpSpPr/>
-        <p:nvPr/>
-      </p:nvGrpSpPr>
-      <p:grpSpPr>
-        <a:xfrm>
-          <a:off x="0" y="0"/>
-          <a:ext cx="0" cy="0"/>
-          <a:chOff x="0" y="0"/>
-          <a:chExt cx="0" cy="0"/>
-        </a:xfrm>
-      </p:grpSpPr>
-      <p:sp>
-        <p:nvSpPr>
-          <p:cNvPr id="2" name="文本框 1">
+      <p:sp>
+        <p:nvSpPr>
+          <p:cNvPr id="10" name="矩形 9">
             <a:extLst>
               <a:ext uri="{FF2B5EF4-FFF2-40B4-BE49-F238E27FC236}">
-                <a16:creationId xmlns:a16="http://schemas.microsoft.com/office/drawing/2014/main" id="{F70284AD-2459-A5EA-CA9A-65CBB033FDB9}"/>
-              </a:ext>
-            </a:extLst>
-          </p:cNvPr>
-          <p:cNvSpPr txBox="1"/>
-          <p:nvPr/>
-        </p:nvSpPr>
-        <p:spPr>
-          <a:xfrm>
-            <a:off x="409073" y="228600"/>
-            <a:ext cx="2374792" cy="523220"/>
-          </a:xfrm>
-          <a:prstGeom prst="rect">
-            <a:avLst/>
-          </a:prstGeom>
-          <a:noFill/>
-        </p:spPr>
-        <p:txBody>
-          <a:bodyPr wrap="square" rtlCol="0">
-            <a:spAutoFit/>
-          </a:bodyPr>
-          <a:lstStyle/>
-          <a:p>
-            <a:r>
-              <a:rPr lang="en-US" altLang="zh-CN" sz="2800" dirty="0">
-                <a:latin typeface="Avenir Book" panose="02000503020000020003" pitchFamily="2" charset="0"/>
-                <a:cs typeface="Arial" panose="020B0604020202020204" pitchFamily="34" charset="0"/>
-              </a:rPr>
-              <a:t>Workflow</a:t>
-            </a:r>
-          </a:p>
-        </p:txBody>
-      </p:sp>
-      <p:sp>
-        <p:nvSpPr>
-          <p:cNvPr id="5" name="矩形 4">
-            <a:extLst>
-              <a:ext uri="{FF2B5EF4-FFF2-40B4-BE49-F238E27FC236}">
-                <a16:creationId xmlns:a16="http://schemas.microsoft.com/office/drawing/2014/main" id="{3A559BCB-20EE-28EC-DC0B-F506FD8ADC10}"/>
+                <a16:creationId xmlns:a16="http://schemas.microsoft.com/office/drawing/2014/main" id="{D92855FC-1B31-63C7-7B2C-C8AE685C8519}"/>
               </a:ext>
             </a:extLst>
           </p:cNvPr>
@@ -6111,92 +6818,9 @@
           <p:nvPr/>
         </p:nvSpPr>
         <p:spPr>
-          <a:xfrm flipV="1">
-            <a:off x="288758" y="228600"/>
-            <a:ext cx="120315" cy="522938"/>
-          </a:xfrm>
-          <a:prstGeom prst="rect">
-            <a:avLst/>
-          </a:prstGeom>
-          <a:ln>
-            <a:solidFill>
-              <a:srgbClr val="2F528F">
-                <a:alpha val="0"/>
-              </a:srgbClr>
-            </a:solidFill>
-          </a:ln>
-        </p:spPr>
-        <p:style>
-          <a:lnRef idx="2">
-            <a:schemeClr val="accent1">
-              <a:shade val="50000"/>
-            </a:schemeClr>
-          </a:lnRef>
-          <a:fillRef idx="1">
-            <a:schemeClr val="accent1"/>
-          </a:fillRef>
-          <a:effectRef idx="0">
-            <a:schemeClr val="accent1"/>
-          </a:effectRef>
-          <a:fontRef idx="minor">
-            <a:schemeClr val="lt1"/>
-          </a:fontRef>
-        </p:style>
-        <p:txBody>
-          <a:bodyPr rtlCol="0" anchor="ctr"/>
-          <a:lstStyle/>
-          <a:p>
-            <a:pPr algn="ctr"/>
-            <a:endParaRPr kumimoji="1" lang="zh-CN" altLang="en-US"/>
-          </a:p>
-        </p:txBody>
-      </p:sp>
-      <p:pic>
-        <p:nvPicPr>
-          <p:cNvPr id="4" name="图片 3">
-            <a:extLst>
-              <a:ext uri="{FF2B5EF4-FFF2-40B4-BE49-F238E27FC236}">
-                <a16:creationId xmlns:a16="http://schemas.microsoft.com/office/drawing/2014/main" id="{45913D19-6AA8-EB54-ED45-FB5B5FA55A7F}"/>
-              </a:ext>
-            </a:extLst>
-          </p:cNvPr>
-          <p:cNvPicPr>
-            <a:picLocks noChangeAspect="1"/>
-          </p:cNvPicPr>
-          <p:nvPr/>
-        </p:nvPicPr>
-        <p:blipFill>
-          <a:blip r:embed="rId3"/>
-          <a:stretch>
-            <a:fillRect/>
-          </a:stretch>
-        </p:blipFill>
-        <p:spPr>
           <a:xfrm>
-            <a:off x="3753687" y="424966"/>
-            <a:ext cx="4684625" cy="5990176"/>
-          </a:xfrm>
-          <a:prstGeom prst="rect">
-            <a:avLst/>
-          </a:prstGeom>
-        </p:spPr>
-      </p:pic>
-      <p:sp>
-        <p:nvSpPr>
-          <p:cNvPr id="6" name="矩形 5">
-            <a:extLst>
-              <a:ext uri="{FF2B5EF4-FFF2-40B4-BE49-F238E27FC236}">
-                <a16:creationId xmlns:a16="http://schemas.microsoft.com/office/drawing/2014/main" id="{26D5CD7B-0E71-DE20-7DC0-89F3C02C6421}"/>
-              </a:ext>
-            </a:extLst>
-          </p:cNvPr>
-          <p:cNvSpPr/>
-          <p:nvPr/>
-        </p:nvSpPr>
-        <p:spPr>
-          <a:xfrm>
-            <a:off x="3391472" y="426906"/>
-            <a:ext cx="5301343" cy="3036691"/>
+            <a:off x="3445326" y="357712"/>
+            <a:ext cx="5301343" cy="3089915"/>
           </a:xfrm>
           <a:prstGeom prst="rect">
             <a:avLst/>
@@ -6233,24 +6857,253 @@
           <a:lstStyle/>
           <a:p>
             <a:pPr algn="ctr"/>
-            <a:endParaRPr kumimoji="1" lang="zh-CN" altLang="en-US"/>
+            <a:endParaRPr kumimoji="1" lang="zh-CN" altLang="en-US" dirty="0"/>
           </a:p>
         </p:txBody>
       </p:sp>
     </p:spTree>
     <p:extLst>
       <p:ext uri="{BB962C8B-B14F-4D97-AF65-F5344CB8AC3E}">
-        <p14:creationId xmlns:p14="http://schemas.microsoft.com/office/powerpoint/2010/main" val="3697227020"/>
+        <p14:creationId xmlns:p14="http://schemas.microsoft.com/office/powerpoint/2010/main" val="3263066336"/>
       </p:ext>
     </p:extLst>
   </p:cSld>
   <p:clrMapOvr>
     <a:masterClrMapping/>
   </p:clrMapOvr>
+  <p:timing>
+    <p:tnLst>
+      <p:par>
+        <p:cTn id="1" dur="indefinite" restart="never" nodeType="tmRoot">
+          <p:childTnLst>
+            <p:seq concurrent="1" nextAc="seek">
+              <p:cTn id="2" dur="indefinite" nodeType="mainSeq">
+                <p:childTnLst>
+                  <p:par>
+                    <p:cTn id="3" fill="hold">
+                      <p:stCondLst>
+                        <p:cond delay="indefinite"/>
+                      </p:stCondLst>
+                      <p:childTnLst>
+                        <p:par>
+                          <p:cTn id="4" fill="hold">
+                            <p:stCondLst>
+                              <p:cond delay="0"/>
+                            </p:stCondLst>
+                            <p:childTnLst>
+                              <p:par>
+                                <p:cTn id="5" presetID="10" presetClass="entr" presetSubtype="0" fill="hold" nodeType="clickEffect">
+                                  <p:stCondLst>
+                                    <p:cond delay="0"/>
+                                  </p:stCondLst>
+                                  <p:childTnLst>
+                                    <p:set>
+                                      <p:cBhvr>
+                                        <p:cTn id="6" dur="1" fill="hold">
+                                          <p:stCondLst>
+                                            <p:cond delay="0"/>
+                                          </p:stCondLst>
+                                        </p:cTn>
+                                        <p:tgtEl>
+                                          <p:spTgt spid="11"/>
+                                        </p:tgtEl>
+                                        <p:attrNameLst>
+                                          <p:attrName>style.visibility</p:attrName>
+                                        </p:attrNameLst>
+                                      </p:cBhvr>
+                                      <p:to>
+                                        <p:strVal val="visible"/>
+                                      </p:to>
+                                    </p:set>
+                                    <p:animEffect transition="in" filter="fade">
+                                      <p:cBhvr>
+                                        <p:cTn id="7" dur="500"/>
+                                        <p:tgtEl>
+                                          <p:spTgt spid="11"/>
+                                        </p:tgtEl>
+                                      </p:cBhvr>
+                                    </p:animEffect>
+                                  </p:childTnLst>
+                                </p:cTn>
+                              </p:par>
+                            </p:childTnLst>
+                          </p:cTn>
+                        </p:par>
+                      </p:childTnLst>
+                    </p:cTn>
+                  </p:par>
+                  <p:par>
+                    <p:cTn id="8" fill="hold">
+                      <p:stCondLst>
+                        <p:cond delay="indefinite"/>
+                      </p:stCondLst>
+                      <p:childTnLst>
+                        <p:par>
+                          <p:cTn id="9" fill="hold">
+                            <p:stCondLst>
+                              <p:cond delay="0"/>
+                            </p:stCondLst>
+                            <p:childTnLst>
+                              <p:par>
+                                <p:cTn id="10" presetID="10" presetClass="entr" presetSubtype="0" fill="hold" grpId="0" nodeType="clickEffect">
+                                  <p:stCondLst>
+                                    <p:cond delay="0"/>
+                                  </p:stCondLst>
+                                  <p:childTnLst>
+                                    <p:set>
+                                      <p:cBhvr>
+                                        <p:cTn id="11" dur="1" fill="hold">
+                                          <p:stCondLst>
+                                            <p:cond delay="0"/>
+                                          </p:stCondLst>
+                                        </p:cTn>
+                                        <p:tgtEl>
+                                          <p:spTgt spid="9"/>
+                                        </p:tgtEl>
+                                        <p:attrNameLst>
+                                          <p:attrName>style.visibility</p:attrName>
+                                        </p:attrNameLst>
+                                      </p:cBhvr>
+                                      <p:to>
+                                        <p:strVal val="visible"/>
+                                      </p:to>
+                                    </p:set>
+                                    <p:animEffect transition="in" filter="fade">
+                                      <p:cBhvr>
+                                        <p:cTn id="12" dur="500"/>
+                                        <p:tgtEl>
+                                          <p:spTgt spid="9"/>
+                                        </p:tgtEl>
+                                      </p:cBhvr>
+                                    </p:animEffect>
+                                  </p:childTnLst>
+                                </p:cTn>
+                              </p:par>
+                            </p:childTnLst>
+                          </p:cTn>
+                        </p:par>
+                      </p:childTnLst>
+                    </p:cTn>
+                  </p:par>
+                  <p:par>
+                    <p:cTn id="13" fill="hold">
+                      <p:stCondLst>
+                        <p:cond delay="indefinite"/>
+                      </p:stCondLst>
+                      <p:childTnLst>
+                        <p:par>
+                          <p:cTn id="14" fill="hold">
+                            <p:stCondLst>
+                              <p:cond delay="0"/>
+                            </p:stCondLst>
+                            <p:childTnLst>
+                              <p:par>
+                                <p:cTn id="15" presetID="10" presetClass="entr" presetSubtype="0" fill="hold" grpId="0" nodeType="clickEffect">
+                                  <p:stCondLst>
+                                    <p:cond delay="0"/>
+                                  </p:stCondLst>
+                                  <p:childTnLst>
+                                    <p:set>
+                                      <p:cBhvr>
+                                        <p:cTn id="16" dur="1" fill="hold">
+                                          <p:stCondLst>
+                                            <p:cond delay="0"/>
+                                          </p:stCondLst>
+                                        </p:cTn>
+                                        <p:tgtEl>
+                                          <p:spTgt spid="10"/>
+                                        </p:tgtEl>
+                                        <p:attrNameLst>
+                                          <p:attrName>style.visibility</p:attrName>
+                                        </p:attrNameLst>
+                                      </p:cBhvr>
+                                      <p:to>
+                                        <p:strVal val="visible"/>
+                                      </p:to>
+                                    </p:set>
+                                    <p:animEffect transition="in" filter="fade">
+                                      <p:cBhvr>
+                                        <p:cTn id="17" dur="500"/>
+                                        <p:tgtEl>
+                                          <p:spTgt spid="10"/>
+                                        </p:tgtEl>
+                                      </p:cBhvr>
+                                    </p:animEffect>
+                                  </p:childTnLst>
+                                </p:cTn>
+                              </p:par>
+                              <p:par>
+                                <p:cTn id="18" presetID="10" presetClass="exit" presetSubtype="0" fill="hold" grpId="1" nodeType="withEffect">
+                                  <p:stCondLst>
+                                    <p:cond delay="0"/>
+                                  </p:stCondLst>
+                                  <p:childTnLst>
+                                    <p:animEffect transition="out" filter="fade">
+                                      <p:cBhvr>
+                                        <p:cTn id="19" dur="500"/>
+                                        <p:tgtEl>
+                                          <p:spTgt spid="9"/>
+                                        </p:tgtEl>
+                                      </p:cBhvr>
+                                    </p:animEffect>
+                                    <p:set>
+                                      <p:cBhvr>
+                                        <p:cTn id="20" dur="1" fill="hold">
+                                          <p:stCondLst>
+                                            <p:cond delay="499"/>
+                                          </p:stCondLst>
+                                        </p:cTn>
+                                        <p:tgtEl>
+                                          <p:spTgt spid="9"/>
+                                        </p:tgtEl>
+                                        <p:attrNameLst>
+                                          <p:attrName>style.visibility</p:attrName>
+                                        </p:attrNameLst>
+                                      </p:cBhvr>
+                                      <p:to>
+                                        <p:strVal val="hidden"/>
+                                      </p:to>
+                                    </p:set>
+                                  </p:childTnLst>
+                                </p:cTn>
+                              </p:par>
+                            </p:childTnLst>
+                          </p:cTn>
+                        </p:par>
+                      </p:childTnLst>
+                    </p:cTn>
+                  </p:par>
+                </p:childTnLst>
+              </p:cTn>
+              <p:prevCondLst>
+                <p:cond evt="onPrev" delay="0">
+                  <p:tgtEl>
+                    <p:sldTgt/>
+                  </p:tgtEl>
+                </p:cond>
+              </p:prevCondLst>
+              <p:nextCondLst>
+                <p:cond evt="onNext" delay="0">
+                  <p:tgtEl>
+                    <p:sldTgt/>
+                  </p:tgtEl>
+                </p:cond>
+              </p:nextCondLst>
+            </p:seq>
+          </p:childTnLst>
+        </p:cTn>
+      </p:par>
+    </p:tnLst>
+    <p:bldLst>
+      <p:bldP spid="9" grpId="0" animBg="1"/>
+      <p:bldP spid="9" grpId="1" animBg="1"/>
+      <p:bldP spid="10" grpId="0" animBg="1"/>
+    </p:bldLst>
+  </p:timing>
 </p:sld>
 </file>
 
-<file path=ppt/slides/slide6.xml><?xml version="1.0" encoding="utf-8"?>
+<file path=ppt/slides/slide5.xml><?xml version="1.0" encoding="utf-8"?>
 <p:sld xmlns:a="http://schemas.openxmlformats.org/drawingml/2006/main" xmlns:r="http://schemas.openxmlformats.org/officeDocument/2006/relationships" xmlns:p="http://schemas.openxmlformats.org/presentationml/2006/main">
   <p:cSld>
     <p:spTree>
@@ -7828,6 +8681,112 @@
                       </p:childTnLst>
                     </p:cTn>
                   </p:par>
+                  <p:par>
+                    <p:cTn id="8" fill="hold">
+                      <p:stCondLst>
+                        <p:cond delay="indefinite"/>
+                      </p:stCondLst>
+                      <p:childTnLst>
+                        <p:par>
+                          <p:cTn id="9" fill="hold">
+                            <p:stCondLst>
+                              <p:cond delay="0"/>
+                            </p:stCondLst>
+                            <p:childTnLst>
+                              <p:par>
+                                <p:cTn id="10" presetID="10" presetClass="entr" presetSubtype="0" fill="hold" nodeType="clickEffect">
+                                  <p:stCondLst>
+                                    <p:cond delay="0"/>
+                                  </p:stCondLst>
+                                  <p:childTnLst>
+                                    <p:set>
+                                      <p:cBhvr>
+                                        <p:cTn id="11" dur="1" fill="hold">
+                                          <p:stCondLst>
+                                            <p:cond delay="0"/>
+                                          </p:stCondLst>
+                                        </p:cTn>
+                                        <p:tgtEl>
+                                          <p:spTgt spid="58"/>
+                                        </p:tgtEl>
+                                        <p:attrNameLst>
+                                          <p:attrName>style.visibility</p:attrName>
+                                        </p:attrNameLst>
+                                      </p:cBhvr>
+                                      <p:to>
+                                        <p:strVal val="visible"/>
+                                      </p:to>
+                                    </p:set>
+                                    <p:animEffect transition="in" filter="fade">
+                                      <p:cBhvr>
+                                        <p:cTn id="12" dur="500"/>
+                                        <p:tgtEl>
+                                          <p:spTgt spid="58"/>
+                                        </p:tgtEl>
+                                      </p:cBhvr>
+                                    </p:animEffect>
+                                  </p:childTnLst>
+                                </p:cTn>
+                              </p:par>
+                            </p:childTnLst>
+                          </p:cTn>
+                        </p:par>
+                      </p:childTnLst>
+                    </p:cTn>
+                  </p:par>
+                  <p:par>
+                    <p:cTn id="13" fill="hold">
+                      <p:stCondLst>
+                        <p:cond delay="indefinite"/>
+                      </p:stCondLst>
+                      <p:childTnLst>
+                        <p:par>
+                          <p:cTn id="14" fill="hold">
+                            <p:stCondLst>
+                              <p:cond delay="0"/>
+                            </p:stCondLst>
+                            <p:childTnLst>
+                              <p:par>
+                                <p:cTn id="15" presetID="10" presetClass="entr" presetSubtype="0" fill="hold" nodeType="clickEffect">
+                                  <p:stCondLst>
+                                    <p:cond delay="0"/>
+                                  </p:stCondLst>
+                                  <p:childTnLst>
+                                    <p:set>
+                                      <p:cBhvr>
+                                        <p:cTn id="16" dur="1" fill="hold">
+                                          <p:stCondLst>
+                                            <p:cond delay="0"/>
+                                          </p:stCondLst>
+                                        </p:cTn>
+                                        <p:tgtEl>
+                                          <p:spTgt spid="60"/>
+                                        </p:tgtEl>
+                                        <p:attrNameLst>
+                                          <p:attrName>style.visibility</p:attrName>
+                                        </p:attrNameLst>
+                                      </p:cBhvr>
+                                      <p:to>
+                                        <p:strVal val="visible"/>
+                                      </p:to>
+                                    </p:set>
+                                    <p:animEffect transition="in" filter="fade">
+                                      <p:cBhvr>
+                                        <p:cTn id="17" dur="500"/>
+                                        <p:tgtEl>
+                                          <p:spTgt spid="60"/>
+                                        </p:tgtEl>
+                                      </p:cBhvr>
+                                    </p:animEffect>
+                                  </p:childTnLst>
+                                </p:cTn>
+                              </p:par>
+                            </p:childTnLst>
+                          </p:cTn>
+                        </p:par>
+                      </p:childTnLst>
+                    </p:cTn>
+                  </p:par>
                 </p:childTnLst>
               </p:cTn>
               <p:prevCondLst>
@@ -7853,7 +8812,1013 @@
 </p:sld>
 </file>
 
+<file path=ppt/slides/slide6.xml><?xml version="1.0" encoding="utf-8"?>
+<p:sld xmlns:a="http://schemas.openxmlformats.org/drawingml/2006/main" xmlns:r="http://schemas.openxmlformats.org/officeDocument/2006/relationships" xmlns:p="http://schemas.openxmlformats.org/presentationml/2006/main">
+  <p:cSld>
+    <p:spTree>
+      <p:nvGrpSpPr>
+        <p:cNvPr id="1" name=""/>
+        <p:cNvGrpSpPr/>
+        <p:nvPr/>
+      </p:nvGrpSpPr>
+      <p:grpSpPr>
+        <a:xfrm>
+          <a:off x="0" y="0"/>
+          <a:ext cx="0" cy="0"/>
+          <a:chOff x="0" y="0"/>
+          <a:chExt cx="0" cy="0"/>
+        </a:xfrm>
+      </p:grpSpPr>
+      <p:sp>
+        <p:nvSpPr>
+          <p:cNvPr id="2" name="标题 1">
+            <a:extLst>
+              <a:ext uri="{FF2B5EF4-FFF2-40B4-BE49-F238E27FC236}">
+                <a16:creationId xmlns:a16="http://schemas.microsoft.com/office/drawing/2014/main" id="{F275D3FE-612F-3E2E-250C-6ACACBF8621D}"/>
+              </a:ext>
+            </a:extLst>
+          </p:cNvPr>
+          <p:cNvSpPr>
+            <a:spLocks noGrp="1"/>
+          </p:cNvSpPr>
+          <p:nvPr>
+            <p:ph type="title"/>
+          </p:nvPr>
+        </p:nvSpPr>
+        <p:spPr>
+          <a:xfrm>
+            <a:off x="99695" y="2396103"/>
+            <a:ext cx="11992610" cy="1325563"/>
+          </a:xfrm>
+        </p:spPr>
+        <p:txBody>
+          <a:bodyPr>
+            <a:noAutofit/>
+          </a:bodyPr>
+          <a:lstStyle/>
+          <a:p>
+            <a:pPr algn="ctr">
+              <a:lnSpc>
+                <a:spcPct val="150000"/>
+              </a:lnSpc>
+            </a:pPr>
+            <a:r>
+              <a:rPr lang="en-US" altLang="zh-CN" sz="4800" b="0" i="1" dirty="0">
+                <a:effectLst/>
+                <a:latin typeface="Avenir Book" panose="02000503020000020003" pitchFamily="2" charset="0"/>
+              </a:rPr>
+              <a:t>Part 2: Visual Interface</a:t>
+            </a:r>
+            <a:endParaRPr lang="zh-CN" altLang="en-US" sz="4800" dirty="0">
+              <a:latin typeface="Avenir Book" panose="02000503020000020003" pitchFamily="2" charset="0"/>
+            </a:endParaRPr>
+          </a:p>
+        </p:txBody>
+      </p:sp>
+    </p:spTree>
+    <p:extLst>
+      <p:ext uri="{BB962C8B-B14F-4D97-AF65-F5344CB8AC3E}">
+        <p14:creationId xmlns:p14="http://schemas.microsoft.com/office/powerpoint/2010/main" val="3084076438"/>
+      </p:ext>
+    </p:extLst>
+  </p:cSld>
+  <p:clrMapOvr>
+    <a:masterClrMapping/>
+  </p:clrMapOvr>
+</p:sld>
+</file>
+
 <file path=ppt/slides/slide7.xml><?xml version="1.0" encoding="utf-8"?>
+<p:sld xmlns:a="http://schemas.openxmlformats.org/drawingml/2006/main" xmlns:r="http://schemas.openxmlformats.org/officeDocument/2006/relationships" xmlns:p="http://schemas.openxmlformats.org/presentationml/2006/main">
+  <p:cSld>
+    <p:spTree>
+      <p:nvGrpSpPr>
+        <p:cNvPr id="1" name=""/>
+        <p:cNvGrpSpPr/>
+        <p:nvPr/>
+      </p:nvGrpSpPr>
+      <p:grpSpPr>
+        <a:xfrm>
+          <a:off x="0" y="0"/>
+          <a:ext cx="0" cy="0"/>
+          <a:chOff x="0" y="0"/>
+          <a:chExt cx="0" cy="0"/>
+        </a:xfrm>
+      </p:grpSpPr>
+      <p:sp>
+        <p:nvSpPr>
+          <p:cNvPr id="11" name="文本框 10">
+            <a:extLst>
+              <a:ext uri="{FF2B5EF4-FFF2-40B4-BE49-F238E27FC236}">
+                <a16:creationId xmlns:a16="http://schemas.microsoft.com/office/drawing/2014/main" id="{25E2FF0D-D684-BFA1-A642-9DEE8E8D9951}"/>
+              </a:ext>
+            </a:extLst>
+          </p:cNvPr>
+          <p:cNvSpPr txBox="1"/>
+          <p:nvPr/>
+        </p:nvSpPr>
+        <p:spPr>
+          <a:xfrm>
+            <a:off x="409073" y="228599"/>
+            <a:ext cx="2921956" cy="523220"/>
+          </a:xfrm>
+          <a:prstGeom prst="rect">
+            <a:avLst/>
+          </a:prstGeom>
+          <a:noFill/>
+        </p:spPr>
+        <p:txBody>
+          <a:bodyPr wrap="square" rtlCol="0">
+            <a:spAutoFit/>
+          </a:bodyPr>
+          <a:lstStyle/>
+          <a:p>
+            <a:r>
+              <a:rPr lang="en-US" altLang="zh-CN" sz="2800" dirty="0">
+                <a:latin typeface="Avenir Book" panose="02000503020000020003" pitchFamily="2" charset="0"/>
+                <a:cs typeface="Arial" panose="020B0604020202020204" pitchFamily="34" charset="0"/>
+              </a:rPr>
+              <a:t>Visual</a:t>
+            </a:r>
+            <a:r>
+              <a:rPr lang="zh-CN" altLang="en-US" sz="2800" dirty="0">
+                <a:latin typeface="Avenir Book" panose="02000503020000020003" pitchFamily="2" charset="0"/>
+                <a:cs typeface="Arial" panose="020B0604020202020204" pitchFamily="34" charset="0"/>
+              </a:rPr>
+              <a:t> </a:t>
+            </a:r>
+            <a:r>
+              <a:rPr lang="en-US" altLang="zh-CN" sz="2800" dirty="0">
+                <a:latin typeface="Avenir Book" panose="02000503020000020003" pitchFamily="2" charset="0"/>
+                <a:cs typeface="Arial" panose="020B0604020202020204" pitchFamily="34" charset="0"/>
+              </a:rPr>
+              <a:t>Interface</a:t>
+            </a:r>
+          </a:p>
+        </p:txBody>
+      </p:sp>
+      <p:sp>
+        <p:nvSpPr>
+          <p:cNvPr id="12" name="矩形 11">
+            <a:extLst>
+              <a:ext uri="{FF2B5EF4-FFF2-40B4-BE49-F238E27FC236}">
+                <a16:creationId xmlns:a16="http://schemas.microsoft.com/office/drawing/2014/main" id="{28BA4596-B1D6-BD01-5611-80DDE244491A}"/>
+              </a:ext>
+            </a:extLst>
+          </p:cNvPr>
+          <p:cNvSpPr/>
+          <p:nvPr/>
+        </p:nvSpPr>
+        <p:spPr>
+          <a:xfrm flipV="1">
+            <a:off x="288758" y="228600"/>
+            <a:ext cx="120315" cy="522938"/>
+          </a:xfrm>
+          <a:prstGeom prst="rect">
+            <a:avLst/>
+          </a:prstGeom>
+          <a:ln>
+            <a:solidFill>
+              <a:srgbClr val="2F528F">
+                <a:alpha val="0"/>
+              </a:srgbClr>
+            </a:solidFill>
+          </a:ln>
+        </p:spPr>
+        <p:style>
+          <a:lnRef idx="2">
+            <a:schemeClr val="accent1">
+              <a:shade val="50000"/>
+            </a:schemeClr>
+          </a:lnRef>
+          <a:fillRef idx="1">
+            <a:schemeClr val="accent1"/>
+          </a:fillRef>
+          <a:effectRef idx="0">
+            <a:schemeClr val="accent1"/>
+          </a:effectRef>
+          <a:fontRef idx="minor">
+            <a:schemeClr val="lt1"/>
+          </a:fontRef>
+        </p:style>
+        <p:txBody>
+          <a:bodyPr rtlCol="0" anchor="ctr"/>
+          <a:lstStyle/>
+          <a:p>
+            <a:pPr algn="ctr"/>
+            <a:endParaRPr kumimoji="1" lang="zh-CN" altLang="en-US"/>
+          </a:p>
+        </p:txBody>
+      </p:sp>
+      <p:pic>
+        <p:nvPicPr>
+          <p:cNvPr id="3" name="图片 2">
+            <a:extLst>
+              <a:ext uri="{FF2B5EF4-FFF2-40B4-BE49-F238E27FC236}">
+                <a16:creationId xmlns:a16="http://schemas.microsoft.com/office/drawing/2014/main" id="{1A79DABA-5302-597F-BED6-189A2FCD8DEC}"/>
+              </a:ext>
+            </a:extLst>
+          </p:cNvPr>
+          <p:cNvPicPr>
+            <a:picLocks noChangeAspect="1"/>
+          </p:cNvPicPr>
+          <p:nvPr/>
+        </p:nvPicPr>
+        <p:blipFill>
+          <a:blip r:embed="rId3"/>
+          <a:stretch>
+            <a:fillRect/>
+          </a:stretch>
+        </p:blipFill>
+        <p:spPr>
+          <a:xfrm>
+            <a:off x="-7416" y="-1"/>
+            <a:ext cx="12204000" cy="6864750"/>
+          </a:xfrm>
+          <a:prstGeom prst="rect">
+            <a:avLst/>
+          </a:prstGeom>
+        </p:spPr>
+      </p:pic>
+      <p:sp>
+        <p:nvSpPr>
+          <p:cNvPr id="5" name="矩形 4">
+            <a:extLst>
+              <a:ext uri="{FF2B5EF4-FFF2-40B4-BE49-F238E27FC236}">
+                <a16:creationId xmlns:a16="http://schemas.microsoft.com/office/drawing/2014/main" id="{9354C02C-E238-F63C-05CE-56D2D014A676}"/>
+              </a:ext>
+            </a:extLst>
+          </p:cNvPr>
+          <p:cNvSpPr/>
+          <p:nvPr/>
+        </p:nvSpPr>
+        <p:spPr>
+          <a:xfrm>
+            <a:off x="6875" y="282727"/>
+            <a:ext cx="1918178" cy="3333621"/>
+          </a:xfrm>
+          <a:prstGeom prst="rect">
+            <a:avLst/>
+          </a:prstGeom>
+          <a:noFill/>
+          <a:ln w="28575">
+            <a:solidFill>
+              <a:srgbClr val="FF0000"/>
+            </a:solidFill>
+            <a:prstDash val="solid"/>
+          </a:ln>
+        </p:spPr>
+        <p:style>
+          <a:lnRef idx="2">
+            <a:schemeClr val="accent1">
+              <a:shade val="50000"/>
+            </a:schemeClr>
+          </a:lnRef>
+          <a:fillRef idx="1">
+            <a:schemeClr val="accent1"/>
+          </a:fillRef>
+          <a:effectRef idx="0">
+            <a:schemeClr val="accent1"/>
+          </a:effectRef>
+          <a:fontRef idx="minor">
+            <a:schemeClr val="lt1"/>
+          </a:fontRef>
+        </p:style>
+        <p:txBody>
+          <a:bodyPr rtlCol="0" anchor="ctr"/>
+          <a:lstStyle/>
+          <a:p>
+            <a:pPr algn="ctr"/>
+            <a:endParaRPr lang="zh-CN" altLang="en-US"/>
+          </a:p>
+        </p:txBody>
+      </p:sp>
+      <p:sp>
+        <p:nvSpPr>
+          <p:cNvPr id="13" name="矩形 12">
+            <a:extLst>
+              <a:ext uri="{FF2B5EF4-FFF2-40B4-BE49-F238E27FC236}">
+                <a16:creationId xmlns:a16="http://schemas.microsoft.com/office/drawing/2014/main" id="{D0E41267-E02D-985F-1668-318F88DF8076}"/>
+              </a:ext>
+            </a:extLst>
+          </p:cNvPr>
+          <p:cNvSpPr/>
+          <p:nvPr/>
+        </p:nvSpPr>
+        <p:spPr>
+          <a:xfrm>
+            <a:off x="1931927" y="282727"/>
+            <a:ext cx="3190087" cy="3333621"/>
+          </a:xfrm>
+          <a:prstGeom prst="rect">
+            <a:avLst/>
+          </a:prstGeom>
+          <a:noFill/>
+          <a:ln w="28575">
+            <a:solidFill>
+              <a:srgbClr val="FF0000"/>
+            </a:solidFill>
+            <a:prstDash val="solid"/>
+          </a:ln>
+        </p:spPr>
+        <p:style>
+          <a:lnRef idx="2">
+            <a:schemeClr val="accent1">
+              <a:shade val="50000"/>
+            </a:schemeClr>
+          </a:lnRef>
+          <a:fillRef idx="1">
+            <a:schemeClr val="accent1"/>
+          </a:fillRef>
+          <a:effectRef idx="0">
+            <a:schemeClr val="accent1"/>
+          </a:effectRef>
+          <a:fontRef idx="minor">
+            <a:schemeClr val="lt1"/>
+          </a:fontRef>
+        </p:style>
+        <p:txBody>
+          <a:bodyPr rtlCol="0" anchor="ctr"/>
+          <a:lstStyle/>
+          <a:p>
+            <a:pPr algn="ctr"/>
+            <a:endParaRPr lang="zh-CN" altLang="en-US"/>
+          </a:p>
+        </p:txBody>
+      </p:sp>
+      <p:sp>
+        <p:nvSpPr>
+          <p:cNvPr id="14" name="矩形 13">
+            <a:extLst>
+              <a:ext uri="{FF2B5EF4-FFF2-40B4-BE49-F238E27FC236}">
+                <a16:creationId xmlns:a16="http://schemas.microsoft.com/office/drawing/2014/main" id="{D66B0C5C-CB4B-F7AE-0AB2-528533573116}"/>
+              </a:ext>
+            </a:extLst>
+          </p:cNvPr>
+          <p:cNvSpPr/>
+          <p:nvPr/>
+        </p:nvSpPr>
+        <p:spPr>
+          <a:xfrm>
+            <a:off x="5122014" y="282726"/>
+            <a:ext cx="7063112" cy="2934861"/>
+          </a:xfrm>
+          <a:prstGeom prst="rect">
+            <a:avLst/>
+          </a:prstGeom>
+          <a:noFill/>
+          <a:ln w="28575">
+            <a:solidFill>
+              <a:srgbClr val="FF0000"/>
+            </a:solidFill>
+            <a:prstDash val="solid"/>
+          </a:ln>
+        </p:spPr>
+        <p:style>
+          <a:lnRef idx="2">
+            <a:schemeClr val="accent1">
+              <a:shade val="50000"/>
+            </a:schemeClr>
+          </a:lnRef>
+          <a:fillRef idx="1">
+            <a:schemeClr val="accent1"/>
+          </a:fillRef>
+          <a:effectRef idx="0">
+            <a:schemeClr val="accent1"/>
+          </a:effectRef>
+          <a:fontRef idx="minor">
+            <a:schemeClr val="lt1"/>
+          </a:fontRef>
+        </p:style>
+        <p:txBody>
+          <a:bodyPr rtlCol="0" anchor="ctr"/>
+          <a:lstStyle/>
+          <a:p>
+            <a:pPr algn="ctr"/>
+            <a:endParaRPr lang="zh-CN" altLang="en-US"/>
+          </a:p>
+        </p:txBody>
+      </p:sp>
+      <p:sp>
+        <p:nvSpPr>
+          <p:cNvPr id="15" name="矩形 14">
+            <a:extLst>
+              <a:ext uri="{FF2B5EF4-FFF2-40B4-BE49-F238E27FC236}">
+                <a16:creationId xmlns:a16="http://schemas.microsoft.com/office/drawing/2014/main" id="{5A4383C1-4960-361C-D309-5966BF9E6DA5}"/>
+              </a:ext>
+            </a:extLst>
+          </p:cNvPr>
+          <p:cNvSpPr/>
+          <p:nvPr/>
+        </p:nvSpPr>
+        <p:spPr>
+          <a:xfrm>
+            <a:off x="6874" y="3616348"/>
+            <a:ext cx="5115139" cy="3241652"/>
+          </a:xfrm>
+          <a:prstGeom prst="rect">
+            <a:avLst/>
+          </a:prstGeom>
+          <a:noFill/>
+          <a:ln w="28575">
+            <a:solidFill>
+              <a:srgbClr val="FF0000"/>
+            </a:solidFill>
+            <a:prstDash val="solid"/>
+          </a:ln>
+        </p:spPr>
+        <p:style>
+          <a:lnRef idx="2">
+            <a:schemeClr val="accent1">
+              <a:shade val="50000"/>
+            </a:schemeClr>
+          </a:lnRef>
+          <a:fillRef idx="1">
+            <a:schemeClr val="accent1"/>
+          </a:fillRef>
+          <a:effectRef idx="0">
+            <a:schemeClr val="accent1"/>
+          </a:effectRef>
+          <a:fontRef idx="minor">
+            <a:schemeClr val="lt1"/>
+          </a:fontRef>
+        </p:style>
+        <p:txBody>
+          <a:bodyPr rtlCol="0" anchor="ctr"/>
+          <a:lstStyle/>
+          <a:p>
+            <a:pPr algn="ctr"/>
+            <a:endParaRPr lang="zh-CN" altLang="en-US"/>
+          </a:p>
+        </p:txBody>
+      </p:sp>
+      <p:sp>
+        <p:nvSpPr>
+          <p:cNvPr id="17" name="矩形 16">
+            <a:extLst>
+              <a:ext uri="{FF2B5EF4-FFF2-40B4-BE49-F238E27FC236}">
+                <a16:creationId xmlns:a16="http://schemas.microsoft.com/office/drawing/2014/main" id="{D68B68C5-D0AA-9154-F220-332316E03973}"/>
+              </a:ext>
+            </a:extLst>
+          </p:cNvPr>
+          <p:cNvSpPr/>
+          <p:nvPr/>
+        </p:nvSpPr>
+        <p:spPr>
+          <a:xfrm>
+            <a:off x="5128887" y="3217586"/>
+            <a:ext cx="7063112" cy="3640413"/>
+          </a:xfrm>
+          <a:prstGeom prst="rect">
+            <a:avLst/>
+          </a:prstGeom>
+          <a:noFill/>
+          <a:ln w="28575">
+            <a:solidFill>
+              <a:srgbClr val="FF0000"/>
+            </a:solidFill>
+            <a:prstDash val="solid"/>
+          </a:ln>
+        </p:spPr>
+        <p:style>
+          <a:lnRef idx="2">
+            <a:schemeClr val="accent1">
+              <a:shade val="50000"/>
+            </a:schemeClr>
+          </a:lnRef>
+          <a:fillRef idx="1">
+            <a:schemeClr val="accent1"/>
+          </a:fillRef>
+          <a:effectRef idx="0">
+            <a:schemeClr val="accent1"/>
+          </a:effectRef>
+          <a:fontRef idx="minor">
+            <a:schemeClr val="lt1"/>
+          </a:fontRef>
+        </p:style>
+        <p:txBody>
+          <a:bodyPr rtlCol="0" anchor="ctr"/>
+          <a:lstStyle/>
+          <a:p>
+            <a:pPr algn="ctr"/>
+            <a:endParaRPr lang="zh-CN" altLang="en-US"/>
+          </a:p>
+        </p:txBody>
+      </p:sp>
+    </p:spTree>
+    <p:extLst>
+      <p:ext uri="{BB962C8B-B14F-4D97-AF65-F5344CB8AC3E}">
+        <p14:creationId xmlns:p14="http://schemas.microsoft.com/office/powerpoint/2010/main" val="341165154"/>
+      </p:ext>
+    </p:extLst>
+  </p:cSld>
+  <p:clrMapOvr>
+    <a:masterClrMapping/>
+  </p:clrMapOvr>
+  <p:timing>
+    <p:tnLst>
+      <p:par>
+        <p:cTn id="1" dur="indefinite" restart="never" nodeType="tmRoot">
+          <p:childTnLst>
+            <p:seq concurrent="1" nextAc="seek">
+              <p:cTn id="2" dur="indefinite" nodeType="mainSeq">
+                <p:childTnLst>
+                  <p:par>
+                    <p:cTn id="3" fill="hold">
+                      <p:stCondLst>
+                        <p:cond delay="indefinite"/>
+                      </p:stCondLst>
+                      <p:childTnLst>
+                        <p:par>
+                          <p:cTn id="4" fill="hold">
+                            <p:stCondLst>
+                              <p:cond delay="0"/>
+                            </p:stCondLst>
+                            <p:childTnLst>
+                              <p:par>
+                                <p:cTn id="5" presetID="10" presetClass="entr" presetSubtype="0" fill="hold" grpId="1" nodeType="clickEffect">
+                                  <p:stCondLst>
+                                    <p:cond delay="0"/>
+                                  </p:stCondLst>
+                                  <p:childTnLst>
+                                    <p:set>
+                                      <p:cBhvr>
+                                        <p:cTn id="6" dur="1" fill="hold">
+                                          <p:stCondLst>
+                                            <p:cond delay="0"/>
+                                          </p:stCondLst>
+                                        </p:cTn>
+                                        <p:tgtEl>
+                                          <p:spTgt spid="5"/>
+                                        </p:tgtEl>
+                                        <p:attrNameLst>
+                                          <p:attrName>style.visibility</p:attrName>
+                                        </p:attrNameLst>
+                                      </p:cBhvr>
+                                      <p:to>
+                                        <p:strVal val="visible"/>
+                                      </p:to>
+                                    </p:set>
+                                    <p:animEffect transition="in" filter="fade">
+                                      <p:cBhvr>
+                                        <p:cTn id="7" dur="500"/>
+                                        <p:tgtEl>
+                                          <p:spTgt spid="5"/>
+                                        </p:tgtEl>
+                                      </p:cBhvr>
+                                    </p:animEffect>
+                                  </p:childTnLst>
+                                </p:cTn>
+                              </p:par>
+                            </p:childTnLst>
+                          </p:cTn>
+                        </p:par>
+                      </p:childTnLst>
+                    </p:cTn>
+                  </p:par>
+                  <p:par>
+                    <p:cTn id="8" fill="hold">
+                      <p:stCondLst>
+                        <p:cond delay="indefinite"/>
+                      </p:stCondLst>
+                      <p:childTnLst>
+                        <p:par>
+                          <p:cTn id="9" fill="hold">
+                            <p:stCondLst>
+                              <p:cond delay="0"/>
+                            </p:stCondLst>
+                            <p:childTnLst>
+                              <p:par>
+                                <p:cTn id="10" presetID="10" presetClass="exit" presetSubtype="0" fill="hold" grpId="0" nodeType="clickEffect">
+                                  <p:stCondLst>
+                                    <p:cond delay="0"/>
+                                  </p:stCondLst>
+                                  <p:childTnLst>
+                                    <p:animEffect transition="out" filter="fade">
+                                      <p:cBhvr>
+                                        <p:cTn id="11" dur="500"/>
+                                        <p:tgtEl>
+                                          <p:spTgt spid="5"/>
+                                        </p:tgtEl>
+                                      </p:cBhvr>
+                                    </p:animEffect>
+                                    <p:set>
+                                      <p:cBhvr>
+                                        <p:cTn id="12" dur="1" fill="hold">
+                                          <p:stCondLst>
+                                            <p:cond delay="499"/>
+                                          </p:stCondLst>
+                                        </p:cTn>
+                                        <p:tgtEl>
+                                          <p:spTgt spid="5"/>
+                                        </p:tgtEl>
+                                        <p:attrNameLst>
+                                          <p:attrName>style.visibility</p:attrName>
+                                        </p:attrNameLst>
+                                      </p:cBhvr>
+                                      <p:to>
+                                        <p:strVal val="hidden"/>
+                                      </p:to>
+                                    </p:set>
+                                  </p:childTnLst>
+                                </p:cTn>
+                              </p:par>
+                              <p:par>
+                                <p:cTn id="13" presetID="10" presetClass="entr" presetSubtype="0" fill="hold" grpId="0" nodeType="withEffect">
+                                  <p:stCondLst>
+                                    <p:cond delay="0"/>
+                                  </p:stCondLst>
+                                  <p:childTnLst>
+                                    <p:set>
+                                      <p:cBhvr>
+                                        <p:cTn id="14" dur="1" fill="hold">
+                                          <p:stCondLst>
+                                            <p:cond delay="0"/>
+                                          </p:stCondLst>
+                                        </p:cTn>
+                                        <p:tgtEl>
+                                          <p:spTgt spid="13"/>
+                                        </p:tgtEl>
+                                        <p:attrNameLst>
+                                          <p:attrName>style.visibility</p:attrName>
+                                        </p:attrNameLst>
+                                      </p:cBhvr>
+                                      <p:to>
+                                        <p:strVal val="visible"/>
+                                      </p:to>
+                                    </p:set>
+                                    <p:animEffect transition="in" filter="fade">
+                                      <p:cBhvr>
+                                        <p:cTn id="15" dur="500"/>
+                                        <p:tgtEl>
+                                          <p:spTgt spid="13"/>
+                                        </p:tgtEl>
+                                      </p:cBhvr>
+                                    </p:animEffect>
+                                  </p:childTnLst>
+                                </p:cTn>
+                              </p:par>
+                            </p:childTnLst>
+                          </p:cTn>
+                        </p:par>
+                      </p:childTnLst>
+                    </p:cTn>
+                  </p:par>
+                  <p:par>
+                    <p:cTn id="16" fill="hold">
+                      <p:stCondLst>
+                        <p:cond delay="indefinite"/>
+                      </p:stCondLst>
+                      <p:childTnLst>
+                        <p:par>
+                          <p:cTn id="17" fill="hold">
+                            <p:stCondLst>
+                              <p:cond delay="0"/>
+                            </p:stCondLst>
+                            <p:childTnLst>
+                              <p:par>
+                                <p:cTn id="18" presetID="10" presetClass="exit" presetSubtype="0" fill="hold" grpId="1" nodeType="clickEffect">
+                                  <p:stCondLst>
+                                    <p:cond delay="0"/>
+                                  </p:stCondLst>
+                                  <p:childTnLst>
+                                    <p:animEffect transition="out" filter="fade">
+                                      <p:cBhvr>
+                                        <p:cTn id="19" dur="500"/>
+                                        <p:tgtEl>
+                                          <p:spTgt spid="13"/>
+                                        </p:tgtEl>
+                                      </p:cBhvr>
+                                    </p:animEffect>
+                                    <p:set>
+                                      <p:cBhvr>
+                                        <p:cTn id="20" dur="1" fill="hold">
+                                          <p:stCondLst>
+                                            <p:cond delay="499"/>
+                                          </p:stCondLst>
+                                        </p:cTn>
+                                        <p:tgtEl>
+                                          <p:spTgt spid="13"/>
+                                        </p:tgtEl>
+                                        <p:attrNameLst>
+                                          <p:attrName>style.visibility</p:attrName>
+                                        </p:attrNameLst>
+                                      </p:cBhvr>
+                                      <p:to>
+                                        <p:strVal val="hidden"/>
+                                      </p:to>
+                                    </p:set>
+                                  </p:childTnLst>
+                                </p:cTn>
+                              </p:par>
+                              <p:par>
+                                <p:cTn id="21" presetID="10" presetClass="entr" presetSubtype="0" fill="hold" grpId="0" nodeType="withEffect">
+                                  <p:stCondLst>
+                                    <p:cond delay="0"/>
+                                  </p:stCondLst>
+                                  <p:childTnLst>
+                                    <p:set>
+                                      <p:cBhvr>
+                                        <p:cTn id="22" dur="1" fill="hold">
+                                          <p:stCondLst>
+                                            <p:cond delay="0"/>
+                                          </p:stCondLst>
+                                        </p:cTn>
+                                        <p:tgtEl>
+                                          <p:spTgt spid="14"/>
+                                        </p:tgtEl>
+                                        <p:attrNameLst>
+                                          <p:attrName>style.visibility</p:attrName>
+                                        </p:attrNameLst>
+                                      </p:cBhvr>
+                                      <p:to>
+                                        <p:strVal val="visible"/>
+                                      </p:to>
+                                    </p:set>
+                                    <p:animEffect transition="in" filter="fade">
+                                      <p:cBhvr>
+                                        <p:cTn id="23" dur="500"/>
+                                        <p:tgtEl>
+                                          <p:spTgt spid="14"/>
+                                        </p:tgtEl>
+                                      </p:cBhvr>
+                                    </p:animEffect>
+                                  </p:childTnLst>
+                                </p:cTn>
+                              </p:par>
+                            </p:childTnLst>
+                          </p:cTn>
+                        </p:par>
+                      </p:childTnLst>
+                    </p:cTn>
+                  </p:par>
+                  <p:par>
+                    <p:cTn id="24" fill="hold">
+                      <p:stCondLst>
+                        <p:cond delay="indefinite"/>
+                      </p:stCondLst>
+                      <p:childTnLst>
+                        <p:par>
+                          <p:cTn id="25" fill="hold">
+                            <p:stCondLst>
+                              <p:cond delay="0"/>
+                            </p:stCondLst>
+                            <p:childTnLst>
+                              <p:par>
+                                <p:cTn id="26" presetID="10" presetClass="exit" presetSubtype="0" fill="hold" grpId="1" nodeType="clickEffect">
+                                  <p:stCondLst>
+                                    <p:cond delay="0"/>
+                                  </p:stCondLst>
+                                  <p:childTnLst>
+                                    <p:animEffect transition="out" filter="fade">
+                                      <p:cBhvr>
+                                        <p:cTn id="27" dur="500"/>
+                                        <p:tgtEl>
+                                          <p:spTgt spid="14"/>
+                                        </p:tgtEl>
+                                      </p:cBhvr>
+                                    </p:animEffect>
+                                    <p:set>
+                                      <p:cBhvr>
+                                        <p:cTn id="28" dur="1" fill="hold">
+                                          <p:stCondLst>
+                                            <p:cond delay="499"/>
+                                          </p:stCondLst>
+                                        </p:cTn>
+                                        <p:tgtEl>
+                                          <p:spTgt spid="14"/>
+                                        </p:tgtEl>
+                                        <p:attrNameLst>
+                                          <p:attrName>style.visibility</p:attrName>
+                                        </p:attrNameLst>
+                                      </p:cBhvr>
+                                      <p:to>
+                                        <p:strVal val="hidden"/>
+                                      </p:to>
+                                    </p:set>
+                                  </p:childTnLst>
+                                </p:cTn>
+                              </p:par>
+                              <p:par>
+                                <p:cTn id="29" presetID="10" presetClass="entr" presetSubtype="0" fill="hold" grpId="0" nodeType="withEffect">
+                                  <p:stCondLst>
+                                    <p:cond delay="0"/>
+                                  </p:stCondLst>
+                                  <p:childTnLst>
+                                    <p:set>
+                                      <p:cBhvr>
+                                        <p:cTn id="30" dur="1" fill="hold">
+                                          <p:stCondLst>
+                                            <p:cond delay="0"/>
+                                          </p:stCondLst>
+                                        </p:cTn>
+                                        <p:tgtEl>
+                                          <p:spTgt spid="17"/>
+                                        </p:tgtEl>
+                                        <p:attrNameLst>
+                                          <p:attrName>style.visibility</p:attrName>
+                                        </p:attrNameLst>
+                                      </p:cBhvr>
+                                      <p:to>
+                                        <p:strVal val="visible"/>
+                                      </p:to>
+                                    </p:set>
+                                    <p:animEffect transition="in" filter="fade">
+                                      <p:cBhvr>
+                                        <p:cTn id="31" dur="500"/>
+                                        <p:tgtEl>
+                                          <p:spTgt spid="17"/>
+                                        </p:tgtEl>
+                                      </p:cBhvr>
+                                    </p:animEffect>
+                                  </p:childTnLst>
+                                </p:cTn>
+                              </p:par>
+                            </p:childTnLst>
+                          </p:cTn>
+                        </p:par>
+                      </p:childTnLst>
+                    </p:cTn>
+                  </p:par>
+                  <p:par>
+                    <p:cTn id="32" fill="hold">
+                      <p:stCondLst>
+                        <p:cond delay="indefinite"/>
+                      </p:stCondLst>
+                      <p:childTnLst>
+                        <p:par>
+                          <p:cTn id="33" fill="hold">
+                            <p:stCondLst>
+                              <p:cond delay="0"/>
+                            </p:stCondLst>
+                            <p:childTnLst>
+                              <p:par>
+                                <p:cTn id="34" presetID="10" presetClass="exit" presetSubtype="0" fill="hold" grpId="1" nodeType="clickEffect">
+                                  <p:stCondLst>
+                                    <p:cond delay="0"/>
+                                  </p:stCondLst>
+                                  <p:childTnLst>
+                                    <p:animEffect transition="out" filter="fade">
+                                      <p:cBhvr>
+                                        <p:cTn id="35" dur="500"/>
+                                        <p:tgtEl>
+                                          <p:spTgt spid="17"/>
+                                        </p:tgtEl>
+                                      </p:cBhvr>
+                                    </p:animEffect>
+                                    <p:set>
+                                      <p:cBhvr>
+                                        <p:cTn id="36" dur="1" fill="hold">
+                                          <p:stCondLst>
+                                            <p:cond delay="499"/>
+                                          </p:stCondLst>
+                                        </p:cTn>
+                                        <p:tgtEl>
+                                          <p:spTgt spid="17"/>
+                                        </p:tgtEl>
+                                        <p:attrNameLst>
+                                          <p:attrName>style.visibility</p:attrName>
+                                        </p:attrNameLst>
+                                      </p:cBhvr>
+                                      <p:to>
+                                        <p:strVal val="hidden"/>
+                                      </p:to>
+                                    </p:set>
+                                  </p:childTnLst>
+                                </p:cTn>
+                              </p:par>
+                              <p:par>
+                                <p:cTn id="37" presetID="10" presetClass="entr" presetSubtype="0" fill="hold" grpId="0" nodeType="withEffect">
+                                  <p:stCondLst>
+                                    <p:cond delay="0"/>
+                                  </p:stCondLst>
+                                  <p:childTnLst>
+                                    <p:set>
+                                      <p:cBhvr>
+                                        <p:cTn id="38" dur="1" fill="hold">
+                                          <p:stCondLst>
+                                            <p:cond delay="0"/>
+                                          </p:stCondLst>
+                                        </p:cTn>
+                                        <p:tgtEl>
+                                          <p:spTgt spid="15"/>
+                                        </p:tgtEl>
+                                        <p:attrNameLst>
+                                          <p:attrName>style.visibility</p:attrName>
+                                        </p:attrNameLst>
+                                      </p:cBhvr>
+                                      <p:to>
+                                        <p:strVal val="visible"/>
+                                      </p:to>
+                                    </p:set>
+                                    <p:animEffect transition="in" filter="fade">
+                                      <p:cBhvr>
+                                        <p:cTn id="39" dur="500"/>
+                                        <p:tgtEl>
+                                          <p:spTgt spid="15"/>
+                                        </p:tgtEl>
+                                      </p:cBhvr>
+                                    </p:animEffect>
+                                  </p:childTnLst>
+                                </p:cTn>
+                              </p:par>
+                            </p:childTnLst>
+                          </p:cTn>
+                        </p:par>
+                      </p:childTnLst>
+                    </p:cTn>
+                  </p:par>
+                  <p:par>
+                    <p:cTn id="40" fill="hold">
+                      <p:stCondLst>
+                        <p:cond delay="indefinite"/>
+                      </p:stCondLst>
+                      <p:childTnLst>
+                        <p:par>
+                          <p:cTn id="41" fill="hold">
+                            <p:stCondLst>
+                              <p:cond delay="0"/>
+                            </p:stCondLst>
+                            <p:childTnLst>
+                              <p:par>
+                                <p:cTn id="42" presetID="10" presetClass="exit" presetSubtype="0" fill="hold" grpId="1" nodeType="clickEffect">
+                                  <p:stCondLst>
+                                    <p:cond delay="0"/>
+                                  </p:stCondLst>
+                                  <p:childTnLst>
+                                    <p:animEffect transition="out" filter="fade">
+                                      <p:cBhvr>
+                                        <p:cTn id="43" dur="500"/>
+                                        <p:tgtEl>
+                                          <p:spTgt spid="15"/>
+                                        </p:tgtEl>
+                                      </p:cBhvr>
+                                    </p:animEffect>
+                                    <p:set>
+                                      <p:cBhvr>
+                                        <p:cTn id="44" dur="1" fill="hold">
+                                          <p:stCondLst>
+                                            <p:cond delay="499"/>
+                                          </p:stCondLst>
+                                        </p:cTn>
+                                        <p:tgtEl>
+                                          <p:spTgt spid="15"/>
+                                        </p:tgtEl>
+                                        <p:attrNameLst>
+                                          <p:attrName>style.visibility</p:attrName>
+                                        </p:attrNameLst>
+                                      </p:cBhvr>
+                                      <p:to>
+                                        <p:strVal val="hidden"/>
+                                      </p:to>
+                                    </p:set>
+                                  </p:childTnLst>
+                                </p:cTn>
+                              </p:par>
+                            </p:childTnLst>
+                          </p:cTn>
+                        </p:par>
+                      </p:childTnLst>
+                    </p:cTn>
+                  </p:par>
+                </p:childTnLst>
+              </p:cTn>
+              <p:prevCondLst>
+                <p:cond evt="onPrev" delay="0">
+                  <p:tgtEl>
+                    <p:sldTgt/>
+                  </p:tgtEl>
+                </p:cond>
+              </p:prevCondLst>
+              <p:nextCondLst>
+                <p:cond evt="onNext" delay="0">
+                  <p:tgtEl>
+                    <p:sldTgt/>
+                  </p:tgtEl>
+                </p:cond>
+              </p:nextCondLst>
+            </p:seq>
+          </p:childTnLst>
+        </p:cTn>
+      </p:par>
+    </p:tnLst>
+    <p:bldLst>
+      <p:bldP spid="5" grpId="0" animBg="1"/>
+      <p:bldP spid="5" grpId="1" animBg="1"/>
+      <p:bldP spid="13" grpId="0" animBg="1"/>
+      <p:bldP spid="13" grpId="1" animBg="1"/>
+      <p:bldP spid="14" grpId="0" animBg="1"/>
+      <p:bldP spid="14" grpId="1" animBg="1"/>
+      <p:bldP spid="15" grpId="0" animBg="1"/>
+      <p:bldP spid="15" grpId="1" animBg="1"/>
+      <p:bldP spid="17" grpId="0" animBg="1"/>
+      <p:bldP spid="17" grpId="1" animBg="1"/>
+    </p:bldLst>
+  </p:timing>
+</p:sld>
+</file>
+
+<file path=ppt/slides/slide8.xml><?xml version="1.0" encoding="utf-8"?>
 <p:sld xmlns:a="http://schemas.openxmlformats.org/drawingml/2006/main" xmlns:r="http://schemas.openxmlformats.org/officeDocument/2006/relationships" xmlns:p="http://schemas.openxmlformats.org/presentationml/2006/main">
   <p:cSld>
     <p:spTree>
@@ -7885,7 +9850,7 @@
           <p:nvPr/>
         </p:nvPicPr>
         <p:blipFill>
-          <a:blip r:embed="rId2">
+          <a:blip r:embed="rId3">
             <a:extLst>
               <a:ext uri="{28A0092B-C50C-407E-A947-70E740481C1C}">
                 <a14:useLocalDpi xmlns:a14="http://schemas.microsoft.com/office/drawing/2010/main" val="0"/>
@@ -8265,7 +10230,7 @@
     </p:spTree>
     <p:extLst>
       <p:ext uri="{BB962C8B-B14F-4D97-AF65-F5344CB8AC3E}">
-        <p14:creationId xmlns:p14="http://schemas.microsoft.com/office/powerpoint/2010/main" val="341165154"/>
+        <p14:creationId xmlns:p14="http://schemas.microsoft.com/office/powerpoint/2010/main" val="2127638041"/>
       </p:ext>
     </p:extLst>
   </p:cSld>
@@ -8828,172 +10793,6 @@
 </p:sld>
 </file>
 
-<file path=ppt/slides/slide8.xml><?xml version="1.0" encoding="utf-8"?>
-<p:sld xmlns:a="http://schemas.openxmlformats.org/drawingml/2006/main" xmlns:r="http://schemas.openxmlformats.org/officeDocument/2006/relationships" xmlns:p="http://schemas.openxmlformats.org/presentationml/2006/main">
-  <p:cSld>
-    <p:spTree>
-      <p:nvGrpSpPr>
-        <p:cNvPr id="1" name=""/>
-        <p:cNvGrpSpPr/>
-        <p:nvPr/>
-      </p:nvGrpSpPr>
-      <p:grpSpPr>
-        <a:xfrm>
-          <a:off x="0" y="0"/>
-          <a:ext cx="0" cy="0"/>
-          <a:chOff x="0" y="0"/>
-          <a:chExt cx="0" cy="0"/>
-        </a:xfrm>
-      </p:grpSpPr>
-      <p:sp>
-        <p:nvSpPr>
-          <p:cNvPr id="4" name="文本框 3">
-            <a:extLst>
-              <a:ext uri="{FF2B5EF4-FFF2-40B4-BE49-F238E27FC236}">
-                <a16:creationId xmlns:a16="http://schemas.microsoft.com/office/drawing/2014/main" id="{0C968C26-08A9-24D3-FCAB-10D3F879C013}"/>
-              </a:ext>
-            </a:extLst>
-          </p:cNvPr>
-          <p:cNvSpPr txBox="1"/>
-          <p:nvPr/>
-        </p:nvSpPr>
-        <p:spPr>
-          <a:xfrm>
-            <a:off x="409073" y="228599"/>
-            <a:ext cx="2374792" cy="523220"/>
-          </a:xfrm>
-          <a:prstGeom prst="rect">
-            <a:avLst/>
-          </a:prstGeom>
-          <a:noFill/>
-        </p:spPr>
-        <p:txBody>
-          <a:bodyPr wrap="square" rtlCol="0">
-            <a:spAutoFit/>
-          </a:bodyPr>
-          <a:lstStyle/>
-          <a:p>
-            <a:r>
-              <a:rPr lang="en-US" altLang="zh-CN" sz="2800" dirty="0">
-                <a:latin typeface="Avenir Book" panose="02000503020000020003" pitchFamily="2" charset="0"/>
-                <a:cs typeface="Arial" panose="020B0604020202020204" pitchFamily="34" charset="0"/>
-              </a:rPr>
-              <a:t>Case 1</a:t>
-            </a:r>
-          </a:p>
-        </p:txBody>
-      </p:sp>
-      <p:sp>
-        <p:nvSpPr>
-          <p:cNvPr id="5" name="矩形 4">
-            <a:extLst>
-              <a:ext uri="{FF2B5EF4-FFF2-40B4-BE49-F238E27FC236}">
-                <a16:creationId xmlns:a16="http://schemas.microsoft.com/office/drawing/2014/main" id="{72763E7F-12AE-9435-3B40-EFBE5BDC00AA}"/>
-              </a:ext>
-            </a:extLst>
-          </p:cNvPr>
-          <p:cNvSpPr/>
-          <p:nvPr/>
-        </p:nvSpPr>
-        <p:spPr>
-          <a:xfrm flipV="1">
-            <a:off x="288758" y="228600"/>
-            <a:ext cx="120315" cy="522938"/>
-          </a:xfrm>
-          <a:prstGeom prst="rect">
-            <a:avLst/>
-          </a:prstGeom>
-          <a:ln>
-            <a:solidFill>
-              <a:srgbClr val="2F528F">
-                <a:alpha val="0"/>
-              </a:srgbClr>
-            </a:solidFill>
-          </a:ln>
-        </p:spPr>
-        <p:style>
-          <a:lnRef idx="2">
-            <a:schemeClr val="accent1">
-              <a:shade val="50000"/>
-            </a:schemeClr>
-          </a:lnRef>
-          <a:fillRef idx="1">
-            <a:schemeClr val="accent1"/>
-          </a:fillRef>
-          <a:effectRef idx="0">
-            <a:schemeClr val="accent1"/>
-          </a:effectRef>
-          <a:fontRef idx="minor">
-            <a:schemeClr val="lt1"/>
-          </a:fontRef>
-        </p:style>
-        <p:txBody>
-          <a:bodyPr rtlCol="0" anchor="ctr"/>
-          <a:lstStyle/>
-          <a:p>
-            <a:pPr algn="ctr"/>
-            <a:endParaRPr kumimoji="1" lang="zh-CN" altLang="en-US"/>
-          </a:p>
-        </p:txBody>
-      </p:sp>
-      <p:sp>
-        <p:nvSpPr>
-          <p:cNvPr id="2" name="标题 1">
-            <a:extLst>
-              <a:ext uri="{FF2B5EF4-FFF2-40B4-BE49-F238E27FC236}">
-                <a16:creationId xmlns:a16="http://schemas.microsoft.com/office/drawing/2014/main" id="{8441836A-13A4-611A-7FC9-2DEAEC4B8D1F}"/>
-              </a:ext>
-            </a:extLst>
-          </p:cNvPr>
-          <p:cNvSpPr>
-            <a:spLocks noGrp="1"/>
-          </p:cNvSpPr>
-          <p:nvPr>
-            <p:ph type="title"/>
-          </p:nvPr>
-        </p:nvSpPr>
-        <p:spPr>
-          <a:xfrm>
-            <a:off x="99695" y="2476287"/>
-            <a:ext cx="11992610" cy="1325563"/>
-          </a:xfrm>
-        </p:spPr>
-        <p:txBody>
-          <a:bodyPr>
-            <a:noAutofit/>
-          </a:bodyPr>
-          <a:lstStyle/>
-          <a:p>
-            <a:pPr algn="ctr">
-              <a:lnSpc>
-                <a:spcPct val="150000"/>
-              </a:lnSpc>
-            </a:pPr>
-            <a:r>
-              <a:rPr lang="en-US" altLang="zh-CN" sz="3600" dirty="0">
-                <a:latin typeface="Avenir Book" panose="02000503020000020003" pitchFamily="2" charset="0"/>
-              </a:rPr>
-              <a:t>Univariate sunspots forecasting</a:t>
-            </a:r>
-            <a:endParaRPr lang="zh-CN" altLang="en-US" sz="3600" dirty="0">
-              <a:latin typeface="Avenir Book" panose="02000503020000020003" pitchFamily="2" charset="0"/>
-            </a:endParaRPr>
-          </a:p>
-        </p:txBody>
-      </p:sp>
-    </p:spTree>
-    <p:extLst>
-      <p:ext uri="{BB962C8B-B14F-4D97-AF65-F5344CB8AC3E}">
-        <p14:creationId xmlns:p14="http://schemas.microsoft.com/office/powerpoint/2010/main" val="1556273225"/>
-      </p:ext>
-    </p:extLst>
-  </p:cSld>
-  <p:clrMapOvr>
-    <a:masterClrMapping/>
-  </p:clrMapOvr>
-</p:sld>
-</file>
-
 <file path=ppt/slides/slide9.xml><?xml version="1.0" encoding="utf-8"?>
 <p:sld xmlns:a="http://schemas.openxmlformats.org/drawingml/2006/main" xmlns:r="http://schemas.openxmlformats.org/officeDocument/2006/relationships" xmlns:p="http://schemas.openxmlformats.org/presentationml/2006/main">
   <p:cSld>
@@ -9013,101 +10812,10 @@
       </p:grpSpPr>
       <p:sp>
         <p:nvSpPr>
-          <p:cNvPr id="4" name="文本框 3">
-            <a:extLst>
-              <a:ext uri="{FF2B5EF4-FFF2-40B4-BE49-F238E27FC236}">
-                <a16:creationId xmlns:a16="http://schemas.microsoft.com/office/drawing/2014/main" id="{0C968C26-08A9-24D3-FCAB-10D3F879C013}"/>
-              </a:ext>
-            </a:extLst>
-          </p:cNvPr>
-          <p:cNvSpPr txBox="1"/>
-          <p:nvPr/>
-        </p:nvSpPr>
-        <p:spPr>
-          <a:xfrm>
-            <a:off x="409073" y="228599"/>
-            <a:ext cx="2374792" cy="523220"/>
-          </a:xfrm>
-          <a:prstGeom prst="rect">
-            <a:avLst/>
-          </a:prstGeom>
-          <a:noFill/>
-        </p:spPr>
-        <p:txBody>
-          <a:bodyPr wrap="square" rtlCol="0">
-            <a:spAutoFit/>
-          </a:bodyPr>
-          <a:lstStyle/>
-          <a:p>
-            <a:r>
-              <a:rPr lang="en-US" altLang="zh-CN" sz="2800" dirty="0">
-                <a:latin typeface="Avenir Book" panose="02000503020000020003" pitchFamily="2" charset="0"/>
-                <a:cs typeface="Arial" panose="020B0604020202020204" pitchFamily="34" charset="0"/>
-              </a:rPr>
-              <a:t>Case 2</a:t>
-            </a:r>
-          </a:p>
-        </p:txBody>
-      </p:sp>
-      <p:sp>
-        <p:nvSpPr>
-          <p:cNvPr id="5" name="矩形 4">
-            <a:extLst>
-              <a:ext uri="{FF2B5EF4-FFF2-40B4-BE49-F238E27FC236}">
-                <a16:creationId xmlns:a16="http://schemas.microsoft.com/office/drawing/2014/main" id="{72763E7F-12AE-9435-3B40-EFBE5BDC00AA}"/>
-              </a:ext>
-            </a:extLst>
-          </p:cNvPr>
-          <p:cNvSpPr/>
-          <p:nvPr/>
-        </p:nvSpPr>
-        <p:spPr>
-          <a:xfrm flipV="1">
-            <a:off x="288758" y="228600"/>
-            <a:ext cx="120315" cy="522938"/>
-          </a:xfrm>
-          <a:prstGeom prst="rect">
-            <a:avLst/>
-          </a:prstGeom>
-          <a:ln>
-            <a:solidFill>
-              <a:srgbClr val="2F528F">
-                <a:alpha val="0"/>
-              </a:srgbClr>
-            </a:solidFill>
-          </a:ln>
-        </p:spPr>
-        <p:style>
-          <a:lnRef idx="2">
-            <a:schemeClr val="accent1">
-              <a:shade val="50000"/>
-            </a:schemeClr>
-          </a:lnRef>
-          <a:fillRef idx="1">
-            <a:schemeClr val="accent1"/>
-          </a:fillRef>
-          <a:effectRef idx="0">
-            <a:schemeClr val="accent1"/>
-          </a:effectRef>
-          <a:fontRef idx="minor">
-            <a:schemeClr val="lt1"/>
-          </a:fontRef>
-        </p:style>
-        <p:txBody>
-          <a:bodyPr rtlCol="0" anchor="ctr"/>
-          <a:lstStyle/>
-          <a:p>
-            <a:pPr algn="ctr"/>
-            <a:endParaRPr kumimoji="1" lang="zh-CN" altLang="en-US"/>
-          </a:p>
-        </p:txBody>
-      </p:sp>
-      <p:sp>
-        <p:nvSpPr>
           <p:cNvPr id="2" name="标题 1">
             <a:extLst>
               <a:ext uri="{FF2B5EF4-FFF2-40B4-BE49-F238E27FC236}">
-                <a16:creationId xmlns:a16="http://schemas.microsoft.com/office/drawing/2014/main" id="{D1E12369-868A-68CA-4B67-99758F82FEAF}"/>
+                <a16:creationId xmlns:a16="http://schemas.microsoft.com/office/drawing/2014/main" id="{F275D3FE-612F-3E2E-250C-6ACACBF8621D}"/>
               </a:ext>
             </a:extLst>
           </p:cNvPr>
@@ -9120,7 +10828,7 @@
         </p:nvSpPr>
         <p:spPr>
           <a:xfrm>
-            <a:off x="99695" y="2476287"/>
+            <a:off x="99695" y="2396103"/>
             <a:ext cx="11992610" cy="1325563"/>
           </a:xfrm>
         </p:spPr>
@@ -9136,12 +10844,13 @@
               </a:lnSpc>
             </a:pPr>
             <a:r>
-              <a:rPr lang="en-US" altLang="zh-CN" sz="3600" dirty="0">
+              <a:rPr lang="en-US" altLang="zh-CN" sz="4800" b="0" i="1" dirty="0">
+                <a:effectLst/>
                 <a:latin typeface="Avenir Book" panose="02000503020000020003" pitchFamily="2" charset="0"/>
               </a:rPr>
-              <a:t>Multivariate PM2.5 forecasting</a:t>
+              <a:t>Part 3: Case Study </a:t>
             </a:r>
-            <a:endParaRPr lang="zh-CN" altLang="en-US" sz="3600" dirty="0">
+            <a:endParaRPr lang="zh-CN" altLang="en-US" sz="4800" dirty="0">
               <a:latin typeface="Avenir Book" panose="02000503020000020003" pitchFamily="2" charset="0"/>
             </a:endParaRPr>
           </a:p>
@@ -9150,7 +10859,7 @@
     </p:spTree>
     <p:extLst>
       <p:ext uri="{BB962C8B-B14F-4D97-AF65-F5344CB8AC3E}">
-        <p14:creationId xmlns:p14="http://schemas.microsoft.com/office/powerpoint/2010/main" val="4093534363"/>
+        <p14:creationId xmlns:p14="http://schemas.microsoft.com/office/powerpoint/2010/main" val="2091103319"/>
       </p:ext>
     </p:extLst>
   </p:cSld>

--- a/script(1).pptx
+++ b/script(1).pptx
@@ -129,7 +129,7 @@
 <file path=ppt/revisionInfo.xml><?xml version="1.0" encoding="utf-8"?>
 <p1510:revInfo xmlns:a="http://schemas.openxmlformats.org/drawingml/2006/main" xmlns:r="http://schemas.openxmlformats.org/officeDocument/2006/relationships" xmlns:p1510="http://schemas.microsoft.com/office/powerpoint/2015/10/main">
   <p1510:revLst>
-    <p1510:client id="{53A2D03C-0902-3F4F-AA2C-0E89EC5AC7AE}" v="76" dt="2023-06-27T14:43:04.205"/>
+    <p1510:client id="{53A2D03C-0902-3F4F-AA2C-0E89EC5AC7AE}" v="80" dt="2023-06-28T11:57:22.504"/>
   </p1510:revLst>
 </p1510:revInfo>
 </file>
@@ -138,13 +138,13 @@
 <pc:chgInfo xmlns:a="http://schemas.openxmlformats.org/drawingml/2006/main" xmlns:r="http://schemas.openxmlformats.org/officeDocument/2006/relationships" xmlns:ac="http://schemas.microsoft.com/office/drawing/2013/main/command" xmlns:pc="http://schemas.microsoft.com/office/powerpoint/2013/main/command">
   <pc:docChgLst>
     <pc:chgData name="SHI Qing" userId="14958df6-2a70-49ba-a6bb-0d84d535fa57" providerId="ADAL" clId="{53A2D03C-0902-3F4F-AA2C-0E89EC5AC7AE}"/>
-    <pc:docChg chg="undo custSel addSld delSld modSld sldOrd">
-      <pc:chgData name="SHI Qing" userId="14958df6-2a70-49ba-a6bb-0d84d535fa57" providerId="ADAL" clId="{53A2D03C-0902-3F4F-AA2C-0E89EC5AC7AE}" dt="2023-06-27T14:43:04.205" v="925" actId="167"/>
+    <pc:docChg chg="undo redo custSel addSld delSld modSld sldOrd">
+      <pc:chgData name="SHI Qing" userId="14958df6-2a70-49ba-a6bb-0d84d535fa57" providerId="ADAL" clId="{53A2D03C-0902-3F4F-AA2C-0E89EC5AC7AE}" dt="2023-06-28T12:27:55.394" v="1008" actId="20577"/>
       <pc:docMkLst>
         <pc:docMk/>
       </pc:docMkLst>
-      <pc:sldChg chg="addSp delSp modSp mod delAnim modAnim">
-        <pc:chgData name="SHI Qing" userId="14958df6-2a70-49ba-a6bb-0d84d535fa57" providerId="ADAL" clId="{53A2D03C-0902-3F4F-AA2C-0E89EC5AC7AE}" dt="2023-06-26T08:40:21.128" v="743" actId="14100"/>
+      <pc:sldChg chg="addSp delSp modSp mod delAnim modAnim modNotesTx">
+        <pc:chgData name="SHI Qing" userId="14958df6-2a70-49ba-a6bb-0d84d535fa57" providerId="ADAL" clId="{53A2D03C-0902-3F4F-AA2C-0E89EC5AC7AE}" dt="2023-06-28T12:27:55.394" v="1008" actId="20577"/>
         <pc:sldMkLst>
           <pc:docMk/>
           <pc:sldMk cId="3263066336" sldId="256"/>
@@ -1624,7 +1624,11 @@
           <a:p>
             <a:r>
               <a:rPr lang="en-US" altLang="zh-CN" dirty="0"/>
-              <a:t>In our work, we propose a visual analytics system, </a:t>
+              <a:t>In our work, we propose a general visual </a:t>
+            </a:r>
+            <a:r>
+              <a:rPr lang="en-US" altLang="zh-CN"/>
+              <a:t>analytics framework , </a:t>
             </a:r>
             <a:r>
               <a:rPr lang="en-US" altLang="zh-CN" dirty="0" err="1"/>

--- a/script(1).pptx
+++ b/script(1).pptx
@@ -139,12 +139,12 @@
   <pc:docChgLst>
     <pc:chgData name="SHI Qing" userId="14958df6-2a70-49ba-a6bb-0d84d535fa57" providerId="ADAL" clId="{53A2D03C-0902-3F4F-AA2C-0E89EC5AC7AE}"/>
     <pc:docChg chg="undo redo custSel addSld delSld modSld sldOrd">
-      <pc:chgData name="SHI Qing" userId="14958df6-2a70-49ba-a6bb-0d84d535fa57" providerId="ADAL" clId="{53A2D03C-0902-3F4F-AA2C-0E89EC5AC7AE}" dt="2023-06-28T12:27:55.394" v="1008" actId="20577"/>
+      <pc:chgData name="SHI Qing" userId="14958df6-2a70-49ba-a6bb-0d84d535fa57" providerId="ADAL" clId="{53A2D03C-0902-3F4F-AA2C-0E89EC5AC7AE}" dt="2023-06-30T04:41:27.306" v="1015" actId="20577"/>
       <pc:docMkLst>
         <pc:docMk/>
       </pc:docMkLst>
       <pc:sldChg chg="addSp delSp modSp mod delAnim modAnim modNotesTx">
-        <pc:chgData name="SHI Qing" userId="14958df6-2a70-49ba-a6bb-0d84d535fa57" providerId="ADAL" clId="{53A2D03C-0902-3F4F-AA2C-0E89EC5AC7AE}" dt="2023-06-28T12:27:55.394" v="1008" actId="20577"/>
+        <pc:chgData name="SHI Qing" userId="14958df6-2a70-49ba-a6bb-0d84d535fa57" providerId="ADAL" clId="{53A2D03C-0902-3F4F-AA2C-0E89EC5AC7AE}" dt="2023-06-30T04:41:27.306" v="1015" actId="20577"/>
         <pc:sldMkLst>
           <pc:docMk/>
           <pc:sldMk cId="3263066336" sldId="256"/>
@@ -916,7 +916,7 @@
           <a:p>
             <a:fld id="{56488C5F-7933-4056-A138-F8E0AAB38235}" type="datetimeFigureOut">
               <a:rPr lang="zh-CN" altLang="en-US" smtClean="0"/>
-              <a:t>2023/6/27</a:t>
+              <a:t>2023/6/30</a:t>
             </a:fld>
             <a:endParaRPr lang="zh-CN" altLang="en-US"/>
           </a:p>
@@ -1624,11 +1624,7 @@
           <a:p>
             <a:r>
               <a:rPr lang="en-US" altLang="zh-CN" dirty="0"/>
-              <a:t>In our work, we propose a general visual </a:t>
-            </a:r>
-            <a:r>
-              <a:rPr lang="en-US" altLang="zh-CN"/>
-              <a:t>analytics framework , </a:t>
+              <a:t>In our work, we propose a general visual analytics framework , </a:t>
             </a:r>
             <a:r>
               <a:rPr lang="en-US" altLang="zh-CN" dirty="0" err="1"/>
@@ -1653,7 +1649,7 @@
                 <a:effectLst/>
                 <a:latin typeface="Arial" panose="020B0604020202020204" pitchFamily="34" charset="0"/>
               </a:rPr>
-              <a:t>and 3) counterfactual explaining in the Forecasting and Explaining stage, and 4) visualization system in the Interactive Exploration stage.</a:t>
+              <a:t>and 3) counterfactual explainer in the Forecasting and Explaining stage, and 4) visualization system in the Interactive Exploration stage.</a:t>
             </a:r>
             <a:endParaRPr lang="zh-CN" altLang="en-US" dirty="0"/>
           </a:p>
@@ -2266,7 +2262,7 @@
           <a:p>
             <a:fld id="{0016A32F-BE04-4790-9DB5-28628EA3EE5C}" type="datetimeFigureOut">
               <a:rPr lang="zh-CN" altLang="en-US" smtClean="0"/>
-              <a:t>2023/6/27</a:t>
+              <a:t>2023/6/30</a:t>
             </a:fld>
             <a:endParaRPr lang="zh-CN" altLang="en-US"/>
           </a:p>
@@ -2464,7 +2460,7 @@
           <a:p>
             <a:fld id="{0016A32F-BE04-4790-9DB5-28628EA3EE5C}" type="datetimeFigureOut">
               <a:rPr lang="zh-CN" altLang="en-US" smtClean="0"/>
-              <a:t>2023/6/27</a:t>
+              <a:t>2023/6/30</a:t>
             </a:fld>
             <a:endParaRPr lang="zh-CN" altLang="en-US"/>
           </a:p>
@@ -2672,7 +2668,7 @@
           <a:p>
             <a:fld id="{0016A32F-BE04-4790-9DB5-28628EA3EE5C}" type="datetimeFigureOut">
               <a:rPr lang="zh-CN" altLang="en-US" smtClean="0"/>
-              <a:t>2023/6/27</a:t>
+              <a:t>2023/6/30</a:t>
             </a:fld>
             <a:endParaRPr lang="zh-CN" altLang="en-US"/>
           </a:p>
@@ -2870,7 +2866,7 @@
           <a:p>
             <a:fld id="{0016A32F-BE04-4790-9DB5-28628EA3EE5C}" type="datetimeFigureOut">
               <a:rPr lang="zh-CN" altLang="en-US" smtClean="0"/>
-              <a:t>2023/6/27</a:t>
+              <a:t>2023/6/30</a:t>
             </a:fld>
             <a:endParaRPr lang="zh-CN" altLang="en-US"/>
           </a:p>
@@ -3145,7 +3141,7 @@
           <a:p>
             <a:fld id="{0016A32F-BE04-4790-9DB5-28628EA3EE5C}" type="datetimeFigureOut">
               <a:rPr lang="zh-CN" altLang="en-US" smtClean="0"/>
-              <a:t>2023/6/27</a:t>
+              <a:t>2023/6/30</a:t>
             </a:fld>
             <a:endParaRPr lang="zh-CN" altLang="en-US"/>
           </a:p>
@@ -3410,7 +3406,7 @@
           <a:p>
             <a:fld id="{0016A32F-BE04-4790-9DB5-28628EA3EE5C}" type="datetimeFigureOut">
               <a:rPr lang="zh-CN" altLang="en-US" smtClean="0"/>
-              <a:t>2023/6/27</a:t>
+              <a:t>2023/6/30</a:t>
             </a:fld>
             <a:endParaRPr lang="zh-CN" altLang="en-US"/>
           </a:p>
@@ -3822,7 +3818,7 @@
           <a:p>
             <a:fld id="{0016A32F-BE04-4790-9DB5-28628EA3EE5C}" type="datetimeFigureOut">
               <a:rPr lang="zh-CN" altLang="en-US" smtClean="0"/>
-              <a:t>2023/6/27</a:t>
+              <a:t>2023/6/30</a:t>
             </a:fld>
             <a:endParaRPr lang="zh-CN" altLang="en-US"/>
           </a:p>
@@ -3963,7 +3959,7 @@
           <a:p>
             <a:fld id="{0016A32F-BE04-4790-9DB5-28628EA3EE5C}" type="datetimeFigureOut">
               <a:rPr lang="zh-CN" altLang="en-US" smtClean="0"/>
-              <a:t>2023/6/27</a:t>
+              <a:t>2023/6/30</a:t>
             </a:fld>
             <a:endParaRPr lang="zh-CN" altLang="en-US"/>
           </a:p>
@@ -4076,7 +4072,7 @@
           <a:p>
             <a:fld id="{0016A32F-BE04-4790-9DB5-28628EA3EE5C}" type="datetimeFigureOut">
               <a:rPr lang="zh-CN" altLang="en-US" smtClean="0"/>
-              <a:t>2023/6/27</a:t>
+              <a:t>2023/6/30</a:t>
             </a:fld>
             <a:endParaRPr lang="zh-CN" altLang="en-US"/>
           </a:p>
@@ -4387,7 +4383,7 @@
           <a:p>
             <a:fld id="{0016A32F-BE04-4790-9DB5-28628EA3EE5C}" type="datetimeFigureOut">
               <a:rPr lang="zh-CN" altLang="en-US" smtClean="0"/>
-              <a:t>2023/6/27</a:t>
+              <a:t>2023/6/30</a:t>
             </a:fld>
             <a:endParaRPr lang="zh-CN" altLang="en-US"/>
           </a:p>
@@ -4675,7 +4671,7 @@
           <a:p>
             <a:fld id="{0016A32F-BE04-4790-9DB5-28628EA3EE5C}" type="datetimeFigureOut">
               <a:rPr lang="zh-CN" altLang="en-US" smtClean="0"/>
-              <a:t>2023/6/27</a:t>
+              <a:t>2023/6/30</a:t>
             </a:fld>
             <a:endParaRPr lang="zh-CN" altLang="en-US"/>
           </a:p>
@@ -4916,7 +4912,7 @@
           <a:p>
             <a:fld id="{0016A32F-BE04-4790-9DB5-28628EA3EE5C}" type="datetimeFigureOut">
               <a:rPr lang="zh-CN" altLang="en-US" smtClean="0"/>
-              <a:t>2023/6/27</a:t>
+              <a:t>2023/6/30</a:t>
             </a:fld>
             <a:endParaRPr lang="zh-CN" altLang="en-US"/>
           </a:p>

--- a/script(1).pptx
+++ b/script(1).pptx
@@ -139,7 +139,7 @@
   <pc:docChgLst>
     <pc:chgData name="SHI Qing" userId="14958df6-2a70-49ba-a6bb-0d84d535fa57" providerId="ADAL" clId="{53A2D03C-0902-3F4F-AA2C-0E89EC5AC7AE}"/>
     <pc:docChg chg="undo redo custSel addSld delSld modSld sldOrd">
-      <pc:chgData name="SHI Qing" userId="14958df6-2a70-49ba-a6bb-0d84d535fa57" providerId="ADAL" clId="{53A2D03C-0902-3F4F-AA2C-0E89EC5AC7AE}" dt="2023-06-30T04:41:27.306" v="1015" actId="20577"/>
+      <pc:chgData name="SHI Qing" userId="14958df6-2a70-49ba-a6bb-0d84d535fa57" providerId="ADAL" clId="{53A2D03C-0902-3F4F-AA2C-0E89EC5AC7AE}" dt="2023-07-02T08:04:31.125" v="1040" actId="20577"/>
       <pc:docMkLst>
         <pc:docMk/>
       </pc:docMkLst>
@@ -374,7 +374,7 @@
         </pc:picChg>
       </pc:sldChg>
       <pc:sldChg chg="addSp delSp modSp mod modAnim modNotesTx">
-        <pc:chgData name="SHI Qing" userId="14958df6-2a70-49ba-a6bb-0d84d535fa57" providerId="ADAL" clId="{53A2D03C-0902-3F4F-AA2C-0E89EC5AC7AE}" dt="2023-06-26T06:51:14.854" v="709"/>
+        <pc:chgData name="SHI Qing" userId="14958df6-2a70-49ba-a6bb-0d84d535fa57" providerId="ADAL" clId="{53A2D03C-0902-3F4F-AA2C-0E89EC5AC7AE}" dt="2023-07-02T08:04:31.125" v="1040" actId="20577"/>
         <pc:sldMkLst>
           <pc:docMk/>
           <pc:sldMk cId="4287660399" sldId="259"/>
@@ -508,7 +508,7 @@
           </ac:spMkLst>
         </pc:spChg>
         <pc:spChg chg="add mod">
-          <ac:chgData name="SHI Qing" userId="14958df6-2a70-49ba-a6bb-0d84d535fa57" providerId="ADAL" clId="{53A2D03C-0902-3F4F-AA2C-0E89EC5AC7AE}" dt="2023-06-26T02:41:21.885" v="308" actId="164"/>
+          <ac:chgData name="SHI Qing" userId="14958df6-2a70-49ba-a6bb-0d84d535fa57" providerId="ADAL" clId="{53A2D03C-0902-3F4F-AA2C-0E89EC5AC7AE}" dt="2023-07-02T08:04:31.125" v="1040" actId="20577"/>
           <ac:spMkLst>
             <pc:docMk/>
             <pc:sldMk cId="4287660399" sldId="259"/>
@@ -916,7 +916,7 @@
           <a:p>
             <a:fld id="{56488C5F-7933-4056-A138-F8E0AAB38235}" type="datetimeFigureOut">
               <a:rPr lang="zh-CN" altLang="en-US" smtClean="0"/>
-              <a:t>2023/6/30</a:t>
+              <a:t>2023/7/2</a:t>
             </a:fld>
             <a:endParaRPr lang="zh-CN" altLang="en-US"/>
           </a:p>
@@ -2262,7 +2262,7 @@
           <a:p>
             <a:fld id="{0016A32F-BE04-4790-9DB5-28628EA3EE5C}" type="datetimeFigureOut">
               <a:rPr lang="zh-CN" altLang="en-US" smtClean="0"/>
-              <a:t>2023/6/30</a:t>
+              <a:t>2023/7/2</a:t>
             </a:fld>
             <a:endParaRPr lang="zh-CN" altLang="en-US"/>
           </a:p>
@@ -2460,7 +2460,7 @@
           <a:p>
             <a:fld id="{0016A32F-BE04-4790-9DB5-28628EA3EE5C}" type="datetimeFigureOut">
               <a:rPr lang="zh-CN" altLang="en-US" smtClean="0"/>
-              <a:t>2023/6/30</a:t>
+              <a:t>2023/7/2</a:t>
             </a:fld>
             <a:endParaRPr lang="zh-CN" altLang="en-US"/>
           </a:p>
@@ -2668,7 +2668,7 @@
           <a:p>
             <a:fld id="{0016A32F-BE04-4790-9DB5-28628EA3EE5C}" type="datetimeFigureOut">
               <a:rPr lang="zh-CN" altLang="en-US" smtClean="0"/>
-              <a:t>2023/6/30</a:t>
+              <a:t>2023/7/2</a:t>
             </a:fld>
             <a:endParaRPr lang="zh-CN" altLang="en-US"/>
           </a:p>
@@ -2866,7 +2866,7 @@
           <a:p>
             <a:fld id="{0016A32F-BE04-4790-9DB5-28628EA3EE5C}" type="datetimeFigureOut">
               <a:rPr lang="zh-CN" altLang="en-US" smtClean="0"/>
-              <a:t>2023/6/30</a:t>
+              <a:t>2023/7/2</a:t>
             </a:fld>
             <a:endParaRPr lang="zh-CN" altLang="en-US"/>
           </a:p>
@@ -3141,7 +3141,7 @@
           <a:p>
             <a:fld id="{0016A32F-BE04-4790-9DB5-28628EA3EE5C}" type="datetimeFigureOut">
               <a:rPr lang="zh-CN" altLang="en-US" smtClean="0"/>
-              <a:t>2023/6/30</a:t>
+              <a:t>2023/7/2</a:t>
             </a:fld>
             <a:endParaRPr lang="zh-CN" altLang="en-US"/>
           </a:p>
@@ -3406,7 +3406,7 @@
           <a:p>
             <a:fld id="{0016A32F-BE04-4790-9DB5-28628EA3EE5C}" type="datetimeFigureOut">
               <a:rPr lang="zh-CN" altLang="en-US" smtClean="0"/>
-              <a:t>2023/6/30</a:t>
+              <a:t>2023/7/2</a:t>
             </a:fld>
             <a:endParaRPr lang="zh-CN" altLang="en-US"/>
           </a:p>
@@ -3818,7 +3818,7 @@
           <a:p>
             <a:fld id="{0016A32F-BE04-4790-9DB5-28628EA3EE5C}" type="datetimeFigureOut">
               <a:rPr lang="zh-CN" altLang="en-US" smtClean="0"/>
-              <a:t>2023/6/30</a:t>
+              <a:t>2023/7/2</a:t>
             </a:fld>
             <a:endParaRPr lang="zh-CN" altLang="en-US"/>
           </a:p>
@@ -3959,7 +3959,7 @@
           <a:p>
             <a:fld id="{0016A32F-BE04-4790-9DB5-28628EA3EE5C}" type="datetimeFigureOut">
               <a:rPr lang="zh-CN" altLang="en-US" smtClean="0"/>
-              <a:t>2023/6/30</a:t>
+              <a:t>2023/7/2</a:t>
             </a:fld>
             <a:endParaRPr lang="zh-CN" altLang="en-US"/>
           </a:p>
@@ -4072,7 +4072,7 @@
           <a:p>
             <a:fld id="{0016A32F-BE04-4790-9DB5-28628EA3EE5C}" type="datetimeFigureOut">
               <a:rPr lang="zh-CN" altLang="en-US" smtClean="0"/>
-              <a:t>2023/6/30</a:t>
+              <a:t>2023/7/2</a:t>
             </a:fld>
             <a:endParaRPr lang="zh-CN" altLang="en-US"/>
           </a:p>
@@ -4383,7 +4383,7 @@
           <a:p>
             <a:fld id="{0016A32F-BE04-4790-9DB5-28628EA3EE5C}" type="datetimeFigureOut">
               <a:rPr lang="zh-CN" altLang="en-US" smtClean="0"/>
-              <a:t>2023/6/30</a:t>
+              <a:t>2023/7/2</a:t>
             </a:fld>
             <a:endParaRPr lang="zh-CN" altLang="en-US"/>
           </a:p>
@@ -4671,7 +4671,7 @@
           <a:p>
             <a:fld id="{0016A32F-BE04-4790-9DB5-28628EA3EE5C}" type="datetimeFigureOut">
               <a:rPr lang="zh-CN" altLang="en-US" smtClean="0"/>
-              <a:t>2023/6/30</a:t>
+              <a:t>2023/7/2</a:t>
             </a:fld>
             <a:endParaRPr lang="zh-CN" altLang="en-US"/>
           </a:p>
@@ -4912,7 +4912,7 @@
           <a:p>
             <a:fld id="{0016A32F-BE04-4790-9DB5-28628EA3EE5C}" type="datetimeFigureOut">
               <a:rPr lang="zh-CN" altLang="en-US" smtClean="0"/>
-              <a:t>2023/6/30</a:t>
+              <a:t>2023/7/2</a:t>
             </a:fld>
             <a:endParaRPr lang="zh-CN" altLang="en-US"/>
           </a:p>
@@ -8596,11 +8596,18 @@
             <a:lstStyle/>
             <a:p>
               <a:r>
+                <a:rPr lang="en-US" altLang="zh-CN" sz="2200">
+                  <a:latin typeface="Avenir Book" panose="02000503020000020003" pitchFamily="2" charset="0"/>
+                  <a:cs typeface="Arial" panose="020B0604020202020204" pitchFamily="34" charset="0"/>
+                </a:rPr>
+                <a:t>Overview </a:t>
+              </a:r>
+              <a:r>
                 <a:rPr lang="en-US" altLang="zh-CN" sz="2200" dirty="0">
                   <a:latin typeface="Avenir Book" panose="02000503020000020003" pitchFamily="2" charset="0"/>
                   <a:cs typeface="Arial" panose="020B0604020202020204" pitchFamily="34" charset="0"/>
                 </a:rPr>
-                <a:t>Detect the overall patterns of predictions.</a:t>
+                <a:t>the overall patterns of predictions.</a:t>
               </a:r>
               <a:endParaRPr lang="zh-CN" altLang="en-US" sz="2200" dirty="0">
                 <a:latin typeface="Avenir Book" panose="02000503020000020003" pitchFamily="2" charset="0"/>
